--- a/01-CourseIntroduction/01-CourseIntroduction.pptx
+++ b/01-CourseIntroduction/01-CourseIntroduction.pptx
@@ -16,7 +16,7 @@
     <p:sldId id="306" r:id="rId4"/>
     <p:sldId id="304" r:id="rId5"/>
     <p:sldId id="307" r:id="rId6"/>
-    <p:sldId id="314" r:id="rId7"/>
+    <p:sldId id="326" r:id="rId7"/>
     <p:sldId id="312" r:id="rId8"/>
     <p:sldId id="320" r:id="rId9"/>
     <p:sldId id="291" r:id="rId10"/>
@@ -138,7 +138,7 @@
 <file path=ppt/revisionInfo.xml><?xml version="1.0" encoding="utf-8"?>
 <p1510:revInfo xmlns:a="http://schemas.openxmlformats.org/drawingml/2006/main" xmlns:r="http://schemas.openxmlformats.org/officeDocument/2006/relationships" xmlns:p1510="http://schemas.microsoft.com/office/powerpoint/2015/10/main">
   <p1510:revLst>
-    <p1510:client id="{598E804E-1284-4E69-B93D-C5B9C305894D}" v="19" dt="2022-09-25T14:53:16.224"/>
+    <p1510:client id="{598E804E-1284-4E69-B93D-C5B9C305894D}" v="65" dt="2022-09-27T12:31:15.030"/>
   </p1510:revLst>
 </p1510:revInfo>
 </file>
@@ -147,8 +147,8 @@
 <pc:chgInfo xmlns:a="http://schemas.openxmlformats.org/drawingml/2006/main" xmlns:r="http://schemas.openxmlformats.org/officeDocument/2006/relationships" xmlns:ac="http://schemas.microsoft.com/office/drawing/2013/main/command" xmlns:pc="http://schemas.microsoft.com/office/powerpoint/2013/main/command">
   <pc:docChgLst>
     <pc:chgData name="Janusz Stal" userId="570fe9c4-9123-4bde-9755-2a9767a29a9c" providerId="ADAL" clId="{598E804E-1284-4E69-B93D-C5B9C305894D}"/>
-    <pc:docChg chg="undo custSel addSld delSld modSld sldOrd">
-      <pc:chgData name="Janusz Stal" userId="570fe9c4-9123-4bde-9755-2a9767a29a9c" providerId="ADAL" clId="{598E804E-1284-4E69-B93D-C5B9C305894D}" dt="2022-09-25T16:06:37.060" v="3488" actId="20577"/>
+    <pc:docChg chg="undo redo custSel addSld delSld modSld sldOrd">
+      <pc:chgData name="Janusz Stal" userId="570fe9c4-9123-4bde-9755-2a9767a29a9c" providerId="ADAL" clId="{598E804E-1284-4E69-B93D-C5B9C305894D}" dt="2022-09-27T12:38:01.069" v="3992" actId="5793"/>
       <pc:docMkLst>
         <pc:docMk/>
       </pc:docMkLst>
@@ -244,13 +244,13 @@
         </pc:picChg>
       </pc:sldChg>
       <pc:sldChg chg="delSp modSp mod ord modClrScheme chgLayout">
-        <pc:chgData name="Janusz Stal" userId="570fe9c4-9123-4bde-9755-2a9767a29a9c" providerId="ADAL" clId="{598E804E-1284-4E69-B93D-C5B9C305894D}" dt="2022-09-25T14:53:19.483" v="2189" actId="5793"/>
+        <pc:chgData name="Janusz Stal" userId="570fe9c4-9123-4bde-9755-2a9767a29a9c" providerId="ADAL" clId="{598E804E-1284-4E69-B93D-C5B9C305894D}" dt="2022-09-27T12:38:01.069" v="3992" actId="5793"/>
         <pc:sldMkLst>
           <pc:docMk/>
           <pc:sldMk cId="3501920987" sldId="299"/>
         </pc:sldMkLst>
         <pc:spChg chg="mod ord">
-          <ac:chgData name="Janusz Stal" userId="570fe9c4-9123-4bde-9755-2a9767a29a9c" providerId="ADAL" clId="{598E804E-1284-4E69-B93D-C5B9C305894D}" dt="2022-09-25T14:53:19.483" v="2189" actId="5793"/>
+          <ac:chgData name="Janusz Stal" userId="570fe9c4-9123-4bde-9755-2a9767a29a9c" providerId="ADAL" clId="{598E804E-1284-4E69-B93D-C5B9C305894D}" dt="2022-09-27T12:38:01.069" v="3992" actId="5793"/>
           <ac:spMkLst>
             <pc:docMk/>
             <pc:sldMk cId="3501920987" sldId="299"/>
@@ -266,7 +266,7 @@
           </ac:spMkLst>
         </pc:spChg>
         <pc:spChg chg="mod ord">
-          <ac:chgData name="Janusz Stal" userId="570fe9c4-9123-4bde-9755-2a9767a29a9c" providerId="ADAL" clId="{598E804E-1284-4E69-B93D-C5B9C305894D}" dt="2022-09-25T14:42:08.279" v="1997" actId="6549"/>
+          <ac:chgData name="Janusz Stal" userId="570fe9c4-9123-4bde-9755-2a9767a29a9c" providerId="ADAL" clId="{598E804E-1284-4E69-B93D-C5B9C305894D}" dt="2022-09-27T12:37:00.554" v="3954" actId="20577"/>
           <ac:spMkLst>
             <pc:docMk/>
             <pc:sldMk cId="3501920987" sldId="299"/>
@@ -502,14 +502,14 @@
           </ac:spMkLst>
         </pc:spChg>
       </pc:sldChg>
-      <pc:sldChg chg="addSp delSp modSp add mod modClrScheme chgLayout">
-        <pc:chgData name="Janusz Stal" userId="570fe9c4-9123-4bde-9755-2a9767a29a9c" providerId="ADAL" clId="{598E804E-1284-4E69-B93D-C5B9C305894D}" dt="2022-09-25T12:42:32.717" v="729" actId="20577"/>
+      <pc:sldChg chg="addSp delSp modSp add del mod modClrScheme chgLayout">
+        <pc:chgData name="Janusz Stal" userId="570fe9c4-9123-4bde-9755-2a9767a29a9c" providerId="ADAL" clId="{598E804E-1284-4E69-B93D-C5B9C305894D}" dt="2022-09-27T12:27:21.287" v="3819" actId="47"/>
         <pc:sldMkLst>
           <pc:docMk/>
           <pc:sldMk cId="1686425742" sldId="314"/>
         </pc:sldMkLst>
         <pc:spChg chg="mod ord">
-          <ac:chgData name="Janusz Stal" userId="570fe9c4-9123-4bde-9755-2a9767a29a9c" providerId="ADAL" clId="{598E804E-1284-4E69-B93D-C5B9C305894D}" dt="2022-09-25T12:41:16.434" v="703" actId="403"/>
+          <ac:chgData name="Janusz Stal" userId="570fe9c4-9123-4bde-9755-2a9767a29a9c" providerId="ADAL" clId="{598E804E-1284-4E69-B93D-C5B9C305894D}" dt="2022-09-27T12:18:27.067" v="3611" actId="20577"/>
           <ac:spMkLst>
             <pc:docMk/>
             <pc:sldMk cId="1686425742" sldId="314"/>
@@ -533,7 +533,7 @@
           </ac:spMkLst>
         </pc:spChg>
         <pc:spChg chg="add mod ord">
-          <ac:chgData name="Janusz Stal" userId="570fe9c4-9123-4bde-9755-2a9767a29a9c" providerId="ADAL" clId="{598E804E-1284-4E69-B93D-C5B9C305894D}" dt="2022-09-25T12:42:32.717" v="729" actId="20577"/>
+          <ac:chgData name="Janusz Stal" userId="570fe9c4-9123-4bde-9755-2a9767a29a9c" providerId="ADAL" clId="{598E804E-1284-4E69-B93D-C5B9C305894D}" dt="2022-09-27T12:19:02.874" v="3652" actId="6549"/>
           <ac:spMkLst>
             <pc:docMk/>
             <pc:sldMk cId="1686425742" sldId="314"/>
@@ -541,7 +541,7 @@
           </ac:spMkLst>
         </pc:spChg>
         <pc:spChg chg="add mod ord">
-          <ac:chgData name="Janusz Stal" userId="570fe9c4-9123-4bde-9755-2a9767a29a9c" providerId="ADAL" clId="{598E804E-1284-4E69-B93D-C5B9C305894D}" dt="2022-09-25T12:40:06.150" v="681" actId="20577"/>
+          <ac:chgData name="Janusz Stal" userId="570fe9c4-9123-4bde-9755-2a9767a29a9c" providerId="ADAL" clId="{598E804E-1284-4E69-B93D-C5B9C305894D}" dt="2022-09-27T12:09:58.759" v="3540" actId="20577"/>
           <ac:spMkLst>
             <pc:docMk/>
             <pc:sldMk cId="1686425742" sldId="314"/>
@@ -549,19 +549,35 @@
           </ac:spMkLst>
         </pc:spChg>
         <pc:spChg chg="add mod ord">
-          <ac:chgData name="Janusz Stal" userId="570fe9c4-9123-4bde-9755-2a9767a29a9c" providerId="ADAL" clId="{598E804E-1284-4E69-B93D-C5B9C305894D}" dt="2022-09-25T12:40:20.266" v="687" actId="20577"/>
+          <ac:chgData name="Janusz Stal" userId="570fe9c4-9123-4bde-9755-2a9767a29a9c" providerId="ADAL" clId="{598E804E-1284-4E69-B93D-C5B9C305894D}" dt="2022-09-27T12:10:03.212" v="3546" actId="20577"/>
           <ac:spMkLst>
             <pc:docMk/>
             <pc:sldMk cId="1686425742" sldId="314"/>
             <ac:spMk id="8" creationId="{5211F4B1-E351-4428-76E6-65C60B09847C}"/>
           </ac:spMkLst>
         </pc:spChg>
-        <pc:picChg chg="add mod">
-          <ac:chgData name="Janusz Stal" userId="570fe9c4-9123-4bde-9755-2a9767a29a9c" providerId="ADAL" clId="{598E804E-1284-4E69-B93D-C5B9C305894D}" dt="2022-09-25T12:40:15.680" v="682" actId="1076"/>
+        <pc:picChg chg="add del mod">
+          <ac:chgData name="Janusz Stal" userId="570fe9c4-9123-4bde-9755-2a9767a29a9c" providerId="ADAL" clId="{598E804E-1284-4E69-B93D-C5B9C305894D}" dt="2022-09-27T12:11:10.530" v="3551" actId="478"/>
           <ac:picMkLst>
             <pc:docMk/>
             <pc:sldMk cId="1686425742" sldId="314"/>
             <ac:picMk id="6" creationId="{FFDA277E-6088-DE5B-FB19-F65FD44538B2}"/>
+          </ac:picMkLst>
+        </pc:picChg>
+        <pc:picChg chg="add del mod">
+          <ac:chgData name="Janusz Stal" userId="570fe9c4-9123-4bde-9755-2a9767a29a9c" providerId="ADAL" clId="{598E804E-1284-4E69-B93D-C5B9C305894D}" dt="2022-09-27T12:15:39.809" v="3570" actId="478"/>
+          <ac:picMkLst>
+            <pc:docMk/>
+            <pc:sldMk cId="1686425742" sldId="314"/>
+            <ac:picMk id="10" creationId="{CE8E969F-BB55-8527-6923-B3902501DA01}"/>
+          </ac:picMkLst>
+        </pc:picChg>
+        <pc:picChg chg="add del mod">
+          <ac:chgData name="Janusz Stal" userId="570fe9c4-9123-4bde-9755-2a9767a29a9c" providerId="ADAL" clId="{598E804E-1284-4E69-B93D-C5B9C305894D}" dt="2022-09-27T12:15:41.810" v="3571" actId="478"/>
+          <ac:picMkLst>
+            <pc:docMk/>
+            <pc:sldMk cId="1686425742" sldId="314"/>
+            <ac:picMk id="1026" creationId="{6416FA2A-1868-E0E3-6DF7-9DE0152FBE49}"/>
           </ac:picMkLst>
         </pc:picChg>
         <pc:picChg chg="del mod ord">
@@ -570,6 +586,22 @@
             <pc:docMk/>
             <pc:sldMk cId="1686425742" sldId="314"/>
             <ac:picMk id="1026" creationId="{6D15CC37-245E-4E9C-84D8-073C13904DBB}"/>
+          </ac:picMkLst>
+        </pc:picChg>
+        <pc:picChg chg="add mod">
+          <ac:chgData name="Janusz Stal" userId="570fe9c4-9123-4bde-9755-2a9767a29a9c" providerId="ADAL" clId="{598E804E-1284-4E69-B93D-C5B9C305894D}" dt="2022-09-27T12:19:20.093" v="3654" actId="1076"/>
+          <ac:picMkLst>
+            <pc:docMk/>
+            <pc:sldMk cId="1686425742" sldId="314"/>
+            <ac:picMk id="1028" creationId="{BDA1C659-A83F-1D4E-1633-56AC632D3282}"/>
+          </ac:picMkLst>
+        </pc:picChg>
+        <pc:picChg chg="add mod">
+          <ac:chgData name="Janusz Stal" userId="570fe9c4-9123-4bde-9755-2a9767a29a9c" providerId="ADAL" clId="{598E804E-1284-4E69-B93D-C5B9C305894D}" dt="2022-09-27T12:19:06.155" v="3653" actId="1076"/>
+          <ac:picMkLst>
+            <pc:docMk/>
+            <pc:sldMk cId="1686425742" sldId="314"/>
+            <ac:picMk id="1030" creationId="{C5B84E70-DF0E-3193-E0D7-029EF8FDD8BC}"/>
           </ac:picMkLst>
         </pc:picChg>
       </pc:sldChg>
@@ -750,14 +782,14 @@
           </ac:spMkLst>
         </pc:spChg>
       </pc:sldChg>
-      <pc:sldChg chg="delSp modSp add mod ord modClrScheme chgLayout">
-        <pc:chgData name="Janusz Stal" userId="570fe9c4-9123-4bde-9755-2a9767a29a9c" providerId="ADAL" clId="{598E804E-1284-4E69-B93D-C5B9C305894D}" dt="2022-09-25T16:06:37.060" v="3488" actId="20577"/>
+      <pc:sldChg chg="addSp delSp modSp add mod ord modClrScheme chgLayout">
+        <pc:chgData name="Janusz Stal" userId="570fe9c4-9123-4bde-9755-2a9767a29a9c" providerId="ADAL" clId="{598E804E-1284-4E69-B93D-C5B9C305894D}" dt="2022-09-27T12:31:26.762" v="3934"/>
         <pc:sldMkLst>
           <pc:docMk/>
           <pc:sldMk cId="1394196248" sldId="322"/>
         </pc:sldMkLst>
         <pc:spChg chg="mod ord">
-          <ac:chgData name="Janusz Stal" userId="570fe9c4-9123-4bde-9755-2a9767a29a9c" providerId="ADAL" clId="{598E804E-1284-4E69-B93D-C5B9C305894D}" dt="2022-09-25T16:06:37.060" v="3488" actId="20577"/>
+          <ac:chgData name="Janusz Stal" userId="570fe9c4-9123-4bde-9755-2a9767a29a9c" providerId="ADAL" clId="{598E804E-1284-4E69-B93D-C5B9C305894D}" dt="2022-09-27T12:31:26.762" v="3934"/>
           <ac:spMkLst>
             <pc:docMk/>
             <pc:sldMk cId="1394196248" sldId="322"/>
@@ -773,7 +805,7 @@
           </ac:spMkLst>
         </pc:spChg>
         <pc:spChg chg="mod ord">
-          <ac:chgData name="Janusz Stal" userId="570fe9c4-9123-4bde-9755-2a9767a29a9c" providerId="ADAL" clId="{598E804E-1284-4E69-B93D-C5B9C305894D}" dt="2022-09-25T16:00:22.630" v="3238" actId="20577"/>
+          <ac:chgData name="Janusz Stal" userId="570fe9c4-9123-4bde-9755-2a9767a29a9c" providerId="ADAL" clId="{598E804E-1284-4E69-B93D-C5B9C305894D}" dt="2022-09-27T12:28:11.886" v="3820" actId="6549"/>
           <ac:spMkLst>
             <pc:docMk/>
             <pc:sldMk cId="1394196248" sldId="322"/>
@@ -788,6 +820,14 @@
             <ac:spMk id="5" creationId="{90F38201-E120-44E3-BE49-265B39A15C47}"/>
           </ac:spMkLst>
         </pc:spChg>
+        <pc:picChg chg="add del">
+          <ac:chgData name="Janusz Stal" userId="570fe9c4-9123-4bde-9755-2a9767a29a9c" providerId="ADAL" clId="{598E804E-1284-4E69-B93D-C5B9C305894D}" dt="2022-09-27T12:30:35.913" v="3926" actId="478"/>
+          <ac:picMkLst>
+            <pc:docMk/>
+            <pc:sldMk cId="1394196248" sldId="322"/>
+            <ac:picMk id="3074" creationId="{3639F5A9-E2ED-2DA3-A673-D1AAC5B7571F}"/>
+          </ac:picMkLst>
+        </pc:picChg>
       </pc:sldChg>
       <pc:sldChg chg="modSp new mod">
         <pc:chgData name="Janusz Stal" userId="570fe9c4-9123-4bde-9755-2a9767a29a9c" providerId="ADAL" clId="{598E804E-1284-4E69-B93D-C5B9C305894D}" dt="2022-09-25T15:43:22.702" v="3128" actId="20577"/>
@@ -835,6 +875,116 @@
           </ac:spMkLst>
         </pc:spChg>
       </pc:sldChg>
+      <pc:sldChg chg="modSp add del mod modClrScheme chgLayout">
+        <pc:chgData name="Janusz Stal" userId="570fe9c4-9123-4bde-9755-2a9767a29a9c" providerId="ADAL" clId="{598E804E-1284-4E69-B93D-C5B9C305894D}" dt="2022-09-27T12:27:21.287" v="3819" actId="47"/>
+        <pc:sldMkLst>
+          <pc:docMk/>
+          <pc:sldMk cId="4266990848" sldId="325"/>
+        </pc:sldMkLst>
+        <pc:spChg chg="mod ord">
+          <ac:chgData name="Janusz Stal" userId="570fe9c4-9123-4bde-9755-2a9767a29a9c" providerId="ADAL" clId="{598E804E-1284-4E69-B93D-C5B9C305894D}" dt="2022-09-27T12:20:43.028" v="3656" actId="700"/>
+          <ac:spMkLst>
+            <pc:docMk/>
+            <pc:sldMk cId="4266990848" sldId="325"/>
+            <ac:spMk id="2" creationId="{C8B31B95-ECBF-4FBB-B5EF-8791E8079792}"/>
+          </ac:spMkLst>
+        </pc:spChg>
+        <pc:spChg chg="mod ord">
+          <ac:chgData name="Janusz Stal" userId="570fe9c4-9123-4bde-9755-2a9767a29a9c" providerId="ADAL" clId="{598E804E-1284-4E69-B93D-C5B9C305894D}" dt="2022-09-27T12:20:43.028" v="3656" actId="700"/>
+          <ac:spMkLst>
+            <pc:docMk/>
+            <pc:sldMk cId="4266990848" sldId="325"/>
+            <ac:spMk id="3" creationId="{9E865951-68A3-40C9-A786-AF60C1AEF958}"/>
+          </ac:spMkLst>
+        </pc:spChg>
+        <pc:spChg chg="mod ord">
+          <ac:chgData name="Janusz Stal" userId="570fe9c4-9123-4bde-9755-2a9767a29a9c" providerId="ADAL" clId="{598E804E-1284-4E69-B93D-C5B9C305894D}" dt="2022-09-27T12:20:43.028" v="3656" actId="700"/>
+          <ac:spMkLst>
+            <pc:docMk/>
+            <pc:sldMk cId="4266990848" sldId="325"/>
+            <ac:spMk id="4" creationId="{C6F1DCD6-BE83-4428-AC7B-C6375B13B196}"/>
+          </ac:spMkLst>
+        </pc:spChg>
+        <pc:spChg chg="mod ord">
+          <ac:chgData name="Janusz Stal" userId="570fe9c4-9123-4bde-9755-2a9767a29a9c" providerId="ADAL" clId="{598E804E-1284-4E69-B93D-C5B9C305894D}" dt="2022-09-27T12:20:43.028" v="3656" actId="700"/>
+          <ac:spMkLst>
+            <pc:docMk/>
+            <pc:sldMk cId="4266990848" sldId="325"/>
+            <ac:spMk id="5" creationId="{CF7EB273-A684-BB0C-1749-CFB937C611C9}"/>
+          </ac:spMkLst>
+        </pc:spChg>
+        <pc:spChg chg="mod ord">
+          <ac:chgData name="Janusz Stal" userId="570fe9c4-9123-4bde-9755-2a9767a29a9c" providerId="ADAL" clId="{598E804E-1284-4E69-B93D-C5B9C305894D}" dt="2022-09-27T12:20:43.028" v="3656" actId="700"/>
+          <ac:spMkLst>
+            <pc:docMk/>
+            <pc:sldMk cId="4266990848" sldId="325"/>
+            <ac:spMk id="7" creationId="{893670FD-104F-B56D-8E9B-1A4346EAF887}"/>
+          </ac:spMkLst>
+        </pc:spChg>
+        <pc:spChg chg="mod ord">
+          <ac:chgData name="Janusz Stal" userId="570fe9c4-9123-4bde-9755-2a9767a29a9c" providerId="ADAL" clId="{598E804E-1284-4E69-B93D-C5B9C305894D}" dt="2022-09-27T12:20:43.028" v="3656" actId="700"/>
+          <ac:spMkLst>
+            <pc:docMk/>
+            <pc:sldMk cId="4266990848" sldId="325"/>
+            <ac:spMk id="8" creationId="{5211F4B1-E351-4428-76E6-65C60B09847C}"/>
+          </ac:spMkLst>
+        </pc:spChg>
+      </pc:sldChg>
+      <pc:sldChg chg="addSp delSp modSp new mod">
+        <pc:chgData name="Janusz Stal" userId="570fe9c4-9123-4bde-9755-2a9767a29a9c" providerId="ADAL" clId="{598E804E-1284-4E69-B93D-C5B9C305894D}" dt="2022-09-27T12:27:04.105" v="3818" actId="1076"/>
+        <pc:sldMkLst>
+          <pc:docMk/>
+          <pc:sldMk cId="2204798088" sldId="326"/>
+        </pc:sldMkLst>
+        <pc:spChg chg="mod">
+          <ac:chgData name="Janusz Stal" userId="570fe9c4-9123-4bde-9755-2a9767a29a9c" providerId="ADAL" clId="{598E804E-1284-4E69-B93D-C5B9C305894D}" dt="2022-09-27T12:24:41.262" v="3802" actId="20577"/>
+          <ac:spMkLst>
+            <pc:docMk/>
+            <pc:sldMk cId="2204798088" sldId="326"/>
+            <ac:spMk id="2" creationId="{309C3F9F-97F3-7ECD-C43A-0814982B5D7D}"/>
+          </ac:spMkLst>
+        </pc:spChg>
+        <pc:spChg chg="mod">
+          <ac:chgData name="Janusz Stal" userId="570fe9c4-9123-4bde-9755-2a9767a29a9c" providerId="ADAL" clId="{598E804E-1284-4E69-B93D-C5B9C305894D}" dt="2022-09-27T12:22:40.659" v="3753" actId="20577"/>
+          <ac:spMkLst>
+            <pc:docMk/>
+            <pc:sldMk cId="2204798088" sldId="326"/>
+            <ac:spMk id="4" creationId="{8175EA3C-3BB5-6929-5A00-F5582830199B}"/>
+          </ac:spMkLst>
+        </pc:spChg>
+        <pc:picChg chg="add mod">
+          <ac:chgData name="Janusz Stal" userId="570fe9c4-9123-4bde-9755-2a9767a29a9c" providerId="ADAL" clId="{598E804E-1284-4E69-B93D-C5B9C305894D}" dt="2022-09-27T12:25:32.724" v="3805" actId="1076"/>
+          <ac:picMkLst>
+            <pc:docMk/>
+            <pc:sldMk cId="2204798088" sldId="326"/>
+            <ac:picMk id="5" creationId="{8E6E0C4C-FF98-CF04-8A3C-BD29229EFE5B}"/>
+          </ac:picMkLst>
+        </pc:picChg>
+        <pc:picChg chg="add mod">
+          <ac:chgData name="Janusz Stal" userId="570fe9c4-9123-4bde-9755-2a9767a29a9c" providerId="ADAL" clId="{598E804E-1284-4E69-B93D-C5B9C305894D}" dt="2022-09-27T12:25:56.910" v="3810" actId="1076"/>
+          <ac:picMkLst>
+            <pc:docMk/>
+            <pc:sldMk cId="2204798088" sldId="326"/>
+            <ac:picMk id="6" creationId="{577B9830-B9FA-721A-A31A-0B608924457C}"/>
+          </ac:picMkLst>
+        </pc:picChg>
+        <pc:picChg chg="add del mod">
+          <ac:chgData name="Janusz Stal" userId="570fe9c4-9123-4bde-9755-2a9767a29a9c" providerId="ADAL" clId="{598E804E-1284-4E69-B93D-C5B9C305894D}" dt="2022-09-27T12:26:37.709" v="3813" actId="478"/>
+          <ac:picMkLst>
+            <pc:docMk/>
+            <pc:sldMk cId="2204798088" sldId="326"/>
+            <ac:picMk id="2050" creationId="{93CED615-F19B-8009-108B-47EB59E049FD}"/>
+          </ac:picMkLst>
+        </pc:picChg>
+        <pc:picChg chg="add mod">
+          <ac:chgData name="Janusz Stal" userId="570fe9c4-9123-4bde-9755-2a9767a29a9c" providerId="ADAL" clId="{598E804E-1284-4E69-B93D-C5B9C305894D}" dt="2022-09-27T12:27:04.105" v="3818" actId="1076"/>
+          <ac:picMkLst>
+            <pc:docMk/>
+            <pc:sldMk cId="2204798088" sldId="326"/>
+            <ac:picMk id="2052" creationId="{C399AFF6-3D0B-7D8D-8711-EF0650A66AE6}"/>
+          </ac:picMkLst>
+        </pc:picChg>
+      </pc:sldChg>
     </pc:docChg>
   </pc:docChgLst>
 </pc:chgInfo>
@@ -922,7 +1072,7 @@
           <a:p>
             <a:fld id="{C106EF3D-C2A7-4690-80C8-C2473A856193}" type="datetimeFigureOut">
               <a:rPr lang="pl-PL" smtClean="0"/>
-              <a:t>25.09.2022</a:t>
+              <a:t>27.09.2022</a:t>
             </a:fld>
             <a:endParaRPr lang="pl-PL" dirty="0"/>
           </a:p>
@@ -1087,7 +1237,7 @@
           <a:p>
             <a:fld id="{85D68E81-03CD-43A1-B18B-BEB6B9439387}" type="datetimeFigureOut">
               <a:rPr lang="pl-PL" smtClean="0"/>
-              <a:t>25.09.2022</a:t>
+              <a:t>27.09.2022</a:t>
             </a:fld>
             <a:endParaRPr lang="pl-PL" dirty="0"/>
           </a:p>
@@ -1483,7 +1633,7 @@
           <a:p>
             <a:fld id="{F26B3061-B9B7-461F-AB67-5D66A3ABCDA5}" type="datetime1">
               <a:rPr lang="pl-PL" smtClean="0"/>
-              <a:t>25.09.2022</a:t>
+              <a:t>27.09.2022</a:t>
             </a:fld>
             <a:endParaRPr lang="pl-PL" dirty="0"/>
           </a:p>
@@ -1758,7 +1908,7 @@
           <a:p>
             <a:fld id="{A2ADAE54-1728-4B6D-BEF4-D2AEA4F8114E}" type="datetime1">
               <a:rPr lang="pl-PL" smtClean="0"/>
-              <a:t>25.09.2022</a:t>
+              <a:t>27.09.2022</a:t>
             </a:fld>
             <a:endParaRPr lang="pl-PL" dirty="0"/>
           </a:p>
@@ -2010,7 +2160,7 @@
           <a:p>
             <a:fld id="{919C3B4F-179D-44ED-90DF-E8739DC8608F}" type="datetime1">
               <a:rPr lang="pl-PL" smtClean="0"/>
-              <a:t>25.09.2022</a:t>
+              <a:t>27.09.2022</a:t>
             </a:fld>
             <a:endParaRPr lang="pl-PL" dirty="0"/>
           </a:p>
@@ -2178,7 +2328,7 @@
           <a:p>
             <a:fld id="{10A2297D-8C4B-4C5B-B66E-47E601842B03}" type="datetime1">
               <a:rPr lang="pl-PL" smtClean="0"/>
-              <a:t>25.09.2022</a:t>
+              <a:t>27.09.2022</a:t>
             </a:fld>
             <a:endParaRPr lang="pl-PL" dirty="0"/>
           </a:p>
@@ -2356,7 +2506,7 @@
           <a:p>
             <a:fld id="{94B42B50-113C-45E3-9231-B66C297B394E}" type="datetime1">
               <a:rPr lang="pl-PL" smtClean="0"/>
-              <a:t>25.09.2022</a:t>
+              <a:t>27.09.2022</a:t>
             </a:fld>
             <a:endParaRPr lang="pl-PL" dirty="0"/>
           </a:p>
@@ -2513,7 +2663,7 @@
           <a:p>
             <a:fld id="{9549FAE5-AB97-492F-ADAE-06E72624D9F3}" type="datetime1">
               <a:rPr lang="pl-PL" smtClean="0"/>
-              <a:t>25.09.2022</a:t>
+              <a:t>27.09.2022</a:t>
             </a:fld>
             <a:endParaRPr lang="pl-PL" dirty="0"/>
           </a:p>
@@ -2701,7 +2851,7 @@
           <a:p>
             <a:fld id="{9549FAE5-AB97-492F-ADAE-06E72624D9F3}" type="datetime1">
               <a:rPr lang="pl-PL" smtClean="0"/>
-              <a:t>25.09.2022</a:t>
+              <a:t>27.09.2022</a:t>
             </a:fld>
             <a:endParaRPr lang="pl-PL" dirty="0"/>
           </a:p>
@@ -2888,7 +3038,7 @@
           <a:p>
             <a:fld id="{9549FAE5-AB97-492F-ADAE-06E72624D9F3}" type="datetime1">
               <a:rPr lang="pl-PL" smtClean="0"/>
-              <a:t>25.09.2022</a:t>
+              <a:t>27.09.2022</a:t>
             </a:fld>
             <a:endParaRPr lang="pl-PL" dirty="0"/>
           </a:p>
@@ -3160,7 +3310,7 @@
           <a:p>
             <a:fld id="{ED0EDA0A-F020-4B01-AF63-E290248EFD6B}" type="datetime1">
               <a:rPr lang="pl-PL" smtClean="0"/>
-              <a:t>25.09.2022</a:t>
+              <a:t>27.09.2022</a:t>
             </a:fld>
             <a:endParaRPr lang="pl-PL" dirty="0"/>
           </a:p>
@@ -3416,7 +3566,7 @@
           <a:p>
             <a:fld id="{8B752FBA-2CC8-4F32-B36A-B6E16B4A5C14}" type="datetime1">
               <a:rPr lang="pl-PL" smtClean="0"/>
-              <a:t>25.09.2022</a:t>
+              <a:t>27.09.2022</a:t>
             </a:fld>
             <a:endParaRPr lang="pl-PL" dirty="0"/>
           </a:p>
@@ -3802,7 +3952,7 @@
           <a:p>
             <a:fld id="{3B7BA32A-B79B-42FE-906A-2593AD6A7FCC}" type="datetime1">
               <a:rPr lang="pl-PL" smtClean="0"/>
-              <a:t>25.09.2022</a:t>
+              <a:t>27.09.2022</a:t>
             </a:fld>
             <a:endParaRPr lang="pl-PL" dirty="0"/>
           </a:p>
@@ -3924,7 +4074,7 @@
           <a:p>
             <a:fld id="{3E28EDCB-CC2B-4C70-B921-DD5382BD4849}" type="datetime1">
               <a:rPr lang="pl-PL" smtClean="0"/>
-              <a:t>25.09.2022</a:t>
+              <a:t>27.09.2022</a:t>
             </a:fld>
             <a:endParaRPr lang="pl-PL" dirty="0"/>
           </a:p>
@@ -4019,7 +4169,7 @@
           <a:p>
             <a:fld id="{E960CF9B-2F8C-4614-93FE-75BD5748BF99}" type="datetime1">
               <a:rPr lang="pl-PL" smtClean="0"/>
-              <a:t>25.09.2022</a:t>
+              <a:t>27.09.2022</a:t>
             </a:fld>
             <a:endParaRPr lang="pl-PL" dirty="0"/>
           </a:p>
@@ -4235,7 +4385,7 @@
           <a:p>
             <a:fld id="{8F276EAB-4011-4C81-ACEC-B79731A9A244}" type="datetime1">
               <a:rPr lang="pl-PL" smtClean="0"/>
-              <a:t>25.09.2022</a:t>
+              <a:t>27.09.2022</a:t>
             </a:fld>
             <a:endParaRPr lang="pl-PL" dirty="0"/>
           </a:p>
@@ -5694,31 +5844,7 @@
             </a:pPr>
             <a:r>
               <a:rPr lang="pl-PL" dirty="0"/>
-              <a:t>On </a:t>
-            </a:r>
-            <a:r>
-              <a:rPr lang="pl-PL" dirty="0" err="1"/>
-              <a:t>your</a:t>
-            </a:r>
-            <a:r>
-              <a:rPr lang="pl-PL" dirty="0"/>
-              <a:t> </a:t>
-            </a:r>
-            <a:r>
-              <a:rPr lang="pl-PL" dirty="0" err="1"/>
-              <a:t>personal</a:t>
-            </a:r>
-            <a:r>
-              <a:rPr lang="pl-PL" dirty="0"/>
-              <a:t> </a:t>
-            </a:r>
-            <a:r>
-              <a:rPr lang="pl-PL" dirty="0" err="1"/>
-              <a:t>computer</a:t>
-            </a:r>
-            <a:r>
-              <a:rPr lang="pl-PL" dirty="0"/>
-              <a:t>, i</a:t>
+              <a:t>I</a:t>
             </a:r>
             <a:r>
               <a:rPr lang="en-US" dirty="0" err="1"/>
@@ -5729,71 +5855,20 @@
               <a:t> </a:t>
             </a:r>
             <a:r>
-              <a:rPr lang="en-US" dirty="0" err="1"/>
-              <a:t>Thonny</a:t>
-            </a:r>
-            <a:r>
-              <a:rPr lang="en-US" dirty="0"/>
-              <a:t> Python IDE</a:t>
-            </a:r>
-            <a:br>
-              <a:rPr lang="pl-PL" dirty="0"/>
-            </a:br>
-            <a:r>
-              <a:rPr lang="pl-PL" dirty="0"/>
-              <a:t>(</a:t>
-            </a:r>
-            <a:r>
-              <a:rPr lang="pl-PL" dirty="0" err="1"/>
-              <a:t>or</a:t>
-            </a:r>
-            <a:r>
-              <a:rPr lang="pl-PL" dirty="0"/>
-              <a:t> </a:t>
-            </a:r>
-            <a:r>
-              <a:rPr lang="pl-PL" dirty="0" err="1"/>
-              <a:t>install</a:t>
-            </a:r>
-            <a:r>
-              <a:rPr lang="pl-PL" dirty="0"/>
-              <a:t> </a:t>
-            </a:r>
-            <a:r>
-              <a:rPr lang="pl-PL" dirty="0" err="1"/>
-              <a:t>other</a:t>
-            </a:r>
-            <a:r>
-              <a:rPr lang="pl-PL" dirty="0"/>
-              <a:t> IDE </a:t>
-            </a:r>
-            <a:r>
-              <a:rPr lang="pl-PL" dirty="0" err="1"/>
-              <a:t>you</a:t>
-            </a:r>
-            <a:r>
-              <a:rPr lang="pl-PL" dirty="0"/>
-              <a:t> </a:t>
-            </a:r>
-            <a:r>
-              <a:rPr lang="pl-PL" dirty="0" err="1"/>
-              <a:t>like</a:t>
-            </a:r>
-            <a:r>
-              <a:rPr lang="pl-PL" dirty="0"/>
-              <a:t> </a:t>
-            </a:r>
-            <a:r>
-              <a:rPr lang="pl-PL" dirty="0" err="1"/>
-              <a:t>e.g</a:t>
-            </a:r>
-            <a:r>
-              <a:rPr lang="pl-PL" dirty="0"/>
-              <a:t>. Visual Studio </a:t>
+              <a:rPr lang="pl-PL" dirty="0"/>
+              <a:t>Visual Studio </a:t>
             </a:r>
             <a:r>
               <a:rPr lang="pl-PL" dirty="0" err="1"/>
               <a:t>Code</a:t>
+            </a:r>
+            <a:r>
+              <a:rPr lang="pl-PL" dirty="0"/>
+              <a:t> (</a:t>
+            </a:r>
+            <a:r>
+              <a:rPr lang="pl-PL" dirty="0" err="1"/>
+              <a:t>VSCode</a:t>
             </a:r>
             <a:r>
               <a:rPr lang="pl-PL" dirty="0"/>
@@ -5826,6 +5901,41 @@
               <a:buAutoNum type="arabicPeriod"/>
             </a:pPr>
             <a:r>
+              <a:rPr lang="pl-PL" dirty="0" err="1"/>
+              <a:t>Install</a:t>
+            </a:r>
+            <a:r>
+              <a:rPr lang="pl-PL" dirty="0"/>
+              <a:t> </a:t>
+            </a:r>
+            <a:r>
+              <a:rPr lang="pl-PL" dirty="0" err="1"/>
+              <a:t>VSCode</a:t>
+            </a:r>
+            <a:r>
+              <a:rPr lang="pl-PL" dirty="0"/>
+              <a:t> </a:t>
+            </a:r>
+            <a:r>
+              <a:rPr lang="pl-PL" dirty="0" err="1"/>
+              <a:t>extensions</a:t>
+            </a:r>
+            <a:r>
+              <a:rPr lang="pl-PL" dirty="0"/>
+              <a:t> for </a:t>
+            </a:r>
+            <a:r>
+              <a:rPr lang="pl-PL" dirty="0" err="1"/>
+              <a:t>Python</a:t>
+            </a:r>
+            <a:endParaRPr lang="pl-PL" dirty="0"/>
+          </a:p>
+          <a:p>
+            <a:pPr marL="514350" indent="-514350">
+              <a:buFont typeface="+mj-lt"/>
+              <a:buAutoNum type="arabicPeriod"/>
+            </a:pPr>
+            <a:r>
               <a:rPr lang="en-US" dirty="0"/>
               <a:t>Check the installed tools</a:t>
             </a:r>
@@ -5856,7 +5966,7 @@
             </a:r>
             <a:r>
               <a:rPr lang="pl-PL" b="1" dirty="0"/>
-              <a:t>(3+2)</a:t>
+              <a:t>("Hello World")</a:t>
             </a:r>
             <a:r>
               <a:rPr lang="en-US" dirty="0"/>
@@ -5967,7 +6077,15 @@
             </a:pPr>
             <a:r>
               <a:rPr lang="pl-PL" dirty="0"/>
-              <a:t>b/ IDE (</a:t>
+              <a:t>b/ </a:t>
+            </a:r>
+            <a:r>
+              <a:rPr lang="pl-PL" dirty="0" err="1"/>
+              <a:t>VSCode</a:t>
+            </a:r>
+            <a:r>
+              <a:rPr lang="pl-PL" dirty="0"/>
+              <a:t> (</a:t>
             </a:r>
             <a:r>
               <a:rPr lang="pl-PL" dirty="0" err="1"/>
@@ -5992,7 +6110,15 @@
             </a:pPr>
             <a:r>
               <a:rPr lang="pl-PL" dirty="0"/>
-              <a:t>c/ IDE (run a program </a:t>
+              <a:t>c/ </a:t>
+            </a:r>
+            <a:r>
+              <a:rPr lang="pl-PL" dirty="0" err="1"/>
+              <a:t>VSCode</a:t>
+            </a:r>
+            <a:r>
+              <a:rPr lang="pl-PL" dirty="0"/>
+              <a:t> (run a program </a:t>
             </a:r>
             <a:r>
               <a:rPr lang="pl-PL" dirty="0" err="1"/>
@@ -6075,14 +6201,6 @@
             <a:r>
               <a:rPr lang="pl-PL" dirty="0" err="1"/>
               <a:t>Install</a:t>
-            </a:r>
-            <a:r>
-              <a:rPr lang="pl-PL" dirty="0"/>
-              <a:t> </a:t>
-            </a:r>
-            <a:r>
-              <a:rPr lang="pl-PL" dirty="0" err="1"/>
-              <a:t>Python</a:t>
             </a:r>
             <a:r>
               <a:rPr lang="pl-PL" dirty="0"/>
@@ -6145,44 +6263,17 @@
           </a:bodyPr>
           <a:lstStyle/>
           <a:p>
-            <a:pPr marL="514350" indent="-514350">
-              <a:buFont typeface="+mj-lt"/>
-              <a:buAutoNum type="arabicPeriod"/>
-            </a:pPr>
-            <a:r>
-              <a:rPr lang="pl-PL" dirty="0" err="1"/>
-              <a:t>Familiarise</a:t>
-            </a:r>
-            <a:r>
-              <a:rPr lang="pl-PL" dirty="0"/>
-              <a:t> </a:t>
-            </a:r>
-            <a:r>
-              <a:rPr lang="pl-PL" dirty="0" err="1"/>
-              <a:t>yourself</a:t>
-            </a:r>
-            <a:r>
-              <a:rPr lang="pl-PL" dirty="0"/>
-              <a:t> with the git </a:t>
-            </a:r>
-            <a:r>
-              <a:rPr lang="pl-PL" dirty="0" err="1"/>
-              <a:t>control</a:t>
-            </a:r>
-            <a:r>
-              <a:rPr lang="pl-PL" dirty="0"/>
-              <a:t> version system</a:t>
-            </a:r>
-          </a:p>
-          <a:p>
-            <a:pPr marL="1028700" lvl="1" indent="-342900"/>
+            <a:pPr marL="342900" indent="-342900"/>
             <a:r>
               <a:rPr lang="en-US" dirty="0"/>
               <a:t>Git &amp; GitHub Crash Course For Beginners</a:t>
             </a:r>
-            <a:br>
-              <a:rPr lang="pl-PL" dirty="0"/>
-            </a:br>
+            <a:endParaRPr lang="pl-PL" dirty="0"/>
+          </a:p>
+          <a:p>
+            <a:pPr lvl="1" indent="0">
+              <a:buNone/>
+            </a:pPr>
             <a:r>
               <a:rPr lang="en-US" dirty="0">
                 <a:hlinkClick r:id="rId2"/>
@@ -6196,14 +6287,17 @@
             <a:endParaRPr lang="pl-PL" dirty="0"/>
           </a:p>
           <a:p>
-            <a:pPr marL="1028700" lvl="1" indent="-342900"/>
+            <a:pPr marL="342900" indent="-342900"/>
             <a:r>
               <a:rPr lang="en-US" dirty="0"/>
               <a:t>GIT Cheat Sheet</a:t>
             </a:r>
-            <a:br>
-              <a:rPr lang="pl-PL" dirty="0"/>
-            </a:br>
+            <a:endParaRPr lang="pl-PL" dirty="0"/>
+          </a:p>
+          <a:p>
+            <a:pPr lvl="1" indent="0">
+              <a:buNone/>
+            </a:pPr>
             <a:r>
               <a:rPr lang="en-US" dirty="0">
                 <a:hlinkClick r:id="rId3"/>
@@ -6213,14 +6307,17 @@
             <a:endParaRPr lang="pl-PL" dirty="0"/>
           </a:p>
           <a:p>
-            <a:pPr marL="1028700" lvl="1" indent="-342900"/>
+            <a:pPr marL="342900" indent="-342900"/>
             <a:r>
               <a:rPr lang="en-US" dirty="0"/>
               <a:t>GIT manual</a:t>
             </a:r>
-            <a:br>
-              <a:rPr lang="pl-PL" dirty="0"/>
-            </a:br>
+            <a:endParaRPr lang="pl-PL" dirty="0"/>
+          </a:p>
+          <a:p>
+            <a:pPr lvl="1" indent="0">
+              <a:buNone/>
+            </a:pPr>
             <a:r>
               <a:rPr lang="en-US" dirty="0">
                 <a:hlinkClick r:id="rId4"/>
@@ -6234,14 +6331,17 @@
             <a:endParaRPr lang="pl-PL" dirty="0"/>
           </a:p>
           <a:p>
-            <a:pPr marL="1028700" lvl="1" indent="-342900"/>
+            <a:pPr marL="342900" indent="-342900"/>
             <a:r>
               <a:rPr lang="en-US" dirty="0"/>
               <a:t>GIT course (in Polish)</a:t>
             </a:r>
-            <a:br>
-              <a:rPr lang="pl-PL" dirty="0"/>
-            </a:br>
+            <a:endParaRPr lang="pl-PL" dirty="0"/>
+          </a:p>
+          <a:p>
+            <a:pPr lvl="1" indent="0">
+              <a:buNone/>
+            </a:pPr>
             <a:r>
               <a:rPr lang="en-US" dirty="0">
                 <a:hlinkClick r:id="rId5"/>
@@ -6249,66 +6349,6 @@
               <a:t>https://www.youtube.com/playlist?list=PLjHmWifVUNMKIGHmaGPVqSD-L6i1Zw-MH</a:t>
             </a:r>
             <a:endParaRPr lang="pl-PL" dirty="0"/>
-          </a:p>
-          <a:p>
-            <a:pPr marL="514350" indent="-514350">
-              <a:buFont typeface="+mj-lt"/>
-              <a:buAutoNum type="arabicPeriod"/>
-            </a:pPr>
-            <a:r>
-              <a:rPr lang="pl-PL" dirty="0"/>
-              <a:t>On </a:t>
-            </a:r>
-            <a:r>
-              <a:rPr lang="pl-PL" dirty="0" err="1"/>
-              <a:t>your</a:t>
-            </a:r>
-            <a:r>
-              <a:rPr lang="pl-PL" dirty="0"/>
-              <a:t> </a:t>
-            </a:r>
-            <a:r>
-              <a:rPr lang="pl-PL" dirty="0" err="1"/>
-              <a:t>personal</a:t>
-            </a:r>
-            <a:r>
-              <a:rPr lang="pl-PL" dirty="0"/>
-              <a:t> </a:t>
-            </a:r>
-            <a:r>
-              <a:rPr lang="pl-PL" dirty="0" err="1"/>
-              <a:t>computer</a:t>
-            </a:r>
-            <a:r>
-              <a:rPr lang="pl-PL" dirty="0"/>
-              <a:t>, i</a:t>
-            </a:r>
-            <a:r>
-              <a:rPr lang="en-US" dirty="0" err="1"/>
-              <a:t>nstall</a:t>
-            </a:r>
-            <a:r>
-              <a:rPr lang="en-US" dirty="0"/>
-              <a:t> </a:t>
-            </a:r>
-            <a:r>
-              <a:rPr lang="pl-PL" dirty="0"/>
-              <a:t>git: </a:t>
-            </a:r>
-            <a:r>
-              <a:rPr lang="pl-PL" dirty="0">
-                <a:hlinkClick r:id="rId6"/>
-              </a:rPr>
-              <a:t>https://git-scm.com/</a:t>
-            </a:r>
-            <a:r>
-              <a:rPr lang="pl-PL" dirty="0"/>
-              <a:t> </a:t>
-            </a:r>
-            <a:endParaRPr lang="en-US" dirty="0"/>
-          </a:p>
-          <a:p>
-            <a:endParaRPr lang="en-US" dirty="0"/>
           </a:p>
         </p:txBody>
       </p:sp>
@@ -6364,11 +6404,11 @@
           <a:p>
             <a:r>
               <a:rPr lang="pl-PL" dirty="0" err="1"/>
-              <a:t>Install</a:t>
-            </a:r>
-            <a:r>
-              <a:rPr lang="pl-PL" dirty="0"/>
-              <a:t> GIT</a:t>
+              <a:t>Familiarise</a:t>
+            </a:r>
+            <a:r>
+              <a:rPr lang="pl-PL" dirty="0"/>
+              <a:t> with GIT</a:t>
             </a:r>
             <a:endParaRPr lang="en-US" dirty="0"/>
           </a:p>
@@ -9118,10 +9158,156 @@
       </p:grpSpPr>
       <p:sp>
         <p:nvSpPr>
+          <p:cNvPr id="2" name="Symbol zastępczy zawartości 1">
+            <a:extLst>
+              <a:ext uri="{FF2B5EF4-FFF2-40B4-BE49-F238E27FC236}">
+                <a16:creationId xmlns:a16="http://schemas.microsoft.com/office/drawing/2014/main" id="{309C3F9F-97F3-7ECD-C43A-0814982B5D7D}"/>
+              </a:ext>
+            </a:extLst>
+          </p:cNvPr>
+          <p:cNvSpPr>
+            <a:spLocks noGrp="1"/>
+          </p:cNvSpPr>
+          <p:nvPr>
+            <p:ph idx="1"/>
+          </p:nvPr>
+        </p:nvSpPr>
+        <p:spPr/>
+        <p:txBody>
+          <a:bodyPr/>
+          <a:lstStyle/>
+          <a:p>
+            <a:r>
+              <a:rPr lang="pl-PL" dirty="0"/>
+              <a:t>Source-</a:t>
+            </a:r>
+            <a:r>
+              <a:rPr lang="pl-PL" dirty="0" err="1"/>
+              <a:t>Code</a:t>
+            </a:r>
+            <a:r>
+              <a:rPr lang="pl-PL" dirty="0"/>
+              <a:t> Editor</a:t>
+            </a:r>
+            <a:br>
+              <a:rPr lang="pl-PL" dirty="0"/>
+            </a:br>
+            <a:r>
+              <a:rPr lang="pl-PL" dirty="0"/>
+              <a:t>Microsoft Visual Studio </a:t>
+            </a:r>
+            <a:r>
+              <a:rPr lang="pl-PL" dirty="0" err="1"/>
+              <a:t>Code</a:t>
+            </a:r>
+            <a:br>
+              <a:rPr lang="pl-PL" dirty="0"/>
+            </a:br>
+            <a:r>
+              <a:rPr lang="pl-PL" dirty="0">
+                <a:hlinkClick r:id="rId2"/>
+              </a:rPr>
+              <a:t>https://code.visualstudio.com/</a:t>
+            </a:r>
+            <a:r>
+              <a:rPr lang="pl-PL" dirty="0"/>
+              <a:t> </a:t>
+            </a:r>
+          </a:p>
+          <a:p>
+            <a:r>
+              <a:rPr lang="pl-PL" dirty="0" err="1"/>
+              <a:t>Programing</a:t>
+            </a:r>
+            <a:r>
+              <a:rPr lang="pl-PL" dirty="0"/>
+              <a:t> </a:t>
+            </a:r>
+            <a:r>
+              <a:rPr lang="pl-PL" dirty="0" err="1"/>
+              <a:t>language</a:t>
+            </a:r>
+            <a:br>
+              <a:rPr lang="pl-PL" dirty="0"/>
+            </a:br>
+            <a:r>
+              <a:rPr lang="pl-PL" dirty="0" err="1"/>
+              <a:t>Python</a:t>
+            </a:r>
+            <a:br>
+              <a:rPr lang="pl-PL" dirty="0"/>
+            </a:br>
+            <a:r>
+              <a:rPr lang="pl-PL" dirty="0">
+                <a:hlinkClick r:id="rId3"/>
+              </a:rPr>
+              <a:t>https://www.python.org</a:t>
+            </a:r>
+            <a:endParaRPr lang="pl-PL" dirty="0"/>
+          </a:p>
+          <a:p>
+            <a:r>
+              <a:rPr lang="pl-PL" dirty="0"/>
+              <a:t>Distributed Version Control</a:t>
+            </a:r>
+            <a:br>
+              <a:rPr lang="pl-PL" dirty="0"/>
+            </a:br>
+            <a:r>
+              <a:rPr lang="pl-PL" dirty="0"/>
+              <a:t>Git</a:t>
+            </a:r>
+            <a:br>
+              <a:rPr lang="pl-PL" dirty="0"/>
+            </a:br>
+            <a:r>
+              <a:rPr lang="pl-PL" dirty="0">
+                <a:hlinkClick r:id="rId4"/>
+              </a:rPr>
+              <a:t>https://git-scm.com</a:t>
+            </a:r>
+            <a:r>
+              <a:rPr lang="pl-PL" dirty="0"/>
+              <a:t> </a:t>
+            </a:r>
+          </a:p>
+        </p:txBody>
+      </p:sp>
+      <p:sp>
+        <p:nvSpPr>
+          <p:cNvPr id="3" name="Symbol zastępczy numeru slajdu 2">
+            <a:extLst>
+              <a:ext uri="{FF2B5EF4-FFF2-40B4-BE49-F238E27FC236}">
+                <a16:creationId xmlns:a16="http://schemas.microsoft.com/office/drawing/2014/main" id="{40BD1CA7-2B8E-F134-9324-95B157BEDAD1}"/>
+              </a:ext>
+            </a:extLst>
+          </p:cNvPr>
+          <p:cNvSpPr>
+            <a:spLocks noGrp="1"/>
+          </p:cNvSpPr>
+          <p:nvPr>
+            <p:ph type="sldNum" sz="quarter" idx="12"/>
+          </p:nvPr>
+        </p:nvSpPr>
+        <p:spPr/>
+        <p:txBody>
+          <a:bodyPr/>
+          <a:lstStyle/>
+          <a:p>
+            <a:fld id="{254C963F-D690-449C-B336-8B464EE7B8DB}" type="slidenum">
+              <a:rPr lang="pl-PL" smtClean="0"/>
+              <a:t>6</a:t>
+            </a:fld>
+            <a:endParaRPr lang="pl-PL" dirty="0"/>
+          </a:p>
+        </p:txBody>
+      </p:sp>
+      <p:sp>
+        <p:nvSpPr>
           <p:cNvPr id="4" name="Tytuł 3">
             <a:extLst>
               <a:ext uri="{FF2B5EF4-FFF2-40B4-BE49-F238E27FC236}">
-                <a16:creationId xmlns:a16="http://schemas.microsoft.com/office/drawing/2014/main" id="{C6F1DCD6-BE83-4428-AC7B-C6375B13B196}"/>
+                <a16:creationId xmlns:a16="http://schemas.microsoft.com/office/drawing/2014/main" id="{8175EA3C-3BB5-6929-5A00-F5582830199B}"/>
               </a:ext>
             </a:extLst>
           </p:cNvPr>
@@ -9138,209 +9324,18 @@
           <a:lstStyle/>
           <a:p>
             <a:r>
-              <a:rPr lang="en-US" dirty="0"/>
+              <a:rPr lang="pl-PL" dirty="0"/>
               <a:t>Tools</a:t>
             </a:r>
           </a:p>
         </p:txBody>
       </p:sp>
-      <p:sp>
-        <p:nvSpPr>
-          <p:cNvPr id="7" name="Symbol zastępczy tekstu 6">
+      <p:pic>
+        <p:nvPicPr>
+          <p:cNvPr id="5" name="Picture 4" descr="Ilustracja">
             <a:extLst>
               <a:ext uri="{FF2B5EF4-FFF2-40B4-BE49-F238E27FC236}">
-                <a16:creationId xmlns:a16="http://schemas.microsoft.com/office/drawing/2014/main" id="{893670FD-104F-B56D-8E9B-1A4346EAF887}"/>
-              </a:ext>
-            </a:extLst>
-          </p:cNvPr>
-          <p:cNvSpPr>
-            <a:spLocks noGrp="1"/>
-          </p:cNvSpPr>
-          <p:nvPr>
-            <p:ph type="body" idx="1"/>
-          </p:nvPr>
-        </p:nvSpPr>
-        <p:spPr/>
-        <p:txBody>
-          <a:bodyPr/>
-          <a:lstStyle/>
-          <a:p>
-            <a:r>
-              <a:rPr lang="en-US" dirty="0" err="1"/>
-              <a:t>Thonny</a:t>
-            </a:r>
-            <a:r>
-              <a:rPr lang="en-US" dirty="0"/>
-              <a:t> (Python IDE)</a:t>
-            </a:r>
-          </a:p>
-        </p:txBody>
-      </p:sp>
-      <p:sp>
-        <p:nvSpPr>
-          <p:cNvPr id="2" name="Symbol zastępczy zawartości 1">
-            <a:extLst>
-              <a:ext uri="{FF2B5EF4-FFF2-40B4-BE49-F238E27FC236}">
-                <a16:creationId xmlns:a16="http://schemas.microsoft.com/office/drawing/2014/main" id="{C8B31B95-ECBF-4FBB-B5EF-8791E8079792}"/>
-              </a:ext>
-            </a:extLst>
-          </p:cNvPr>
-          <p:cNvSpPr>
-            <a:spLocks noGrp="1"/>
-          </p:cNvSpPr>
-          <p:nvPr>
-            <p:ph sz="half" idx="2"/>
-          </p:nvPr>
-        </p:nvSpPr>
-        <p:spPr/>
-        <p:txBody>
-          <a:bodyPr>
-            <a:normAutofit/>
-          </a:bodyPr>
-          <a:lstStyle/>
-          <a:p>
-            <a:pPr marL="457200" lvl="1" indent="0">
-              <a:buNone/>
-            </a:pPr>
-            <a:r>
-              <a:rPr lang="en-US" sz="1800" dirty="0">
-                <a:hlinkClick r:id="rId2"/>
-              </a:rPr>
-              <a:t>https://thonny.org</a:t>
-            </a:r>
-            <a:endParaRPr lang="en-US" sz="2800" dirty="0"/>
-          </a:p>
-          <a:p>
-            <a:endParaRPr lang="en-US" dirty="0"/>
-          </a:p>
-        </p:txBody>
-      </p:sp>
-      <p:sp>
-        <p:nvSpPr>
-          <p:cNvPr id="8" name="Symbol zastępczy tekstu 7">
-            <a:extLst>
-              <a:ext uri="{FF2B5EF4-FFF2-40B4-BE49-F238E27FC236}">
-                <a16:creationId xmlns:a16="http://schemas.microsoft.com/office/drawing/2014/main" id="{5211F4B1-E351-4428-76E6-65C60B09847C}"/>
-              </a:ext>
-            </a:extLst>
-          </p:cNvPr>
-          <p:cNvSpPr>
-            <a:spLocks noGrp="1"/>
-          </p:cNvSpPr>
-          <p:nvPr>
-            <p:ph type="body" sz="quarter" idx="3"/>
-          </p:nvPr>
-        </p:nvSpPr>
-        <p:spPr/>
-        <p:txBody>
-          <a:bodyPr/>
-          <a:lstStyle/>
-          <a:p>
-            <a:r>
-              <a:rPr lang="pl-PL" dirty="0" err="1"/>
-              <a:t>Other</a:t>
-            </a:r>
-            <a:endParaRPr lang="pl-PL" dirty="0"/>
-          </a:p>
-        </p:txBody>
-      </p:sp>
-      <p:sp>
-        <p:nvSpPr>
-          <p:cNvPr id="5" name="Symbol zastępczy zawartości 4">
-            <a:extLst>
-              <a:ext uri="{FF2B5EF4-FFF2-40B4-BE49-F238E27FC236}">
-                <a16:creationId xmlns:a16="http://schemas.microsoft.com/office/drawing/2014/main" id="{CF7EB273-A684-BB0C-1749-CFB937C611C9}"/>
-              </a:ext>
-            </a:extLst>
-          </p:cNvPr>
-          <p:cNvSpPr>
-            <a:spLocks noGrp="1"/>
-          </p:cNvSpPr>
-          <p:nvPr>
-            <p:ph sz="quarter" idx="4"/>
-          </p:nvPr>
-        </p:nvSpPr>
-        <p:spPr/>
-        <p:txBody>
-          <a:bodyPr>
-            <a:normAutofit/>
-          </a:bodyPr>
-          <a:lstStyle/>
-          <a:p>
-            <a:r>
-              <a:rPr lang="en-US" sz="1800" dirty="0"/>
-              <a:t>Python Programming Language</a:t>
-            </a:r>
-            <a:br>
-              <a:rPr lang="pl-PL" sz="1800" dirty="0"/>
-            </a:br>
-            <a:r>
-              <a:rPr lang="en-US" sz="1800" dirty="0">
-                <a:hlinkClick r:id="rId3"/>
-              </a:rPr>
-              <a:t>https://www.python.org/downloads</a:t>
-            </a:r>
-            <a:r>
-              <a:rPr lang="en-US" sz="3200" dirty="0"/>
-              <a:t> </a:t>
-            </a:r>
-            <a:endParaRPr lang="pl-PL" sz="3200" dirty="0"/>
-          </a:p>
-          <a:p>
-            <a:r>
-              <a:rPr lang="pl-PL" sz="1800" dirty="0" err="1"/>
-              <a:t>Python</a:t>
-            </a:r>
-            <a:r>
-              <a:rPr lang="pl-PL" sz="1800" dirty="0"/>
-              <a:t> IDE</a:t>
-            </a:r>
-            <a:br>
-              <a:rPr lang="pl-PL" sz="1800" dirty="0"/>
-            </a:br>
-            <a:r>
-              <a:rPr lang="en-US" sz="1800" dirty="0"/>
-              <a:t>Visual Studio Code, PyCharm, …</a:t>
-            </a:r>
-            <a:endParaRPr lang="en-US" sz="3200" dirty="0"/>
-          </a:p>
-        </p:txBody>
-      </p:sp>
-      <p:sp>
-        <p:nvSpPr>
-          <p:cNvPr id="3" name="Symbol zastępczy numeru slajdu 2">
-            <a:extLst>
-              <a:ext uri="{FF2B5EF4-FFF2-40B4-BE49-F238E27FC236}">
-                <a16:creationId xmlns:a16="http://schemas.microsoft.com/office/drawing/2014/main" id="{9E865951-68A3-40C9-A786-AF60C1AEF958}"/>
-              </a:ext>
-            </a:extLst>
-          </p:cNvPr>
-          <p:cNvSpPr>
-            <a:spLocks noGrp="1"/>
-          </p:cNvSpPr>
-          <p:nvPr>
-            <p:ph type="sldNum" sz="quarter" idx="12"/>
-          </p:nvPr>
-        </p:nvSpPr>
-        <p:spPr/>
-        <p:txBody>
-          <a:bodyPr/>
-          <a:lstStyle/>
-          <a:p>
-            <a:fld id="{254C963F-D690-449C-B336-8B464EE7B8DB}" type="slidenum">
-              <a:rPr lang="en-US" smtClean="0"/>
-              <a:t>6</a:t>
-            </a:fld>
-            <a:endParaRPr lang="en-US" dirty="0"/>
-          </a:p>
-        </p:txBody>
-      </p:sp>
-      <p:pic>
-        <p:nvPicPr>
-          <p:cNvPr id="6" name="Picture 2" descr="Main screenshot">
-            <a:extLst>
-              <a:ext uri="{FF2B5EF4-FFF2-40B4-BE49-F238E27FC236}">
-                <a16:creationId xmlns:a16="http://schemas.microsoft.com/office/drawing/2014/main" id="{FFDA277E-6088-DE5B-FB19-F65FD44538B2}"/>
+                <a16:creationId xmlns:a16="http://schemas.microsoft.com/office/drawing/2014/main" id="{8E6E0C4C-FF98-CF04-8A3C-BD29229EFE5B}"/>
               </a:ext>
             </a:extLst>
           </p:cNvPr>
@@ -9350,21 +9345,116 @@
           <p:nvPr/>
         </p:nvPicPr>
         <p:blipFill>
-          <a:blip r:embed="rId4">
+          <a:blip r:embed="rId5">
             <a:extLst>
               <a:ext uri="{28A0092B-C50C-407E-A947-70E740481C1C}">
                 <a14:useLocalDpi xmlns:a14="http://schemas.microsoft.com/office/drawing/2010/main" val="0"/>
               </a:ext>
             </a:extLst>
           </a:blip>
+          <a:srcRect/>
           <a:stretch>
             <a:fillRect/>
           </a:stretch>
         </p:blipFill>
         <p:spPr bwMode="auto">
           <a:xfrm>
-            <a:off x="1270463" y="2848206"/>
-            <a:ext cx="4016248" cy="3310094"/>
+            <a:off x="7831615" y="3479387"/>
+            <a:ext cx="3522185" cy="1043814"/>
+          </a:xfrm>
+          <a:prstGeom prst="rect">
+            <a:avLst/>
+          </a:prstGeom>
+          <a:noFill/>
+          <a:extLst>
+            <a:ext uri="{909E8E84-426E-40DD-AFC4-6F175D3DCCD1}">
+              <a14:hiddenFill xmlns:a14="http://schemas.microsoft.com/office/drawing/2010/main">
+                <a:solidFill>
+                  <a:srgbClr val="FFFFFF"/>
+                </a:solidFill>
+              </a14:hiddenFill>
+            </a:ext>
+          </a:extLst>
+        </p:spPr>
+      </p:pic>
+      <p:pic>
+        <p:nvPicPr>
+          <p:cNvPr id="6" name="Picture 6" descr="Zobacz obraz źródłowy">
+            <a:extLst>
+              <a:ext uri="{FF2B5EF4-FFF2-40B4-BE49-F238E27FC236}">
+                <a16:creationId xmlns:a16="http://schemas.microsoft.com/office/drawing/2014/main" id="{577B9830-B9FA-721A-A31A-0B608924457C}"/>
+              </a:ext>
+            </a:extLst>
+          </p:cNvPr>
+          <p:cNvPicPr>
+            <a:picLocks noChangeAspect="1" noChangeArrowheads="1"/>
+          </p:cNvPicPr>
+          <p:nvPr/>
+        </p:nvPicPr>
+        <p:blipFill>
+          <a:blip r:embed="rId6">
+            <a:extLst>
+              <a:ext uri="{28A0092B-C50C-407E-A947-70E740481C1C}">
+                <a14:useLocalDpi xmlns:a14="http://schemas.microsoft.com/office/drawing/2010/main" val="0"/>
+              </a:ext>
+            </a:extLst>
+          </a:blip>
+          <a:srcRect/>
+          <a:stretch>
+            <a:fillRect/>
+          </a:stretch>
+        </p:blipFill>
+        <p:spPr bwMode="auto">
+          <a:xfrm>
+            <a:off x="9026853" y="1866980"/>
+            <a:ext cx="1910693" cy="1433020"/>
+          </a:xfrm>
+          <a:prstGeom prst="rect">
+            <a:avLst/>
+          </a:prstGeom>
+          <a:noFill/>
+          <a:extLst>
+            <a:ext uri="{909E8E84-426E-40DD-AFC4-6F175D3DCCD1}">
+              <a14:hiddenFill xmlns:a14="http://schemas.microsoft.com/office/drawing/2010/main">
+                <a:solidFill>
+                  <a:srgbClr val="FFFFFF"/>
+                </a:solidFill>
+              </a14:hiddenFill>
+            </a:ext>
+          </a:extLst>
+        </p:spPr>
+      </p:pic>
+      <p:pic>
+        <p:nvPicPr>
+          <p:cNvPr id="2052" name="Picture 4" descr="Zobacz obraz źródłowy">
+            <a:extLst>
+              <a:ext uri="{FF2B5EF4-FFF2-40B4-BE49-F238E27FC236}">
+                <a16:creationId xmlns:a16="http://schemas.microsoft.com/office/drawing/2014/main" id="{C399AFF6-3D0B-7D8D-8711-EF0650A66AE6}"/>
+              </a:ext>
+            </a:extLst>
+          </p:cNvPr>
+          <p:cNvPicPr>
+            <a:picLocks noChangeAspect="1" noChangeArrowheads="1"/>
+          </p:cNvPicPr>
+          <p:nvPr/>
+        </p:nvPicPr>
+        <p:blipFill>
+          <a:blip r:embed="rId7">
+            <a:extLst>
+              <a:ext uri="{28A0092B-C50C-407E-A947-70E740481C1C}">
+                <a14:useLocalDpi xmlns:a14="http://schemas.microsoft.com/office/drawing/2010/main" val="0"/>
+              </a:ext>
+            </a:extLst>
+          </a:blip>
+          <a:srcRect/>
+          <a:stretch>
+            <a:fillRect/>
+          </a:stretch>
+        </p:blipFill>
+        <p:spPr bwMode="auto">
+          <a:xfrm>
+            <a:off x="7374193" y="4735846"/>
+            <a:ext cx="4447416" cy="1482472"/>
           </a:xfrm>
           <a:prstGeom prst="rect">
             <a:avLst/>
@@ -9384,7 +9474,7 @@
     </p:spTree>
     <p:extLst>
       <p:ext uri="{BB962C8B-B14F-4D97-AF65-F5344CB8AC3E}">
-        <p14:creationId xmlns:p14="http://schemas.microsoft.com/office/powerpoint/2010/main" val="1686425742"/>
+        <p14:creationId xmlns:p14="http://schemas.microsoft.com/office/powerpoint/2010/main" val="2204798088"/>
       </p:ext>
     </p:extLst>
   </p:cSld>

--- a/01-CourseIntroduction/01-CourseIntroduction.pptx
+++ b/01-CourseIntroduction/01-CourseIntroduction.pptx
@@ -5,33 +5,40 @@
     <p:sldMasterId id="2147484995" r:id="rId1"/>
   </p:sldMasterIdLst>
   <p:notesMasterIdLst>
-    <p:notesMasterId r:id="rId20"/>
+    <p:notesMasterId r:id="rId27"/>
   </p:notesMasterIdLst>
   <p:handoutMasterIdLst>
-    <p:handoutMasterId r:id="rId21"/>
+    <p:handoutMasterId r:id="rId28"/>
   </p:handoutMasterIdLst>
   <p:sldIdLst>
     <p:sldId id="256" r:id="rId2"/>
     <p:sldId id="292" r:id="rId3"/>
-    <p:sldId id="306" r:id="rId4"/>
-    <p:sldId id="304" r:id="rId5"/>
-    <p:sldId id="307" r:id="rId6"/>
-    <p:sldId id="326" r:id="rId7"/>
-    <p:sldId id="312" r:id="rId8"/>
-    <p:sldId id="320" r:id="rId9"/>
-    <p:sldId id="291" r:id="rId10"/>
-    <p:sldId id="316" r:id="rId11"/>
-    <p:sldId id="317" r:id="rId12"/>
-    <p:sldId id="318" r:id="rId13"/>
-    <p:sldId id="319" r:id="rId14"/>
-    <p:sldId id="322" r:id="rId15"/>
-    <p:sldId id="299" r:id="rId16"/>
-    <p:sldId id="323" r:id="rId17"/>
-    <p:sldId id="324" r:id="rId18"/>
-    <p:sldId id="321" r:id="rId19"/>
+    <p:sldId id="327" r:id="rId4"/>
+    <p:sldId id="306" r:id="rId5"/>
+    <p:sldId id="304" r:id="rId6"/>
+    <p:sldId id="307" r:id="rId7"/>
+    <p:sldId id="328" r:id="rId8"/>
+    <p:sldId id="329" r:id="rId9"/>
+    <p:sldId id="332" r:id="rId10"/>
+    <p:sldId id="330" r:id="rId11"/>
+    <p:sldId id="312" r:id="rId12"/>
+    <p:sldId id="320" r:id="rId13"/>
+    <p:sldId id="291" r:id="rId14"/>
+    <p:sldId id="316" r:id="rId15"/>
+    <p:sldId id="317" r:id="rId16"/>
+    <p:sldId id="318" r:id="rId17"/>
+    <p:sldId id="319" r:id="rId18"/>
+    <p:sldId id="335" r:id="rId19"/>
+    <p:sldId id="333" r:id="rId20"/>
+    <p:sldId id="334" r:id="rId21"/>
+    <p:sldId id="337" r:id="rId22"/>
+    <p:sldId id="336" r:id="rId23"/>
+    <p:sldId id="323" r:id="rId24"/>
+    <p:sldId id="340" r:id="rId25"/>
+    <p:sldId id="341" r:id="rId26"/>
   </p:sldIdLst>
   <p:sldSz cx="12192000" cy="6858000"/>
-  <p:notesSz cx="9144000" cy="6858000"/>
+  <p:notesSz cx="6858000" cy="9144000"/>
   <p:defaultTextStyle>
     <a:defPPr>
       <a:defRPr lang="pl-PL"/>
@@ -138,13 +145,837 @@
 <file path=ppt/revisionInfo.xml><?xml version="1.0" encoding="utf-8"?>
 <p1510:revInfo xmlns:a="http://schemas.openxmlformats.org/drawingml/2006/main" xmlns:r="http://schemas.openxmlformats.org/officeDocument/2006/relationships" xmlns:p1510="http://schemas.microsoft.com/office/powerpoint/2015/10/main">
   <p1510:revLst>
-    <p1510:client id="{598E804E-1284-4E69-B93D-C5B9C305894D}" v="66" dt="2022-10-01T23:39:32.929"/>
+    <p1510:client id="{AA1F99E5-39BF-4796-935B-7E22500DBB50}" v="33" dt="2023-09-19T22:21:44.827"/>
   </p1510:revLst>
 </p1510:revInfo>
 </file>
 
 <file path=ppt/changesInfos/changesInfo1.xml><?xml version="1.0" encoding="utf-8"?>
 <pc:chgInfo xmlns:a="http://schemas.openxmlformats.org/drawingml/2006/main" xmlns:r="http://schemas.openxmlformats.org/officeDocument/2006/relationships" xmlns:ac="http://schemas.microsoft.com/office/drawing/2013/main/command" xmlns:pc="http://schemas.microsoft.com/office/powerpoint/2013/main/command">
+  <pc:docChgLst>
+    <pc:chgData name="Janusz Stal" userId="570fe9c4-9123-4bde-9755-2a9767a29a9c" providerId="ADAL" clId="{AA1F99E5-39BF-4796-935B-7E22500DBB50}"/>
+    <pc:docChg chg="undo custSel addSld delSld modSld sldOrd modNotesMaster modHandout">
+      <pc:chgData name="Janusz Stal" userId="570fe9c4-9123-4bde-9755-2a9767a29a9c" providerId="ADAL" clId="{AA1F99E5-39BF-4796-935B-7E22500DBB50}" dt="2023-09-20T14:25:51.698" v="2664" actId="20577"/>
+      <pc:docMkLst>
+        <pc:docMk/>
+      </pc:docMkLst>
+      <pc:sldChg chg="modSp mod ord">
+        <pc:chgData name="Janusz Stal" userId="570fe9c4-9123-4bde-9755-2a9767a29a9c" providerId="ADAL" clId="{AA1F99E5-39BF-4796-935B-7E22500DBB50}" dt="2023-09-19T19:56:32.834" v="718" actId="20577"/>
+        <pc:sldMkLst>
+          <pc:docMk/>
+          <pc:sldMk cId="3207883656" sldId="291"/>
+        </pc:sldMkLst>
+        <pc:spChg chg="mod">
+          <ac:chgData name="Janusz Stal" userId="570fe9c4-9123-4bde-9755-2a9767a29a9c" providerId="ADAL" clId="{AA1F99E5-39BF-4796-935B-7E22500DBB50}" dt="2023-09-19T19:39:26.870" v="647" actId="790"/>
+          <ac:spMkLst>
+            <pc:docMk/>
+            <pc:sldMk cId="3207883656" sldId="291"/>
+            <ac:spMk id="5" creationId="{E5EAA86D-7FAF-4F5F-B693-8A5642336538}"/>
+          </ac:spMkLst>
+        </pc:spChg>
+        <pc:spChg chg="mod">
+          <ac:chgData name="Janusz Stal" userId="570fe9c4-9123-4bde-9755-2a9767a29a9c" providerId="ADAL" clId="{AA1F99E5-39BF-4796-935B-7E22500DBB50}" dt="2023-09-19T19:56:32.834" v="718" actId="20577"/>
+          <ac:spMkLst>
+            <pc:docMk/>
+            <pc:sldMk cId="3207883656" sldId="291"/>
+            <ac:spMk id="6" creationId="{3BEF4DD1-DF03-4BD7-972C-609EAA9D84FC}"/>
+          </ac:spMkLst>
+        </pc:spChg>
+      </pc:sldChg>
+      <pc:sldChg chg="modSp mod">
+        <pc:chgData name="Janusz Stal" userId="570fe9c4-9123-4bde-9755-2a9767a29a9c" providerId="ADAL" clId="{AA1F99E5-39BF-4796-935B-7E22500DBB50}" dt="2023-09-19T12:12:33.997" v="8" actId="27636"/>
+        <pc:sldMkLst>
+          <pc:docMk/>
+          <pc:sldMk cId="3285343587" sldId="292"/>
+        </pc:sldMkLst>
+        <pc:spChg chg="mod">
+          <ac:chgData name="Janusz Stal" userId="570fe9c4-9123-4bde-9755-2a9767a29a9c" providerId="ADAL" clId="{AA1F99E5-39BF-4796-935B-7E22500DBB50}" dt="2023-09-19T12:12:33.997" v="8" actId="27636"/>
+          <ac:spMkLst>
+            <pc:docMk/>
+            <pc:sldMk cId="3285343587" sldId="292"/>
+            <ac:spMk id="2" creationId="{3EDFA272-3930-484B-991B-B3AB08924CB2}"/>
+          </ac:spMkLst>
+        </pc:spChg>
+      </pc:sldChg>
+      <pc:sldChg chg="modSp del mod ord">
+        <pc:chgData name="Janusz Stal" userId="570fe9c4-9123-4bde-9755-2a9767a29a9c" providerId="ADAL" clId="{AA1F99E5-39BF-4796-935B-7E22500DBB50}" dt="2023-09-20T14:13:06.519" v="2633" actId="2696"/>
+        <pc:sldMkLst>
+          <pc:docMk/>
+          <pc:sldMk cId="30840440" sldId="299"/>
+        </pc:sldMkLst>
+        <pc:spChg chg="mod">
+          <ac:chgData name="Janusz Stal" userId="570fe9c4-9123-4bde-9755-2a9767a29a9c" providerId="ADAL" clId="{AA1F99E5-39BF-4796-935B-7E22500DBB50}" dt="2023-09-19T23:03:13.148" v="2074" actId="20577"/>
+          <ac:spMkLst>
+            <pc:docMk/>
+            <pc:sldMk cId="30840440" sldId="299"/>
+            <ac:spMk id="4" creationId="{AD93F6C5-1E5E-44B6-A24C-C799E344B5DC}"/>
+          </ac:spMkLst>
+        </pc:spChg>
+      </pc:sldChg>
+      <pc:sldChg chg="modSp mod">
+        <pc:chgData name="Janusz Stal" userId="570fe9c4-9123-4bde-9755-2a9767a29a9c" providerId="ADAL" clId="{AA1F99E5-39BF-4796-935B-7E22500DBB50}" dt="2023-09-20T12:42:25.609" v="2276" actId="20577"/>
+        <pc:sldMkLst>
+          <pc:docMk/>
+          <pc:sldMk cId="665344467" sldId="304"/>
+        </pc:sldMkLst>
+        <pc:spChg chg="mod">
+          <ac:chgData name="Janusz Stal" userId="570fe9c4-9123-4bde-9755-2a9767a29a9c" providerId="ADAL" clId="{AA1F99E5-39BF-4796-935B-7E22500DBB50}" dt="2023-09-20T12:42:25.609" v="2276" actId="20577"/>
+          <ac:spMkLst>
+            <pc:docMk/>
+            <pc:sldMk cId="665344467" sldId="304"/>
+            <ac:spMk id="2" creationId="{98462CE9-0E7E-A34D-4B1C-203E73FB59E4}"/>
+          </ac:spMkLst>
+        </pc:spChg>
+        <pc:spChg chg="mod">
+          <ac:chgData name="Janusz Stal" userId="570fe9c4-9123-4bde-9755-2a9767a29a9c" providerId="ADAL" clId="{AA1F99E5-39BF-4796-935B-7E22500DBB50}" dt="2023-09-19T18:53:37.561" v="429" actId="790"/>
+          <ac:spMkLst>
+            <pc:docMk/>
+            <pc:sldMk cId="665344467" sldId="304"/>
+            <ac:spMk id="9" creationId="{99858D17-3FD7-4EEC-A5C3-DF54B793A789}"/>
+          </ac:spMkLst>
+        </pc:spChg>
+        <pc:graphicFrameChg chg="modGraphic">
+          <ac:chgData name="Janusz Stal" userId="570fe9c4-9123-4bde-9755-2a9767a29a9c" providerId="ADAL" clId="{AA1F99E5-39BF-4796-935B-7E22500DBB50}" dt="2023-09-19T12:21:26.227" v="135" actId="20577"/>
+          <ac:graphicFrameMkLst>
+            <pc:docMk/>
+            <pc:sldMk cId="665344467" sldId="304"/>
+            <ac:graphicFrameMk id="10" creationId="{F6C54067-57EB-4DCA-B29A-43AE2214302B}"/>
+          </ac:graphicFrameMkLst>
+        </pc:graphicFrameChg>
+      </pc:sldChg>
+      <pc:sldChg chg="modSp mod">
+        <pc:chgData name="Janusz Stal" userId="570fe9c4-9123-4bde-9755-2a9767a29a9c" providerId="ADAL" clId="{AA1F99E5-39BF-4796-935B-7E22500DBB50}" dt="2023-09-20T12:41:51.398" v="2274" actId="20577"/>
+        <pc:sldMkLst>
+          <pc:docMk/>
+          <pc:sldMk cId="995346915" sldId="306"/>
+        </pc:sldMkLst>
+        <pc:graphicFrameChg chg="modGraphic">
+          <ac:chgData name="Janusz Stal" userId="570fe9c4-9123-4bde-9755-2a9767a29a9c" providerId="ADAL" clId="{AA1F99E5-39BF-4796-935B-7E22500DBB50}" dt="2023-09-20T12:41:51.398" v="2274" actId="20577"/>
+          <ac:graphicFrameMkLst>
+            <pc:docMk/>
+            <pc:sldMk cId="995346915" sldId="306"/>
+            <ac:graphicFrameMk id="5" creationId="{361DBB10-7E00-4A84-BE20-BE665A5B4ECD}"/>
+          </ac:graphicFrameMkLst>
+        </pc:graphicFrameChg>
+      </pc:sldChg>
+      <pc:sldChg chg="modSp mod">
+        <pc:chgData name="Janusz Stal" userId="570fe9c4-9123-4bde-9755-2a9767a29a9c" providerId="ADAL" clId="{AA1F99E5-39BF-4796-935B-7E22500DBB50}" dt="2023-09-19T12:48:21.414" v="203" actId="20577"/>
+        <pc:sldMkLst>
+          <pc:docMk/>
+          <pc:sldMk cId="481222839" sldId="307"/>
+        </pc:sldMkLst>
+        <pc:graphicFrameChg chg="mod modGraphic">
+          <ac:chgData name="Janusz Stal" userId="570fe9c4-9123-4bde-9755-2a9767a29a9c" providerId="ADAL" clId="{AA1F99E5-39BF-4796-935B-7E22500DBB50}" dt="2023-09-19T12:48:21.414" v="203" actId="20577"/>
+          <ac:graphicFrameMkLst>
+            <pc:docMk/>
+            <pc:sldMk cId="481222839" sldId="307"/>
+            <ac:graphicFrameMk id="7" creationId="{FDAE31E2-5969-4434-A806-67653374A219}"/>
+          </ac:graphicFrameMkLst>
+        </pc:graphicFrameChg>
+      </pc:sldChg>
+      <pc:sldChg chg="modSp mod">
+        <pc:chgData name="Janusz Stal" userId="570fe9c4-9123-4bde-9755-2a9767a29a9c" providerId="ADAL" clId="{AA1F99E5-39BF-4796-935B-7E22500DBB50}" dt="2023-09-19T19:55:26.264" v="715" actId="790"/>
+        <pc:sldMkLst>
+          <pc:docMk/>
+          <pc:sldMk cId="3376502272" sldId="312"/>
+        </pc:sldMkLst>
+        <pc:spChg chg="mod">
+          <ac:chgData name="Janusz Stal" userId="570fe9c4-9123-4bde-9755-2a9767a29a9c" providerId="ADAL" clId="{AA1F99E5-39BF-4796-935B-7E22500DBB50}" dt="2023-09-19T18:02:47.853" v="369" actId="20577"/>
+          <ac:spMkLst>
+            <pc:docMk/>
+            <pc:sldMk cId="3376502272" sldId="312"/>
+            <ac:spMk id="2" creationId="{41D4A72D-3389-4C11-9168-63616BF2753D}"/>
+          </ac:spMkLst>
+        </pc:spChg>
+        <pc:spChg chg="mod">
+          <ac:chgData name="Janusz Stal" userId="570fe9c4-9123-4bde-9755-2a9767a29a9c" providerId="ADAL" clId="{AA1F99E5-39BF-4796-935B-7E22500DBB50}" dt="2023-09-19T19:55:26.264" v="715" actId="790"/>
+          <ac:spMkLst>
+            <pc:docMk/>
+            <pc:sldMk cId="3376502272" sldId="312"/>
+            <ac:spMk id="4" creationId="{33590845-679B-40E9-B580-208EC72F096A}"/>
+          </ac:spMkLst>
+        </pc:spChg>
+        <pc:spChg chg="mod">
+          <ac:chgData name="Janusz Stal" userId="570fe9c4-9123-4bde-9755-2a9767a29a9c" providerId="ADAL" clId="{AA1F99E5-39BF-4796-935B-7E22500DBB50}" dt="2023-09-19T18:53:59.962" v="434" actId="20577"/>
+          <ac:spMkLst>
+            <pc:docMk/>
+            <pc:sldMk cId="3376502272" sldId="312"/>
+            <ac:spMk id="5" creationId="{EC2C11A6-9282-D27C-5AC9-09188C4D35A6}"/>
+          </ac:spMkLst>
+        </pc:spChg>
+      </pc:sldChg>
+      <pc:sldChg chg="modSp mod ord">
+        <pc:chgData name="Janusz Stal" userId="570fe9c4-9123-4bde-9755-2a9767a29a9c" providerId="ADAL" clId="{AA1F99E5-39BF-4796-935B-7E22500DBB50}" dt="2023-09-19T19:38:46.164" v="644" actId="6549"/>
+        <pc:sldMkLst>
+          <pc:docMk/>
+          <pc:sldMk cId="1144236073" sldId="316"/>
+        </pc:sldMkLst>
+        <pc:spChg chg="mod">
+          <ac:chgData name="Janusz Stal" userId="570fe9c4-9123-4bde-9755-2a9767a29a9c" providerId="ADAL" clId="{AA1F99E5-39BF-4796-935B-7E22500DBB50}" dt="2023-09-19T19:38:05.876" v="643" actId="790"/>
+          <ac:spMkLst>
+            <pc:docMk/>
+            <pc:sldMk cId="1144236073" sldId="316"/>
+            <ac:spMk id="2" creationId="{C7200191-8C7A-20BB-91B3-C7A0EB4D769B}"/>
+          </ac:spMkLst>
+        </pc:spChg>
+        <pc:spChg chg="mod">
+          <ac:chgData name="Janusz Stal" userId="570fe9c4-9123-4bde-9755-2a9767a29a9c" providerId="ADAL" clId="{AA1F99E5-39BF-4796-935B-7E22500DBB50}" dt="2023-09-19T19:38:46.164" v="644" actId="6549"/>
+          <ac:spMkLst>
+            <pc:docMk/>
+            <pc:sldMk cId="1144236073" sldId="316"/>
+            <ac:spMk id="4" creationId="{3E295D64-ECD7-4481-0A0D-7A4B9E5090FF}"/>
+          </ac:spMkLst>
+        </pc:spChg>
+      </pc:sldChg>
+      <pc:sldChg chg="modSp mod">
+        <pc:chgData name="Janusz Stal" userId="570fe9c4-9123-4bde-9755-2a9767a29a9c" providerId="ADAL" clId="{AA1F99E5-39BF-4796-935B-7E22500DBB50}" dt="2023-09-20T12:45:35.557" v="2281" actId="20577"/>
+        <pc:sldMkLst>
+          <pc:docMk/>
+          <pc:sldMk cId="2533284800" sldId="317"/>
+        </pc:sldMkLst>
+        <pc:spChg chg="mod">
+          <ac:chgData name="Janusz Stal" userId="570fe9c4-9123-4bde-9755-2a9767a29a9c" providerId="ADAL" clId="{AA1F99E5-39BF-4796-935B-7E22500DBB50}" dt="2023-09-20T12:45:35.557" v="2281" actId="20577"/>
+          <ac:spMkLst>
+            <pc:docMk/>
+            <pc:sldMk cId="2533284800" sldId="317"/>
+            <ac:spMk id="2" creationId="{27533B2D-CAC7-E97B-7182-1838AAEFBF00}"/>
+          </ac:spMkLst>
+        </pc:spChg>
+        <pc:spChg chg="mod">
+          <ac:chgData name="Janusz Stal" userId="570fe9c4-9123-4bde-9755-2a9767a29a9c" providerId="ADAL" clId="{AA1F99E5-39BF-4796-935B-7E22500DBB50}" dt="2023-09-19T19:38:57.939" v="645" actId="6549"/>
+          <ac:spMkLst>
+            <pc:docMk/>
+            <pc:sldMk cId="2533284800" sldId="317"/>
+            <ac:spMk id="4" creationId="{5DD48AC1-5D6A-17F7-07D1-9AE9BB0E45AE}"/>
+          </ac:spMkLst>
+        </pc:spChg>
+      </pc:sldChg>
+      <pc:sldChg chg="modSp mod">
+        <pc:chgData name="Janusz Stal" userId="570fe9c4-9123-4bde-9755-2a9767a29a9c" providerId="ADAL" clId="{AA1F99E5-39BF-4796-935B-7E22500DBB50}" dt="2023-09-20T12:49:26.819" v="2296" actId="20577"/>
+        <pc:sldMkLst>
+          <pc:docMk/>
+          <pc:sldMk cId="1234291028" sldId="318"/>
+        </pc:sldMkLst>
+        <pc:spChg chg="mod">
+          <ac:chgData name="Janusz Stal" userId="570fe9c4-9123-4bde-9755-2a9767a29a9c" providerId="ADAL" clId="{AA1F99E5-39BF-4796-935B-7E22500DBB50}" dt="2023-09-20T12:49:26.819" v="2296" actId="20577"/>
+          <ac:spMkLst>
+            <pc:docMk/>
+            <pc:sldMk cId="1234291028" sldId="318"/>
+            <ac:spMk id="2" creationId="{D53BE413-5EBF-69E5-69B0-2BCC40EBBB43}"/>
+          </ac:spMkLst>
+        </pc:spChg>
+        <pc:spChg chg="mod">
+          <ac:chgData name="Janusz Stal" userId="570fe9c4-9123-4bde-9755-2a9767a29a9c" providerId="ADAL" clId="{AA1F99E5-39BF-4796-935B-7E22500DBB50}" dt="2023-09-20T12:48:29.430" v="2288" actId="6549"/>
+          <ac:spMkLst>
+            <pc:docMk/>
+            <pc:sldMk cId="1234291028" sldId="318"/>
+            <ac:spMk id="4" creationId="{B790DEAE-7768-9BCE-6188-0F4D4EAA6B5E}"/>
+          </ac:spMkLst>
+        </pc:spChg>
+      </pc:sldChg>
+      <pc:sldChg chg="modSp mod">
+        <pc:chgData name="Janusz Stal" userId="570fe9c4-9123-4bde-9755-2a9767a29a9c" providerId="ADAL" clId="{AA1F99E5-39BF-4796-935B-7E22500DBB50}" dt="2023-09-19T22:18:54.643" v="1492" actId="20577"/>
+        <pc:sldMkLst>
+          <pc:docMk/>
+          <pc:sldMk cId="3984066826" sldId="319"/>
+        </pc:sldMkLst>
+        <pc:spChg chg="mod">
+          <ac:chgData name="Janusz Stal" userId="570fe9c4-9123-4bde-9755-2a9767a29a9c" providerId="ADAL" clId="{AA1F99E5-39BF-4796-935B-7E22500DBB50}" dt="2023-09-19T19:48:55.464" v="691" actId="790"/>
+          <ac:spMkLst>
+            <pc:docMk/>
+            <pc:sldMk cId="3984066826" sldId="319"/>
+            <ac:spMk id="2" creationId="{4FA82766-5AC7-26AF-F9A7-76097122BE8D}"/>
+          </ac:spMkLst>
+        </pc:spChg>
+        <pc:spChg chg="mod">
+          <ac:chgData name="Janusz Stal" userId="570fe9c4-9123-4bde-9755-2a9767a29a9c" providerId="ADAL" clId="{AA1F99E5-39BF-4796-935B-7E22500DBB50}" dt="2023-09-19T22:18:54.643" v="1492" actId="20577"/>
+          <ac:spMkLst>
+            <pc:docMk/>
+            <pc:sldMk cId="3984066826" sldId="319"/>
+            <ac:spMk id="3" creationId="{57DF4AEE-6507-A6EF-BEAB-6DD815C42CC9}"/>
+          </ac:spMkLst>
+        </pc:spChg>
+      </pc:sldChg>
+      <pc:sldChg chg="modSp mod">
+        <pc:chgData name="Janusz Stal" userId="570fe9c4-9123-4bde-9755-2a9767a29a9c" providerId="ADAL" clId="{AA1F99E5-39BF-4796-935B-7E22500DBB50}" dt="2023-09-20T14:14:58.366" v="2656" actId="20577"/>
+        <pc:sldMkLst>
+          <pc:docMk/>
+          <pc:sldMk cId="1005848108" sldId="320"/>
+        </pc:sldMkLst>
+        <pc:spChg chg="mod">
+          <ac:chgData name="Janusz Stal" userId="570fe9c4-9123-4bde-9755-2a9767a29a9c" providerId="ADAL" clId="{AA1F99E5-39BF-4796-935B-7E22500DBB50}" dt="2023-09-20T14:06:22.502" v="2554" actId="20577"/>
+          <ac:spMkLst>
+            <pc:docMk/>
+            <pc:sldMk cId="1005848108" sldId="320"/>
+            <ac:spMk id="2" creationId="{005DE35A-36F4-48CE-5B82-D9ABD47366FC}"/>
+          </ac:spMkLst>
+        </pc:spChg>
+        <pc:spChg chg="mod">
+          <ac:chgData name="Janusz Stal" userId="570fe9c4-9123-4bde-9755-2a9767a29a9c" providerId="ADAL" clId="{AA1F99E5-39BF-4796-935B-7E22500DBB50}" dt="2023-09-20T14:14:58.366" v="2656" actId="20577"/>
+          <ac:spMkLst>
+            <pc:docMk/>
+            <pc:sldMk cId="1005848108" sldId="320"/>
+            <ac:spMk id="3" creationId="{5C593541-A8CA-3595-EFED-636ACE762969}"/>
+          </ac:spMkLst>
+        </pc:spChg>
+      </pc:sldChg>
+      <pc:sldChg chg="del ord">
+        <pc:chgData name="Janusz Stal" userId="570fe9c4-9123-4bde-9755-2a9767a29a9c" providerId="ADAL" clId="{AA1F99E5-39BF-4796-935B-7E22500DBB50}" dt="2023-09-20T14:05:26.237" v="2537" actId="2696"/>
+        <pc:sldMkLst>
+          <pc:docMk/>
+          <pc:sldMk cId="1982588859" sldId="321"/>
+        </pc:sldMkLst>
+      </pc:sldChg>
+      <pc:sldChg chg="modSp del mod ord">
+        <pc:chgData name="Janusz Stal" userId="570fe9c4-9123-4bde-9755-2a9767a29a9c" providerId="ADAL" clId="{AA1F99E5-39BF-4796-935B-7E22500DBB50}" dt="2023-09-19T22:11:46.819" v="1430" actId="2696"/>
+        <pc:sldMkLst>
+          <pc:docMk/>
+          <pc:sldMk cId="3316329553" sldId="322"/>
+        </pc:sldMkLst>
+        <pc:spChg chg="mod">
+          <ac:chgData name="Janusz Stal" userId="570fe9c4-9123-4bde-9755-2a9767a29a9c" providerId="ADAL" clId="{AA1F99E5-39BF-4796-935B-7E22500DBB50}" dt="2023-09-19T20:05:19.580" v="810" actId="207"/>
+          <ac:spMkLst>
+            <pc:docMk/>
+            <pc:sldMk cId="3316329553" sldId="322"/>
+            <ac:spMk id="2" creationId="{417555C3-BA67-4B2C-8143-1205B270C39B}"/>
+          </ac:spMkLst>
+        </pc:spChg>
+        <pc:spChg chg="mod">
+          <ac:chgData name="Janusz Stal" userId="570fe9c4-9123-4bde-9755-2a9767a29a9c" providerId="ADAL" clId="{AA1F99E5-39BF-4796-935B-7E22500DBB50}" dt="2023-09-19T20:02:35.879" v="754" actId="790"/>
+          <ac:spMkLst>
+            <pc:docMk/>
+            <pc:sldMk cId="3316329553" sldId="322"/>
+            <ac:spMk id="4" creationId="{AD93F6C5-1E5E-44B6-A24C-C799E344B5DC}"/>
+          </ac:spMkLst>
+        </pc:spChg>
+      </pc:sldChg>
+      <pc:sldChg chg="modSp mod ord">
+        <pc:chgData name="Janusz Stal" userId="570fe9c4-9123-4bde-9755-2a9767a29a9c" providerId="ADAL" clId="{AA1F99E5-39BF-4796-935B-7E22500DBB50}" dt="2023-09-20T13:52:14.180" v="2318" actId="27636"/>
+        <pc:sldMkLst>
+          <pc:docMk/>
+          <pc:sldMk cId="2525688714" sldId="323"/>
+        </pc:sldMkLst>
+        <pc:spChg chg="mod">
+          <ac:chgData name="Janusz Stal" userId="570fe9c4-9123-4bde-9755-2a9767a29a9c" providerId="ADAL" clId="{AA1F99E5-39BF-4796-935B-7E22500DBB50}" dt="2023-09-20T13:52:14.180" v="2318" actId="27636"/>
+          <ac:spMkLst>
+            <pc:docMk/>
+            <pc:sldMk cId="2525688714" sldId="323"/>
+            <ac:spMk id="2" creationId="{F9B3077B-F8DD-C67E-9F11-D4182C72C97A}"/>
+          </ac:spMkLst>
+        </pc:spChg>
+        <pc:spChg chg="mod">
+          <ac:chgData name="Janusz Stal" userId="570fe9c4-9123-4bde-9755-2a9767a29a9c" providerId="ADAL" clId="{AA1F99E5-39BF-4796-935B-7E22500DBB50}" dt="2023-09-19T23:04:19.530" v="2079" actId="20577"/>
+          <ac:spMkLst>
+            <pc:docMk/>
+            <pc:sldMk cId="2525688714" sldId="323"/>
+            <ac:spMk id="4" creationId="{B33793D8-279A-E713-D0D8-3D969606C585}"/>
+          </ac:spMkLst>
+        </pc:spChg>
+      </pc:sldChg>
+      <pc:sldChg chg="del">
+        <pc:chgData name="Janusz Stal" userId="570fe9c4-9123-4bde-9755-2a9767a29a9c" providerId="ADAL" clId="{AA1F99E5-39BF-4796-935B-7E22500DBB50}" dt="2023-09-20T13:50:18.234" v="2314" actId="2696"/>
+        <pc:sldMkLst>
+          <pc:docMk/>
+          <pc:sldMk cId="1984034775" sldId="324"/>
+        </pc:sldMkLst>
+      </pc:sldChg>
+      <pc:sldChg chg="del">
+        <pc:chgData name="Janusz Stal" userId="570fe9c4-9123-4bde-9755-2a9767a29a9c" providerId="ADAL" clId="{AA1F99E5-39BF-4796-935B-7E22500DBB50}" dt="2023-09-19T17:59:47.219" v="339" actId="2696"/>
+        <pc:sldMkLst>
+          <pc:docMk/>
+          <pc:sldMk cId="2204798088" sldId="326"/>
+        </pc:sldMkLst>
+      </pc:sldChg>
+      <pc:sldChg chg="modSp new mod">
+        <pc:chgData name="Janusz Stal" userId="570fe9c4-9123-4bde-9755-2a9767a29a9c" providerId="ADAL" clId="{AA1F99E5-39BF-4796-935B-7E22500DBB50}" dt="2023-09-19T12:15:03.721" v="79" actId="20577"/>
+        <pc:sldMkLst>
+          <pc:docMk/>
+          <pc:sldMk cId="2130001478" sldId="327"/>
+        </pc:sldMkLst>
+        <pc:spChg chg="mod">
+          <ac:chgData name="Janusz Stal" userId="570fe9c4-9123-4bde-9755-2a9767a29a9c" providerId="ADAL" clId="{AA1F99E5-39BF-4796-935B-7E22500DBB50}" dt="2023-09-19T12:15:03.721" v="79" actId="20577"/>
+          <ac:spMkLst>
+            <pc:docMk/>
+            <pc:sldMk cId="2130001478" sldId="327"/>
+            <ac:spMk id="2" creationId="{E35D759D-0154-DDCB-5AE5-29F4994290C4}"/>
+          </ac:spMkLst>
+        </pc:spChg>
+      </pc:sldChg>
+      <pc:sldChg chg="modSp new mod">
+        <pc:chgData name="Janusz Stal" userId="570fe9c4-9123-4bde-9755-2a9767a29a9c" providerId="ADAL" clId="{AA1F99E5-39BF-4796-935B-7E22500DBB50}" dt="2023-09-19T12:48:59.446" v="211" actId="20577"/>
+        <pc:sldMkLst>
+          <pc:docMk/>
+          <pc:sldMk cId="3622438534" sldId="328"/>
+        </pc:sldMkLst>
+        <pc:spChg chg="mod">
+          <ac:chgData name="Janusz Stal" userId="570fe9c4-9123-4bde-9755-2a9767a29a9c" providerId="ADAL" clId="{AA1F99E5-39BF-4796-935B-7E22500DBB50}" dt="2023-09-19T12:48:59.446" v="211" actId="20577"/>
+          <ac:spMkLst>
+            <pc:docMk/>
+            <pc:sldMk cId="3622438534" sldId="328"/>
+            <ac:spMk id="2" creationId="{AC1D4BF1-01BF-F15C-E06E-B8B80E18F788}"/>
+          </ac:spMkLst>
+        </pc:spChg>
+      </pc:sldChg>
+      <pc:sldChg chg="addSp delSp modSp new mod modClrScheme chgLayout">
+        <pc:chgData name="Janusz Stal" userId="570fe9c4-9123-4bde-9755-2a9767a29a9c" providerId="ADAL" clId="{AA1F99E5-39BF-4796-935B-7E22500DBB50}" dt="2023-09-19T19:54:18.057" v="692" actId="790"/>
+        <pc:sldMkLst>
+          <pc:docMk/>
+          <pc:sldMk cId="4232419462" sldId="329"/>
+        </pc:sldMkLst>
+        <pc:spChg chg="del mod ord">
+          <ac:chgData name="Janusz Stal" userId="570fe9c4-9123-4bde-9755-2a9767a29a9c" providerId="ADAL" clId="{AA1F99E5-39BF-4796-935B-7E22500DBB50}" dt="2023-09-19T12:49:51.594" v="214" actId="700"/>
+          <ac:spMkLst>
+            <pc:docMk/>
+            <pc:sldMk cId="4232419462" sldId="329"/>
+            <ac:spMk id="2" creationId="{4039A6DB-3954-654B-D729-A413536FCC5E}"/>
+          </ac:spMkLst>
+        </pc:spChg>
+        <pc:spChg chg="mod ord">
+          <ac:chgData name="Janusz Stal" userId="570fe9c4-9123-4bde-9755-2a9767a29a9c" providerId="ADAL" clId="{AA1F99E5-39BF-4796-935B-7E22500DBB50}" dt="2023-09-19T17:58:35.976" v="321" actId="700"/>
+          <ac:spMkLst>
+            <pc:docMk/>
+            <pc:sldMk cId="4232419462" sldId="329"/>
+            <ac:spMk id="3" creationId="{6464FD0F-50B8-488E-F3DD-6D41349B68D1}"/>
+          </ac:spMkLst>
+        </pc:spChg>
+        <pc:spChg chg="mod ord">
+          <ac:chgData name="Janusz Stal" userId="570fe9c4-9123-4bde-9755-2a9767a29a9c" providerId="ADAL" clId="{AA1F99E5-39BF-4796-935B-7E22500DBB50}" dt="2023-09-19T19:54:18.057" v="692" actId="790"/>
+          <ac:spMkLst>
+            <pc:docMk/>
+            <pc:sldMk cId="4232419462" sldId="329"/>
+            <ac:spMk id="4" creationId="{5A761D7A-031A-1282-7096-A952BD2D666A}"/>
+          </ac:spMkLst>
+        </pc:spChg>
+        <pc:spChg chg="add mod ord">
+          <ac:chgData name="Janusz Stal" userId="570fe9c4-9123-4bde-9755-2a9767a29a9c" providerId="ADAL" clId="{AA1F99E5-39BF-4796-935B-7E22500DBB50}" dt="2023-09-19T17:59:35.490" v="338" actId="20577"/>
+          <ac:spMkLst>
+            <pc:docMk/>
+            <pc:sldMk cId="4232419462" sldId="329"/>
+            <ac:spMk id="5" creationId="{FBD87A7D-672E-944B-24E5-DF24409D1FB9}"/>
+          </ac:spMkLst>
+        </pc:spChg>
+        <pc:spChg chg="add del mod ord">
+          <ac:chgData name="Janusz Stal" userId="570fe9c4-9123-4bde-9755-2a9767a29a9c" providerId="ADAL" clId="{AA1F99E5-39BF-4796-935B-7E22500DBB50}" dt="2023-09-19T17:58:35.976" v="321" actId="700"/>
+          <ac:spMkLst>
+            <pc:docMk/>
+            <pc:sldMk cId="4232419462" sldId="329"/>
+            <ac:spMk id="6" creationId="{A69D0C9F-759D-7446-AC24-9B2EA7C41AB8}"/>
+          </ac:spMkLst>
+        </pc:spChg>
+        <pc:picChg chg="add mod">
+          <ac:chgData name="Janusz Stal" userId="570fe9c4-9123-4bde-9755-2a9767a29a9c" providerId="ADAL" clId="{AA1F99E5-39BF-4796-935B-7E22500DBB50}" dt="2023-09-19T17:59:01.197" v="335" actId="1076"/>
+          <ac:picMkLst>
+            <pc:docMk/>
+            <pc:sldMk cId="4232419462" sldId="329"/>
+            <ac:picMk id="7" creationId="{B93A836D-9D0F-32D7-F8AA-B304D3169C30}"/>
+          </ac:picMkLst>
+        </pc:picChg>
+      </pc:sldChg>
+      <pc:sldChg chg="addSp delSp modSp add mod modClrScheme chgLayout">
+        <pc:chgData name="Janusz Stal" userId="570fe9c4-9123-4bde-9755-2a9767a29a9c" providerId="ADAL" clId="{AA1F99E5-39BF-4796-935B-7E22500DBB50}" dt="2023-09-19T17:59:13.602" v="336" actId="20577"/>
+        <pc:sldMkLst>
+          <pc:docMk/>
+          <pc:sldMk cId="322425298" sldId="330"/>
+        </pc:sldMkLst>
+        <pc:spChg chg="mod ord">
+          <ac:chgData name="Janusz Stal" userId="570fe9c4-9123-4bde-9755-2a9767a29a9c" providerId="ADAL" clId="{AA1F99E5-39BF-4796-935B-7E22500DBB50}" dt="2023-09-19T17:56:56.740" v="306" actId="700"/>
+          <ac:spMkLst>
+            <pc:docMk/>
+            <pc:sldMk cId="322425298" sldId="330"/>
+            <ac:spMk id="3" creationId="{6464FD0F-50B8-488E-F3DD-6D41349B68D1}"/>
+          </ac:spMkLst>
+        </pc:spChg>
+        <pc:spChg chg="mod ord">
+          <ac:chgData name="Janusz Stal" userId="570fe9c4-9123-4bde-9755-2a9767a29a9c" providerId="ADAL" clId="{AA1F99E5-39BF-4796-935B-7E22500DBB50}" dt="2023-09-19T17:56:56.740" v="306" actId="700"/>
+          <ac:spMkLst>
+            <pc:docMk/>
+            <pc:sldMk cId="322425298" sldId="330"/>
+            <ac:spMk id="4" creationId="{5A761D7A-031A-1282-7096-A952BD2D666A}"/>
+          </ac:spMkLst>
+        </pc:spChg>
+        <pc:spChg chg="del mod ord">
+          <ac:chgData name="Janusz Stal" userId="570fe9c4-9123-4bde-9755-2a9767a29a9c" providerId="ADAL" clId="{AA1F99E5-39BF-4796-935B-7E22500DBB50}" dt="2023-09-19T17:56:56.740" v="306" actId="700"/>
+          <ac:spMkLst>
+            <pc:docMk/>
+            <pc:sldMk cId="322425298" sldId="330"/>
+            <ac:spMk id="5" creationId="{FBD87A7D-672E-944B-24E5-DF24409D1FB9}"/>
+          </ac:spMkLst>
+        </pc:spChg>
+        <pc:spChg chg="del">
+          <ac:chgData name="Janusz Stal" userId="570fe9c4-9123-4bde-9755-2a9767a29a9c" providerId="ADAL" clId="{AA1F99E5-39BF-4796-935B-7E22500DBB50}" dt="2023-09-19T17:56:56.740" v="306" actId="700"/>
+          <ac:spMkLst>
+            <pc:docMk/>
+            <pc:sldMk cId="322425298" sldId="330"/>
+            <ac:spMk id="6" creationId="{A69D0C9F-759D-7446-AC24-9B2EA7C41AB8}"/>
+          </ac:spMkLst>
+        </pc:spChg>
+        <pc:spChg chg="add mod ord">
+          <ac:chgData name="Janusz Stal" userId="570fe9c4-9123-4bde-9755-2a9767a29a9c" providerId="ADAL" clId="{AA1F99E5-39BF-4796-935B-7E22500DBB50}" dt="2023-09-19T17:59:13.602" v="336" actId="20577"/>
+          <ac:spMkLst>
+            <pc:docMk/>
+            <pc:sldMk cId="322425298" sldId="330"/>
+            <ac:spMk id="7" creationId="{87304F07-0E49-24FE-9882-4406EBA05D8D}"/>
+          </ac:spMkLst>
+        </pc:spChg>
+        <pc:picChg chg="add mod">
+          <ac:chgData name="Janusz Stal" userId="570fe9c4-9123-4bde-9755-2a9767a29a9c" providerId="ADAL" clId="{AA1F99E5-39BF-4796-935B-7E22500DBB50}" dt="2023-09-19T17:57:38.002" v="317" actId="1076"/>
+          <ac:picMkLst>
+            <pc:docMk/>
+            <pc:sldMk cId="322425298" sldId="330"/>
+            <ac:picMk id="2" creationId="{C8B105EB-4CC3-4AE0-D941-B6198BF12884}"/>
+          </ac:picMkLst>
+        </pc:picChg>
+        <pc:picChg chg="del">
+          <ac:chgData name="Janusz Stal" userId="570fe9c4-9123-4bde-9755-2a9767a29a9c" providerId="ADAL" clId="{AA1F99E5-39BF-4796-935B-7E22500DBB50}" dt="2023-09-19T12:52:23.583" v="252" actId="478"/>
+          <ac:picMkLst>
+            <pc:docMk/>
+            <pc:sldMk cId="322425298" sldId="330"/>
+            <ac:picMk id="7" creationId="{B93A836D-9D0F-32D7-F8AA-B304D3169C30}"/>
+          </ac:picMkLst>
+        </pc:picChg>
+      </pc:sldChg>
+      <pc:sldChg chg="addSp delSp modSp add del mod">
+        <pc:chgData name="Janusz Stal" userId="570fe9c4-9123-4bde-9755-2a9767a29a9c" providerId="ADAL" clId="{AA1F99E5-39BF-4796-935B-7E22500DBB50}" dt="2023-09-19T17:56:32.468" v="304" actId="2696"/>
+        <pc:sldMkLst>
+          <pc:docMk/>
+          <pc:sldMk cId="1824706135" sldId="331"/>
+        </pc:sldMkLst>
+        <pc:spChg chg="mod">
+          <ac:chgData name="Janusz Stal" userId="570fe9c4-9123-4bde-9755-2a9767a29a9c" providerId="ADAL" clId="{AA1F99E5-39BF-4796-935B-7E22500DBB50}" dt="2023-09-19T17:52:25.859" v="280" actId="20577"/>
+          <ac:spMkLst>
+            <pc:docMk/>
+            <pc:sldMk cId="1824706135" sldId="331"/>
+            <ac:spMk id="5" creationId="{FBD87A7D-672E-944B-24E5-DF24409D1FB9}"/>
+          </ac:spMkLst>
+        </pc:spChg>
+        <pc:spChg chg="mod">
+          <ac:chgData name="Janusz Stal" userId="570fe9c4-9123-4bde-9755-2a9767a29a9c" providerId="ADAL" clId="{AA1F99E5-39BF-4796-935B-7E22500DBB50}" dt="2023-09-19T17:52:47.331" v="293" actId="20577"/>
+          <ac:spMkLst>
+            <pc:docMk/>
+            <pc:sldMk cId="1824706135" sldId="331"/>
+            <ac:spMk id="6" creationId="{A69D0C9F-759D-7446-AC24-9B2EA7C41AB8}"/>
+          </ac:spMkLst>
+        </pc:spChg>
+        <pc:picChg chg="del">
+          <ac:chgData name="Janusz Stal" userId="570fe9c4-9123-4bde-9755-2a9767a29a9c" providerId="ADAL" clId="{AA1F99E5-39BF-4796-935B-7E22500DBB50}" dt="2023-09-19T17:50:37.817" v="258" actId="478"/>
+          <ac:picMkLst>
+            <pc:docMk/>
+            <pc:sldMk cId="1824706135" sldId="331"/>
+            <ac:picMk id="2" creationId="{C8B105EB-4CC3-4AE0-D941-B6198BF12884}"/>
+          </ac:picMkLst>
+        </pc:picChg>
+        <pc:picChg chg="add mod">
+          <ac:chgData name="Janusz Stal" userId="570fe9c4-9123-4bde-9755-2a9767a29a9c" providerId="ADAL" clId="{AA1F99E5-39BF-4796-935B-7E22500DBB50}" dt="2023-09-19T17:52:31.869" v="281" actId="1076"/>
+          <ac:picMkLst>
+            <pc:docMk/>
+            <pc:sldMk cId="1824706135" sldId="331"/>
+            <ac:picMk id="7" creationId="{3F7826D5-87FF-F7A4-05D3-91604775B2BB}"/>
+          </ac:picMkLst>
+        </pc:picChg>
+      </pc:sldChg>
+      <pc:sldChg chg="delSp modSp add mod ord modClrScheme chgLayout">
+        <pc:chgData name="Janusz Stal" userId="570fe9c4-9123-4bde-9755-2a9767a29a9c" providerId="ADAL" clId="{AA1F99E5-39BF-4796-935B-7E22500DBB50}" dt="2023-09-19T19:54:52.581" v="714" actId="20577"/>
+        <pc:sldMkLst>
+          <pc:docMk/>
+          <pc:sldMk cId="1840778044" sldId="332"/>
+        </pc:sldMkLst>
+        <pc:spChg chg="mod ord">
+          <ac:chgData name="Janusz Stal" userId="570fe9c4-9123-4bde-9755-2a9767a29a9c" providerId="ADAL" clId="{AA1F99E5-39BF-4796-935B-7E22500DBB50}" dt="2023-09-19T17:53:24.386" v="297" actId="700"/>
+          <ac:spMkLst>
+            <pc:docMk/>
+            <pc:sldMk cId="1840778044" sldId="332"/>
+            <ac:spMk id="3" creationId="{6464FD0F-50B8-488E-F3DD-6D41349B68D1}"/>
+          </ac:spMkLst>
+        </pc:spChg>
+        <pc:spChg chg="mod ord">
+          <ac:chgData name="Janusz Stal" userId="570fe9c4-9123-4bde-9755-2a9767a29a9c" providerId="ADAL" clId="{AA1F99E5-39BF-4796-935B-7E22500DBB50}" dt="2023-09-19T19:54:52.581" v="714" actId="20577"/>
+          <ac:spMkLst>
+            <pc:docMk/>
+            <pc:sldMk cId="1840778044" sldId="332"/>
+            <ac:spMk id="4" creationId="{5A761D7A-031A-1282-7096-A952BD2D666A}"/>
+          </ac:spMkLst>
+        </pc:spChg>
+        <pc:spChg chg="del mod ord">
+          <ac:chgData name="Janusz Stal" userId="570fe9c4-9123-4bde-9755-2a9767a29a9c" providerId="ADAL" clId="{AA1F99E5-39BF-4796-935B-7E22500DBB50}" dt="2023-09-19T17:53:24.386" v="297" actId="700"/>
+          <ac:spMkLst>
+            <pc:docMk/>
+            <pc:sldMk cId="1840778044" sldId="332"/>
+            <ac:spMk id="5" creationId="{FBD87A7D-672E-944B-24E5-DF24409D1FB9}"/>
+          </ac:spMkLst>
+        </pc:spChg>
+        <pc:spChg chg="mod ord">
+          <ac:chgData name="Janusz Stal" userId="570fe9c4-9123-4bde-9755-2a9767a29a9c" providerId="ADAL" clId="{AA1F99E5-39BF-4796-935B-7E22500DBB50}" dt="2023-09-19T17:53:47.826" v="300" actId="20577"/>
+          <ac:spMkLst>
+            <pc:docMk/>
+            <pc:sldMk cId="1840778044" sldId="332"/>
+            <ac:spMk id="6" creationId="{A69D0C9F-759D-7446-AC24-9B2EA7C41AB8}"/>
+          </ac:spMkLst>
+        </pc:spChg>
+        <pc:picChg chg="mod">
+          <ac:chgData name="Janusz Stal" userId="570fe9c4-9123-4bde-9755-2a9767a29a9c" providerId="ADAL" clId="{AA1F99E5-39BF-4796-935B-7E22500DBB50}" dt="2023-09-19T17:59:26.579" v="337" actId="1076"/>
+          <ac:picMkLst>
+            <pc:docMk/>
+            <pc:sldMk cId="1840778044" sldId="332"/>
+            <ac:picMk id="7" creationId="{3F7826D5-87FF-F7A4-05D3-91604775B2BB}"/>
+          </ac:picMkLst>
+        </pc:picChg>
+      </pc:sldChg>
+      <pc:sldChg chg="addSp delSp modSp new mod ord modClrScheme chgLayout">
+        <pc:chgData name="Janusz Stal" userId="570fe9c4-9123-4bde-9755-2a9767a29a9c" providerId="ADAL" clId="{AA1F99E5-39BF-4796-935B-7E22500DBB50}" dt="2023-09-19T22:29:24.752" v="1764" actId="1076"/>
+        <pc:sldMkLst>
+          <pc:docMk/>
+          <pc:sldMk cId="3714800936" sldId="333"/>
+        </pc:sldMkLst>
+        <pc:spChg chg="mod ord">
+          <ac:chgData name="Janusz Stal" userId="570fe9c4-9123-4bde-9755-2a9767a29a9c" providerId="ADAL" clId="{AA1F99E5-39BF-4796-935B-7E22500DBB50}" dt="2023-09-19T22:26:00.554" v="1659" actId="20577"/>
+          <ac:spMkLst>
+            <pc:docMk/>
+            <pc:sldMk cId="3714800936" sldId="333"/>
+            <ac:spMk id="2" creationId="{D596D83F-4F44-8D17-E36F-5076A9D45D5B}"/>
+          </ac:spMkLst>
+        </pc:spChg>
+        <pc:spChg chg="mod ord">
+          <ac:chgData name="Janusz Stal" userId="570fe9c4-9123-4bde-9755-2a9767a29a9c" providerId="ADAL" clId="{AA1F99E5-39BF-4796-935B-7E22500DBB50}" dt="2023-09-19T22:23:05.117" v="1563" actId="700"/>
+          <ac:spMkLst>
+            <pc:docMk/>
+            <pc:sldMk cId="3714800936" sldId="333"/>
+            <ac:spMk id="3" creationId="{32F094E4-3EE5-BD86-19B4-F51BAA570095}"/>
+          </ac:spMkLst>
+        </pc:spChg>
+        <pc:spChg chg="mod ord">
+          <ac:chgData name="Janusz Stal" userId="570fe9c4-9123-4bde-9755-2a9767a29a9c" providerId="ADAL" clId="{AA1F99E5-39BF-4796-935B-7E22500DBB50}" dt="2023-09-19T22:23:05.117" v="1563" actId="700"/>
+          <ac:spMkLst>
+            <pc:docMk/>
+            <pc:sldMk cId="3714800936" sldId="333"/>
+            <ac:spMk id="4" creationId="{FB82CBAE-3B12-01F5-1914-A7AD00A5EEBE}"/>
+          </ac:spMkLst>
+        </pc:spChg>
+        <pc:spChg chg="add del mod ord">
+          <ac:chgData name="Janusz Stal" userId="570fe9c4-9123-4bde-9755-2a9767a29a9c" providerId="ADAL" clId="{AA1F99E5-39BF-4796-935B-7E22500DBB50}" dt="2023-09-19T22:23:05.117" v="1563" actId="700"/>
+          <ac:spMkLst>
+            <pc:docMk/>
+            <pc:sldMk cId="3714800936" sldId="333"/>
+            <ac:spMk id="5" creationId="{A4D3A6E5-55B2-EADC-76E6-95C52B2AD5AE}"/>
+          </ac:spMkLst>
+        </pc:spChg>
+        <pc:picChg chg="add del mod">
+          <ac:chgData name="Janusz Stal" userId="570fe9c4-9123-4bde-9755-2a9767a29a9c" providerId="ADAL" clId="{AA1F99E5-39BF-4796-935B-7E22500DBB50}" dt="2023-09-19T21:12:14.843" v="940" actId="478"/>
+          <ac:picMkLst>
+            <pc:docMk/>
+            <pc:sldMk cId="3714800936" sldId="333"/>
+            <ac:picMk id="7" creationId="{418AE345-8E10-CC7A-DB06-EA8BE8741370}"/>
+          </ac:picMkLst>
+        </pc:picChg>
+        <pc:picChg chg="add del mod">
+          <ac:chgData name="Janusz Stal" userId="570fe9c4-9123-4bde-9755-2a9767a29a9c" providerId="ADAL" clId="{AA1F99E5-39BF-4796-935B-7E22500DBB50}" dt="2023-09-19T22:22:58.223" v="1562" actId="478"/>
+          <ac:picMkLst>
+            <pc:docMk/>
+            <pc:sldMk cId="3714800936" sldId="333"/>
+            <ac:picMk id="9" creationId="{494B7397-1356-6E98-0ABE-66D6D602950D}"/>
+          </ac:picMkLst>
+        </pc:picChg>
+        <pc:picChg chg="add mod">
+          <ac:chgData name="Janusz Stal" userId="570fe9c4-9123-4bde-9755-2a9767a29a9c" providerId="ADAL" clId="{AA1F99E5-39BF-4796-935B-7E22500DBB50}" dt="2023-09-19T22:29:24.752" v="1764" actId="1076"/>
+          <ac:picMkLst>
+            <pc:docMk/>
+            <pc:sldMk cId="3714800936" sldId="333"/>
+            <ac:picMk id="11" creationId="{688B4B0E-E0BB-7B5D-78AA-9E5630ED7629}"/>
+          </ac:picMkLst>
+        </pc:picChg>
+      </pc:sldChg>
+      <pc:sldChg chg="addSp delSp modSp new mod ord">
+        <pc:chgData name="Janusz Stal" userId="570fe9c4-9123-4bde-9755-2a9767a29a9c" providerId="ADAL" clId="{AA1F99E5-39BF-4796-935B-7E22500DBB50}" dt="2023-09-20T14:25:51.698" v="2664" actId="20577"/>
+        <pc:sldMkLst>
+          <pc:docMk/>
+          <pc:sldMk cId="2277860244" sldId="334"/>
+        </pc:sldMkLst>
+        <pc:spChg chg="mod">
+          <ac:chgData name="Janusz Stal" userId="570fe9c4-9123-4bde-9755-2a9767a29a9c" providerId="ADAL" clId="{AA1F99E5-39BF-4796-935B-7E22500DBB50}" dt="2023-09-20T14:25:51.698" v="2664" actId="20577"/>
+          <ac:spMkLst>
+            <pc:docMk/>
+            <pc:sldMk cId="2277860244" sldId="334"/>
+            <ac:spMk id="2" creationId="{022B2B4D-12C6-7E2E-9BAD-A158F0EBE445}"/>
+          </ac:spMkLst>
+        </pc:spChg>
+        <pc:spChg chg="mod">
+          <ac:chgData name="Janusz Stal" userId="570fe9c4-9123-4bde-9755-2a9767a29a9c" providerId="ADAL" clId="{AA1F99E5-39BF-4796-935B-7E22500DBB50}" dt="2023-09-19T21:16:54.062" v="1058" actId="6549"/>
+          <ac:spMkLst>
+            <pc:docMk/>
+            <pc:sldMk cId="2277860244" sldId="334"/>
+            <ac:spMk id="4" creationId="{4B9CBE0A-D45D-6344-D87E-66CC09ED9085}"/>
+          </ac:spMkLst>
+        </pc:spChg>
+        <pc:picChg chg="add del mod">
+          <ac:chgData name="Janusz Stal" userId="570fe9c4-9123-4bde-9755-2a9767a29a9c" providerId="ADAL" clId="{AA1F99E5-39BF-4796-935B-7E22500DBB50}" dt="2023-09-19T21:57:24.823" v="1136" actId="478"/>
+          <ac:picMkLst>
+            <pc:docMk/>
+            <pc:sldMk cId="2277860244" sldId="334"/>
+            <ac:picMk id="6" creationId="{D8BDD8DF-FD43-9F58-27FF-DA07E94D9203}"/>
+          </ac:picMkLst>
+        </pc:picChg>
+      </pc:sldChg>
+      <pc:sldChg chg="modSp new mod">
+        <pc:chgData name="Janusz Stal" userId="570fe9c4-9123-4bde-9755-2a9767a29a9c" providerId="ADAL" clId="{AA1F99E5-39BF-4796-935B-7E22500DBB50}" dt="2023-09-19T21:58:43.828" v="1156" actId="207"/>
+        <pc:sldMkLst>
+          <pc:docMk/>
+          <pc:sldMk cId="2173447150" sldId="335"/>
+        </pc:sldMkLst>
+        <pc:spChg chg="mod">
+          <ac:chgData name="Janusz Stal" userId="570fe9c4-9123-4bde-9755-2a9767a29a9c" providerId="ADAL" clId="{AA1F99E5-39BF-4796-935B-7E22500DBB50}" dt="2023-09-19T21:58:43.828" v="1156" actId="207"/>
+          <ac:spMkLst>
+            <pc:docMk/>
+            <pc:sldMk cId="2173447150" sldId="335"/>
+            <ac:spMk id="2" creationId="{41A4E552-EB96-3118-0DE6-433C62285D7E}"/>
+          </ac:spMkLst>
+        </pc:spChg>
+        <pc:spChg chg="mod">
+          <ac:chgData name="Janusz Stal" userId="570fe9c4-9123-4bde-9755-2a9767a29a9c" providerId="ADAL" clId="{AA1F99E5-39BF-4796-935B-7E22500DBB50}" dt="2023-09-19T21:52:26.867" v="1105" actId="20577"/>
+          <ac:spMkLst>
+            <pc:docMk/>
+            <pc:sldMk cId="2173447150" sldId="335"/>
+            <ac:spMk id="4" creationId="{1BE42FBC-FCC1-9A19-C2B7-7486DCE74AB3}"/>
+          </ac:spMkLst>
+        </pc:spChg>
+      </pc:sldChg>
+      <pc:sldChg chg="add del">
+        <pc:chgData name="Janusz Stal" userId="570fe9c4-9123-4bde-9755-2a9767a29a9c" providerId="ADAL" clId="{AA1F99E5-39BF-4796-935B-7E22500DBB50}" dt="2023-09-19T21:58:03.368" v="1155" actId="2696"/>
+        <pc:sldMkLst>
+          <pc:docMk/>
+          <pc:sldMk cId="2049413666" sldId="336"/>
+        </pc:sldMkLst>
+      </pc:sldChg>
+      <pc:sldChg chg="modSp add mod ord">
+        <pc:chgData name="Janusz Stal" userId="570fe9c4-9123-4bde-9755-2a9767a29a9c" providerId="ADAL" clId="{AA1F99E5-39BF-4796-935B-7E22500DBB50}" dt="2023-09-20T14:13:43.707" v="2634" actId="6549"/>
+        <pc:sldMkLst>
+          <pc:docMk/>
+          <pc:sldMk cId="3123027594" sldId="336"/>
+        </pc:sldMkLst>
+        <pc:spChg chg="mod">
+          <ac:chgData name="Janusz Stal" userId="570fe9c4-9123-4bde-9755-2a9767a29a9c" providerId="ADAL" clId="{AA1F99E5-39BF-4796-935B-7E22500DBB50}" dt="2023-09-20T14:13:43.707" v="2634" actId="6549"/>
+          <ac:spMkLst>
+            <pc:docMk/>
+            <pc:sldMk cId="3123027594" sldId="336"/>
+            <ac:spMk id="3" creationId="{57DF4AEE-6507-A6EF-BEAB-6DD815C42CC9}"/>
+          </ac:spMkLst>
+        </pc:spChg>
+      </pc:sldChg>
+      <pc:sldChg chg="addSp modSp new mod ord">
+        <pc:chgData name="Janusz Stal" userId="570fe9c4-9123-4bde-9755-2a9767a29a9c" providerId="ADAL" clId="{AA1F99E5-39BF-4796-935B-7E22500DBB50}" dt="2023-09-19T22:29:18.092" v="1763" actId="1076"/>
+        <pc:sldMkLst>
+          <pc:docMk/>
+          <pc:sldMk cId="3617956429" sldId="337"/>
+        </pc:sldMkLst>
+        <pc:spChg chg="mod">
+          <ac:chgData name="Janusz Stal" userId="570fe9c4-9123-4bde-9755-2a9767a29a9c" providerId="ADAL" clId="{AA1F99E5-39BF-4796-935B-7E22500DBB50}" dt="2023-09-19T22:28:10.544" v="1759" actId="113"/>
+          <ac:spMkLst>
+            <pc:docMk/>
+            <pc:sldMk cId="3617956429" sldId="337"/>
+            <ac:spMk id="2" creationId="{D02C16E2-EC07-237A-F5DD-5BE12A1E606A}"/>
+          </ac:spMkLst>
+        </pc:spChg>
+        <pc:spChg chg="mod">
+          <ac:chgData name="Janusz Stal" userId="570fe9c4-9123-4bde-9755-2a9767a29a9c" providerId="ADAL" clId="{AA1F99E5-39BF-4796-935B-7E22500DBB50}" dt="2023-09-19T22:20:29.932" v="1508" actId="790"/>
+          <ac:spMkLst>
+            <pc:docMk/>
+            <pc:sldMk cId="3617956429" sldId="337"/>
+            <ac:spMk id="4" creationId="{07740801-B4D3-5781-A9A4-0939BC980844}"/>
+          </ac:spMkLst>
+        </pc:spChg>
+        <pc:picChg chg="add mod">
+          <ac:chgData name="Janusz Stal" userId="570fe9c4-9123-4bde-9755-2a9767a29a9c" providerId="ADAL" clId="{AA1F99E5-39BF-4796-935B-7E22500DBB50}" dt="2023-09-19T22:29:18.092" v="1763" actId="1076"/>
+          <ac:picMkLst>
+            <pc:docMk/>
+            <pc:sldMk cId="3617956429" sldId="337"/>
+            <ac:picMk id="6" creationId="{BDD89AAB-D40D-2392-CABA-D660A61A91BE}"/>
+          </ac:picMkLst>
+        </pc:picChg>
+      </pc:sldChg>
+      <pc:sldChg chg="modSp new del mod">
+        <pc:chgData name="Janusz Stal" userId="570fe9c4-9123-4bde-9755-2a9767a29a9c" providerId="ADAL" clId="{AA1F99E5-39BF-4796-935B-7E22500DBB50}" dt="2023-09-20T13:50:24.374" v="2315" actId="2696"/>
+        <pc:sldMkLst>
+          <pc:docMk/>
+          <pc:sldMk cId="264430210" sldId="338"/>
+        </pc:sldMkLst>
+        <pc:spChg chg="mod">
+          <ac:chgData name="Janusz Stal" userId="570fe9c4-9123-4bde-9755-2a9767a29a9c" providerId="ADAL" clId="{AA1F99E5-39BF-4796-935B-7E22500DBB50}" dt="2023-09-19T23:06:06.628" v="2219" actId="20577"/>
+          <ac:spMkLst>
+            <pc:docMk/>
+            <pc:sldMk cId="264430210" sldId="338"/>
+            <ac:spMk id="2" creationId="{2EA397EE-A38F-1FB1-211C-1E774F7C020D}"/>
+          </ac:spMkLst>
+        </pc:spChg>
+        <pc:spChg chg="mod">
+          <ac:chgData name="Janusz Stal" userId="570fe9c4-9123-4bde-9755-2a9767a29a9c" providerId="ADAL" clId="{AA1F99E5-39BF-4796-935B-7E22500DBB50}" dt="2023-09-19T23:05:06.133" v="2109" actId="20577"/>
+          <ac:spMkLst>
+            <pc:docMk/>
+            <pc:sldMk cId="264430210" sldId="338"/>
+            <ac:spMk id="4" creationId="{E32734D9-A26F-E28F-324A-B6E725A3518E}"/>
+          </ac:spMkLst>
+        </pc:spChg>
+      </pc:sldChg>
+      <pc:sldChg chg="modSp add del mod ord">
+        <pc:chgData name="Janusz Stal" userId="570fe9c4-9123-4bde-9755-2a9767a29a9c" providerId="ADAL" clId="{AA1F99E5-39BF-4796-935B-7E22500DBB50}" dt="2023-09-20T14:04:13.440" v="2536" actId="2696"/>
+        <pc:sldMkLst>
+          <pc:docMk/>
+          <pc:sldMk cId="3448414297" sldId="339"/>
+        </pc:sldMkLst>
+        <pc:spChg chg="mod">
+          <ac:chgData name="Janusz Stal" userId="570fe9c4-9123-4bde-9755-2a9767a29a9c" providerId="ADAL" clId="{AA1F99E5-39BF-4796-935B-7E22500DBB50}" dt="2023-09-19T23:07:03.992" v="2269" actId="20577"/>
+          <ac:spMkLst>
+            <pc:docMk/>
+            <pc:sldMk cId="3448414297" sldId="339"/>
+            <ac:spMk id="3" creationId="{57DF4AEE-6507-A6EF-BEAB-6DD815C42CC9}"/>
+          </ac:spMkLst>
+        </pc:spChg>
+      </pc:sldChg>
+      <pc:sldChg chg="modSp add mod">
+        <pc:chgData name="Janusz Stal" userId="570fe9c4-9123-4bde-9755-2a9767a29a9c" providerId="ADAL" clId="{AA1F99E5-39BF-4796-935B-7E22500DBB50}" dt="2023-09-20T14:10:04.160" v="2628" actId="790"/>
+        <pc:sldMkLst>
+          <pc:docMk/>
+          <pc:sldMk cId="1809690938" sldId="340"/>
+        </pc:sldMkLst>
+        <pc:spChg chg="mod">
+          <ac:chgData name="Janusz Stal" userId="570fe9c4-9123-4bde-9755-2a9767a29a9c" providerId="ADAL" clId="{AA1F99E5-39BF-4796-935B-7E22500DBB50}" dt="2023-09-20T14:10:04.160" v="2628" actId="790"/>
+          <ac:spMkLst>
+            <pc:docMk/>
+            <pc:sldMk cId="1809690938" sldId="340"/>
+            <ac:spMk id="2" creationId="{F9B3077B-F8DD-C67E-9F11-D4182C72C97A}"/>
+          </ac:spMkLst>
+        </pc:spChg>
+        <pc:spChg chg="mod">
+          <ac:chgData name="Janusz Stal" userId="570fe9c4-9123-4bde-9755-2a9767a29a9c" providerId="ADAL" clId="{AA1F99E5-39BF-4796-935B-7E22500DBB50}" dt="2023-09-20T13:55:07.463" v="2357" actId="790"/>
+          <ac:spMkLst>
+            <pc:docMk/>
+            <pc:sldMk cId="1809690938" sldId="340"/>
+            <ac:spMk id="4" creationId="{B33793D8-279A-E713-D0D8-3D969606C585}"/>
+          </ac:spMkLst>
+        </pc:spChg>
+      </pc:sldChg>
+      <pc:sldChg chg="modSp new mod">
+        <pc:chgData name="Janusz Stal" userId="570fe9c4-9123-4bde-9755-2a9767a29a9c" providerId="ADAL" clId="{AA1F99E5-39BF-4796-935B-7E22500DBB50}" dt="2023-09-20T14:09:41.563" v="2627" actId="790"/>
+        <pc:sldMkLst>
+          <pc:docMk/>
+          <pc:sldMk cId="125244385" sldId="341"/>
+        </pc:sldMkLst>
+        <pc:spChg chg="mod">
+          <ac:chgData name="Janusz Stal" userId="570fe9c4-9123-4bde-9755-2a9767a29a9c" providerId="ADAL" clId="{AA1F99E5-39BF-4796-935B-7E22500DBB50}" dt="2023-09-20T14:09:41.563" v="2627" actId="790"/>
+          <ac:spMkLst>
+            <pc:docMk/>
+            <pc:sldMk cId="125244385" sldId="341"/>
+            <ac:spMk id="2" creationId="{A930435C-07F7-2414-2FE5-EFA1EBB1F789}"/>
+          </ac:spMkLst>
+        </pc:spChg>
+        <pc:spChg chg="mod">
+          <ac:chgData name="Janusz Stal" userId="570fe9c4-9123-4bde-9755-2a9767a29a9c" providerId="ADAL" clId="{AA1F99E5-39BF-4796-935B-7E22500DBB50}" dt="2023-09-20T13:56:31.038" v="2387" actId="790"/>
+          <ac:spMkLst>
+            <pc:docMk/>
+            <pc:sldMk cId="125244385" sldId="341"/>
+            <ac:spMk id="4" creationId="{B3A5E7F8-81AB-FA87-9589-6CB6E75B8EF8}"/>
+          </ac:spMkLst>
+        </pc:spChg>
+      </pc:sldChg>
+    </pc:docChg>
+  </pc:docChgLst>
   <pc:docChgLst>
     <pc:chgData name="Janusz Stal" userId="570fe9c4-9123-4bde-9755-2a9767a29a9c" providerId="ADAL" clId="{598E804E-1284-4E69-B93D-C5B9C305894D}"/>
     <pc:docChg chg="undo redo custSel addSld delSld modSld sldOrd">
@@ -1108,8 +1939,8 @@
         </p:nvSpPr>
         <p:spPr>
           <a:xfrm>
-            <a:off x="0" y="0"/>
-            <a:ext cx="3962400" cy="344091"/>
+            <a:off x="0" y="2"/>
+            <a:ext cx="2971800" cy="458788"/>
           </a:xfrm>
           <a:prstGeom prst="rect">
             <a:avLst/>
@@ -1139,8 +1970,8 @@
         </p:nvSpPr>
         <p:spPr>
           <a:xfrm>
-            <a:off x="5179484" y="0"/>
-            <a:ext cx="3962400" cy="344091"/>
+            <a:off x="3884613" y="2"/>
+            <a:ext cx="2971800" cy="458788"/>
           </a:xfrm>
           <a:prstGeom prst="rect">
             <a:avLst/>
@@ -1156,7 +1987,7 @@
           <a:p>
             <a:fld id="{C106EF3D-C2A7-4690-80C8-C2473A856193}" type="datetimeFigureOut">
               <a:rPr lang="pl-PL" smtClean="0"/>
-              <a:t>19.10.2022</a:t>
+              <a:t>20.09.2023</a:t>
             </a:fld>
             <a:endParaRPr lang="pl-PL" dirty="0"/>
           </a:p>
@@ -1174,8 +2005,8 @@
         </p:nvSpPr>
         <p:spPr>
           <a:xfrm>
-            <a:off x="0" y="6513910"/>
-            <a:ext cx="3962400" cy="344090"/>
+            <a:off x="0" y="8685213"/>
+            <a:ext cx="2971800" cy="458787"/>
           </a:xfrm>
           <a:prstGeom prst="rect">
             <a:avLst/>
@@ -1205,8 +2036,8 @@
         </p:nvSpPr>
         <p:spPr>
           <a:xfrm>
-            <a:off x="5179484" y="6513910"/>
-            <a:ext cx="3962400" cy="344090"/>
+            <a:off x="3884613" y="8685213"/>
+            <a:ext cx="2971800" cy="458787"/>
           </a:xfrm>
           <a:prstGeom prst="rect">
             <a:avLst/>
@@ -1273,8 +2104,8 @@
         </p:nvSpPr>
         <p:spPr>
           <a:xfrm>
-            <a:off x="0" y="0"/>
-            <a:ext cx="3962400" cy="344091"/>
+            <a:off x="0" y="2"/>
+            <a:ext cx="2971800" cy="458788"/>
           </a:xfrm>
           <a:prstGeom prst="rect">
             <a:avLst/>
@@ -1304,8 +2135,8 @@
         </p:nvSpPr>
         <p:spPr>
           <a:xfrm>
-            <a:off x="5179484" y="0"/>
-            <a:ext cx="3962400" cy="344091"/>
+            <a:off x="3884613" y="2"/>
+            <a:ext cx="2971800" cy="458788"/>
           </a:xfrm>
           <a:prstGeom prst="rect">
             <a:avLst/>
@@ -1321,7 +2152,7 @@
           <a:p>
             <a:fld id="{85D68E81-03CD-43A1-B18B-BEB6B9439387}" type="datetimeFigureOut">
               <a:rPr lang="pl-PL" smtClean="0"/>
-              <a:t>19.10.2022</a:t>
+              <a:t>20.09.2023</a:t>
             </a:fld>
             <a:endParaRPr lang="pl-PL" dirty="0"/>
           </a:p>
@@ -1339,8 +2170,8 @@
         </p:nvSpPr>
         <p:spPr>
           <a:xfrm>
-            <a:off x="2514600" y="857250"/>
-            <a:ext cx="4114800" cy="2314575"/>
+            <a:off x="685800" y="1143000"/>
+            <a:ext cx="5486400" cy="3086100"/>
           </a:xfrm>
           <a:prstGeom prst="rect">
             <a:avLst/>
@@ -1372,8 +2203,8 @@
         </p:nvSpPr>
         <p:spPr>
           <a:xfrm>
-            <a:off x="914400" y="3300412"/>
-            <a:ext cx="7315200" cy="2700338"/>
+            <a:off x="685800" y="4400549"/>
+            <a:ext cx="5486400" cy="3600451"/>
           </a:xfrm>
           <a:prstGeom prst="rect">
             <a:avLst/>
@@ -1431,8 +2262,8 @@
         </p:nvSpPr>
         <p:spPr>
           <a:xfrm>
-            <a:off x="0" y="6513910"/>
-            <a:ext cx="3962400" cy="344090"/>
+            <a:off x="0" y="8685213"/>
+            <a:ext cx="2971800" cy="458787"/>
           </a:xfrm>
           <a:prstGeom prst="rect">
             <a:avLst/>
@@ -1462,8 +2293,8 @@
         </p:nvSpPr>
         <p:spPr>
           <a:xfrm>
-            <a:off x="5179484" y="6513910"/>
-            <a:ext cx="3962400" cy="344090"/>
+            <a:off x="3884613" y="8685213"/>
+            <a:ext cx="2971800" cy="458787"/>
           </a:xfrm>
           <a:prstGeom prst="rect">
             <a:avLst/>
@@ -1717,7 +2548,7 @@
           <a:p>
             <a:fld id="{F26B3061-B9B7-461F-AB67-5D66A3ABCDA5}" type="datetime1">
               <a:rPr lang="pl-PL" smtClean="0"/>
-              <a:t>19.10.2022</a:t>
+              <a:t>20.09.2023</a:t>
             </a:fld>
             <a:endParaRPr lang="pl-PL" dirty="0"/>
           </a:p>
@@ -1992,7 +2823,7 @@
           <a:p>
             <a:fld id="{A2ADAE54-1728-4B6D-BEF4-D2AEA4F8114E}" type="datetime1">
               <a:rPr lang="pl-PL" smtClean="0"/>
-              <a:t>19.10.2022</a:t>
+              <a:t>20.09.2023</a:t>
             </a:fld>
             <a:endParaRPr lang="pl-PL" dirty="0"/>
           </a:p>
@@ -2244,7 +3075,7 @@
           <a:p>
             <a:fld id="{919C3B4F-179D-44ED-90DF-E8739DC8608F}" type="datetime1">
               <a:rPr lang="pl-PL" smtClean="0"/>
-              <a:t>19.10.2022</a:t>
+              <a:t>20.09.2023</a:t>
             </a:fld>
             <a:endParaRPr lang="pl-PL" dirty="0"/>
           </a:p>
@@ -2412,7 +3243,7 @@
           <a:p>
             <a:fld id="{10A2297D-8C4B-4C5B-B66E-47E601842B03}" type="datetime1">
               <a:rPr lang="pl-PL" smtClean="0"/>
-              <a:t>19.10.2022</a:t>
+              <a:t>20.09.2023</a:t>
             </a:fld>
             <a:endParaRPr lang="pl-PL" dirty="0"/>
           </a:p>
@@ -2590,7 +3421,7 @@
           <a:p>
             <a:fld id="{94B42B50-113C-45E3-9231-B66C297B394E}" type="datetime1">
               <a:rPr lang="pl-PL" smtClean="0"/>
-              <a:t>19.10.2022</a:t>
+              <a:t>20.09.2023</a:t>
             </a:fld>
             <a:endParaRPr lang="pl-PL" dirty="0"/>
           </a:p>
@@ -2747,7 +3578,7 @@
           <a:p>
             <a:fld id="{9549FAE5-AB97-492F-ADAE-06E72624D9F3}" type="datetime1">
               <a:rPr lang="pl-PL" smtClean="0"/>
-              <a:t>19.10.2022</a:t>
+              <a:t>20.09.2023</a:t>
             </a:fld>
             <a:endParaRPr lang="pl-PL" dirty="0"/>
           </a:p>
@@ -2935,7 +3766,7 @@
           <a:p>
             <a:fld id="{9549FAE5-AB97-492F-ADAE-06E72624D9F3}" type="datetime1">
               <a:rPr lang="pl-PL" smtClean="0"/>
-              <a:t>19.10.2022</a:t>
+              <a:t>20.09.2023</a:t>
             </a:fld>
             <a:endParaRPr lang="pl-PL" dirty="0"/>
           </a:p>
@@ -3122,7 +3953,7 @@
           <a:p>
             <a:fld id="{9549FAE5-AB97-492F-ADAE-06E72624D9F3}" type="datetime1">
               <a:rPr lang="pl-PL" smtClean="0"/>
-              <a:t>19.10.2022</a:t>
+              <a:t>20.09.2023</a:t>
             </a:fld>
             <a:endParaRPr lang="pl-PL" dirty="0"/>
           </a:p>
@@ -3394,7 +4225,7 @@
           <a:p>
             <a:fld id="{ED0EDA0A-F020-4B01-AF63-E290248EFD6B}" type="datetime1">
               <a:rPr lang="pl-PL" smtClean="0"/>
-              <a:t>19.10.2022</a:t>
+              <a:t>20.09.2023</a:t>
             </a:fld>
             <a:endParaRPr lang="pl-PL" dirty="0"/>
           </a:p>
@@ -3650,7 +4481,7 @@
           <a:p>
             <a:fld id="{8B752FBA-2CC8-4F32-B36A-B6E16B4A5C14}" type="datetime1">
               <a:rPr lang="pl-PL" smtClean="0"/>
-              <a:t>19.10.2022</a:t>
+              <a:t>20.09.2023</a:t>
             </a:fld>
             <a:endParaRPr lang="pl-PL" dirty="0"/>
           </a:p>
@@ -4036,7 +4867,7 @@
           <a:p>
             <a:fld id="{3B7BA32A-B79B-42FE-906A-2593AD6A7FCC}" type="datetime1">
               <a:rPr lang="pl-PL" smtClean="0"/>
-              <a:t>19.10.2022</a:t>
+              <a:t>20.09.2023</a:t>
             </a:fld>
             <a:endParaRPr lang="pl-PL" dirty="0"/>
           </a:p>
@@ -4158,7 +4989,7 @@
           <a:p>
             <a:fld id="{3E28EDCB-CC2B-4C70-B921-DD5382BD4849}" type="datetime1">
               <a:rPr lang="pl-PL" smtClean="0"/>
-              <a:t>19.10.2022</a:t>
+              <a:t>20.09.2023</a:t>
             </a:fld>
             <a:endParaRPr lang="pl-PL" dirty="0"/>
           </a:p>
@@ -4253,7 +5084,7 @@
           <a:p>
             <a:fld id="{E960CF9B-2F8C-4614-93FE-75BD5748BF99}" type="datetime1">
               <a:rPr lang="pl-PL" smtClean="0"/>
-              <a:t>19.10.2022</a:t>
+              <a:t>20.09.2023</a:t>
             </a:fld>
             <a:endParaRPr lang="pl-PL" dirty="0"/>
           </a:p>
@@ -4469,7 +5300,7 @@
           <a:p>
             <a:fld id="{8F276EAB-4011-4C81-ACEC-B79731A9A244}" type="datetime1">
               <a:rPr lang="pl-PL" smtClean="0"/>
-              <a:t>19.10.2022</a:t>
+              <a:t>20.09.2023</a:t>
             </a:fld>
             <a:endParaRPr lang="pl-PL" dirty="0"/>
           </a:p>
@@ -4969,10 +5800,10 @@
       </p:grpSpPr>
       <p:sp>
         <p:nvSpPr>
-          <p:cNvPr id="2" name="Symbol zastępczy zawartości 1">
+          <p:cNvPr id="7" name="Symbol zastępczy zawartości 6">
             <a:extLst>
               <a:ext uri="{FF2B5EF4-FFF2-40B4-BE49-F238E27FC236}">
-                <a16:creationId xmlns:a16="http://schemas.microsoft.com/office/drawing/2014/main" id="{C7200191-8C7A-20BB-91B3-C7A0EB4D769B}"/>
+                <a16:creationId xmlns:a16="http://schemas.microsoft.com/office/drawing/2014/main" id="{87304F07-0E49-24FE-9882-4406EBA05D8D}"/>
               </a:ext>
             </a:extLst>
           </p:cNvPr>
@@ -4985,159 +5816,34 @@
         </p:nvSpPr>
         <p:spPr/>
         <p:txBody>
-          <a:bodyPr>
-            <a:normAutofit/>
-          </a:bodyPr>
-          <a:lstStyle/>
-          <a:p>
-            <a:pPr marL="514350" indent="-514350">
-              <a:buFont typeface="+mj-lt"/>
-              <a:buAutoNum type="arabicPeriod"/>
-            </a:pPr>
-            <a:r>
-              <a:rPr lang="pl-PL" dirty="0"/>
-              <a:t>Log in to </a:t>
-            </a:r>
-            <a:r>
-              <a:rPr lang="pl-PL" dirty="0" err="1"/>
-              <a:t>Moodle</a:t>
-            </a:r>
-            <a:r>
-              <a:rPr lang="pl-PL" dirty="0"/>
-              <a:t>: </a:t>
-            </a:r>
-            <a:r>
-              <a:rPr lang="pl-PL" dirty="0">
-                <a:hlinkClick r:id="rId2"/>
-              </a:rPr>
-              <a:t>https://e-uczelnia.uek.krakow.pl</a:t>
-            </a:r>
-            <a:endParaRPr lang="pl-PL" dirty="0"/>
-          </a:p>
-          <a:p>
-            <a:pPr marL="514350" indent="-514350">
-              <a:buFont typeface="+mj-lt"/>
-              <a:buAutoNum type="arabicPeriod"/>
-            </a:pPr>
-            <a:r>
-              <a:rPr lang="pl-PL" dirty="0" err="1"/>
-              <a:t>Find</a:t>
-            </a:r>
-            <a:r>
-              <a:rPr lang="pl-PL" dirty="0"/>
-              <a:t> the </a:t>
-            </a:r>
-            <a:r>
-              <a:rPr lang="pl-PL" dirty="0" err="1"/>
-              <a:t>course</a:t>
-            </a:r>
+          <a:bodyPr/>
+          <a:lstStyle/>
+          <a:p>
+            <a:pPr algn="ctr"/>
             <a:br>
               <a:rPr lang="pl-PL" dirty="0"/>
             </a:br>
-            <a:r>
-              <a:rPr lang="pl-PL" dirty="0"/>
-              <a:t>Pracownia Programowania 1 / </a:t>
-            </a:r>
-            <a:r>
-              <a:rPr lang="pl-PL" dirty="0" err="1"/>
-              <a:t>Computer</a:t>
-            </a:r>
-            <a:r>
-              <a:rPr lang="pl-PL" dirty="0"/>
-              <a:t> Programming 1</a:t>
-            </a:r>
-          </a:p>
-          <a:p>
-            <a:pPr marL="514350" indent="-514350">
-              <a:buFont typeface="+mj-lt"/>
-              <a:buAutoNum type="arabicPeriod"/>
-            </a:pPr>
-            <a:r>
-              <a:rPr lang="pl-PL" dirty="0" err="1"/>
-              <a:t>Sign</a:t>
-            </a:r>
-            <a:r>
-              <a:rPr lang="pl-PL" dirty="0"/>
-              <a:t> </a:t>
-            </a:r>
-            <a:r>
-              <a:rPr lang="pl-PL" dirty="0" err="1"/>
-              <a:t>up</a:t>
-            </a:r>
-            <a:r>
-              <a:rPr lang="pl-PL" dirty="0"/>
-              <a:t> for the </a:t>
-            </a:r>
-            <a:r>
-              <a:rPr lang="pl-PL" dirty="0" err="1"/>
-              <a:t>course</a:t>
-            </a:r>
-            <a:r>
-              <a:rPr lang="pl-PL" dirty="0"/>
-              <a:t>.</a:t>
-            </a:r>
             <a:br>
               <a:rPr lang="pl-PL" dirty="0"/>
             </a:br>
-            <a:r>
-              <a:rPr lang="pl-PL" dirty="0"/>
-              <a:t>As the </a:t>
-            </a:r>
-            <a:r>
-              <a:rPr lang="pl-PL" dirty="0" err="1"/>
-              <a:t>access</a:t>
-            </a:r>
-            <a:r>
-              <a:rPr lang="pl-PL" dirty="0"/>
-              <a:t> </a:t>
-            </a:r>
-            <a:r>
-              <a:rPr lang="pl-PL" dirty="0" err="1"/>
-              <a:t>key</a:t>
-            </a:r>
-            <a:r>
-              <a:rPr lang="pl-PL" dirty="0"/>
-              <a:t>, </a:t>
-            </a:r>
-            <a:r>
-              <a:rPr lang="pl-PL" dirty="0" err="1"/>
-              <a:t>use</a:t>
-            </a:r>
-            <a:r>
-              <a:rPr lang="pl-PL" dirty="0"/>
-              <a:t> </a:t>
-            </a:r>
-            <a:r>
-              <a:rPr lang="pl-PL" dirty="0" err="1"/>
-              <a:t>your</a:t>
-            </a:r>
-            <a:r>
-              <a:rPr lang="pl-PL" dirty="0"/>
-              <a:t> </a:t>
-            </a:r>
-            <a:r>
-              <a:rPr lang="pl-PL" dirty="0" err="1"/>
-              <a:t>full</a:t>
-            </a:r>
-            <a:r>
-              <a:rPr lang="pl-PL" dirty="0"/>
-              <a:t> </a:t>
-            </a:r>
-            <a:r>
-              <a:rPr lang="pl-PL" dirty="0" err="1"/>
-              <a:t>group</a:t>
-            </a:r>
-            <a:r>
-              <a:rPr lang="pl-PL" dirty="0"/>
-              <a:t> </a:t>
-            </a:r>
-            <a:r>
-              <a:rPr lang="pl-PL" dirty="0" err="1"/>
-              <a:t>number</a:t>
-            </a:r>
-            <a:r>
-              <a:rPr lang="pl-PL" dirty="0"/>
-              <a:t> (from University Schedule)</a:t>
+            <a:br>
+              <a:rPr lang="pl-PL" dirty="0"/>
+            </a:br>
+            <a:br>
+              <a:rPr lang="pl-PL" dirty="0"/>
+            </a:br>
+            <a:br>
+              <a:rPr lang="pl-PL" dirty="0"/>
+            </a:br>
+            <a:br>
+              <a:rPr lang="pl-PL" dirty="0"/>
+            </a:br>
+            <a:br>
+              <a:rPr lang="pl-PL" dirty="0"/>
+            </a:br>
+            <a:r>
+              <a:rPr lang="pl-PL" dirty="0"/>
+              <a:t>https://www.python.org</a:t>
             </a:r>
           </a:p>
         </p:txBody>
@@ -5147,7 +5853,7 @@
           <p:cNvPr id="3" name="Symbol zastępczy numeru slajdu 2">
             <a:extLst>
               <a:ext uri="{FF2B5EF4-FFF2-40B4-BE49-F238E27FC236}">
-                <a16:creationId xmlns:a16="http://schemas.microsoft.com/office/drawing/2014/main" id="{A70B44C6-5C3F-0145-376A-1D3B45408D1E}"/>
+                <a16:creationId xmlns:a16="http://schemas.microsoft.com/office/drawing/2014/main" id="{6464FD0F-50B8-488E-F3DD-6D41349B68D1}"/>
               </a:ext>
             </a:extLst>
           </p:cNvPr>
@@ -5176,7 +5882,7 @@
           <p:cNvPr id="4" name="Tytuł 3">
             <a:extLst>
               <a:ext uri="{FF2B5EF4-FFF2-40B4-BE49-F238E27FC236}">
-                <a16:creationId xmlns:a16="http://schemas.microsoft.com/office/drawing/2014/main" id="{3E295D64-ECD7-4481-0A0D-7A4B9E5090FF}"/>
+                <a16:creationId xmlns:a16="http://schemas.microsoft.com/office/drawing/2014/main" id="{5A761D7A-031A-1282-7096-A952BD2D666A}"/>
               </a:ext>
             </a:extLst>
           </p:cNvPr>
@@ -5193,33 +5899,63 @@
           <a:lstStyle/>
           <a:p>
             <a:r>
-              <a:rPr lang="pl-PL" dirty="0" err="1"/>
-              <a:t>Sign</a:t>
-            </a:r>
-            <a:r>
-              <a:rPr lang="pl-PL" dirty="0"/>
-              <a:t> </a:t>
-            </a:r>
-            <a:r>
-              <a:rPr lang="pl-PL" dirty="0" err="1"/>
-              <a:t>up</a:t>
-            </a:r>
-            <a:r>
-              <a:rPr lang="pl-PL" dirty="0"/>
-              <a:t> for the Course on </a:t>
-            </a:r>
-            <a:r>
-              <a:rPr lang="pl-PL" dirty="0" err="1"/>
-              <a:t>Moodle</a:t>
-            </a:r>
-            <a:endParaRPr lang="pl-PL" dirty="0"/>
-          </a:p>
-        </p:txBody>
-      </p:sp>
+              <a:rPr lang="pl-PL" dirty="0"/>
+              <a:t>Programming Language</a:t>
+            </a:r>
+          </a:p>
+        </p:txBody>
+      </p:sp>
+      <p:pic>
+        <p:nvPicPr>
+          <p:cNvPr id="2" name="Picture 4" descr="Ilustracja">
+            <a:extLst>
+              <a:ext uri="{FF2B5EF4-FFF2-40B4-BE49-F238E27FC236}">
+                <a16:creationId xmlns:a16="http://schemas.microsoft.com/office/drawing/2014/main" id="{C8B105EB-4CC3-4AE0-D941-B6198BF12884}"/>
+              </a:ext>
+            </a:extLst>
+          </p:cNvPr>
+          <p:cNvPicPr>
+            <a:picLocks noChangeAspect="1" noChangeArrowheads="1"/>
+          </p:cNvPicPr>
+          <p:nvPr/>
+        </p:nvPicPr>
+        <p:blipFill>
+          <a:blip r:embed="rId2">
+            <a:extLst>
+              <a:ext uri="{28A0092B-C50C-407E-A947-70E740481C1C}">
+                <a14:useLocalDpi xmlns:a14="http://schemas.microsoft.com/office/drawing/2010/main" val="0"/>
+              </a:ext>
+            </a:extLst>
+          </a:blip>
+          <a:srcRect/>
+          <a:stretch>
+            <a:fillRect/>
+          </a:stretch>
+        </p:blipFill>
+        <p:spPr bwMode="auto">
+          <a:xfrm>
+            <a:off x="4133702" y="2687216"/>
+            <a:ext cx="3924595" cy="1163070"/>
+          </a:xfrm>
+          <a:prstGeom prst="rect">
+            <a:avLst/>
+          </a:prstGeom>
+          <a:noFill/>
+          <a:extLst>
+            <a:ext uri="{909E8E84-426E-40DD-AFC4-6F175D3DCCD1}">
+              <a14:hiddenFill xmlns:a14="http://schemas.microsoft.com/office/drawing/2010/main">
+                <a:solidFill>
+                  <a:srgbClr val="FFFFFF"/>
+                </a:solidFill>
+              </a14:hiddenFill>
+            </a:ext>
+          </a:extLst>
+        </p:spPr>
+      </p:pic>
     </p:spTree>
     <p:extLst>
       <p:ext uri="{BB962C8B-B14F-4D97-AF65-F5344CB8AC3E}">
-        <p14:creationId xmlns:p14="http://schemas.microsoft.com/office/powerpoint/2010/main" val="1144236073"/>
+        <p14:creationId xmlns:p14="http://schemas.microsoft.com/office/powerpoint/2010/main" val="322425298"/>
       </p:ext>
     </p:extLst>
   </p:cSld>
@@ -5248,10 +5984,38 @@
       </p:grpSpPr>
       <p:sp>
         <p:nvSpPr>
+          <p:cNvPr id="4" name="Tytuł 3">
+            <a:extLst>
+              <a:ext uri="{FF2B5EF4-FFF2-40B4-BE49-F238E27FC236}">
+                <a16:creationId xmlns:a16="http://schemas.microsoft.com/office/drawing/2014/main" id="{33590845-679B-40E9-B580-208EC72F096A}"/>
+              </a:ext>
+            </a:extLst>
+          </p:cNvPr>
+          <p:cNvSpPr>
+            <a:spLocks noGrp="1"/>
+          </p:cNvSpPr>
+          <p:nvPr>
+            <p:ph type="title"/>
+          </p:nvPr>
+        </p:nvSpPr>
+        <p:spPr/>
+        <p:txBody>
+          <a:bodyPr/>
+          <a:lstStyle/>
+          <a:p>
+            <a:r>
+              <a:rPr lang="en-US" dirty="0"/>
+              <a:t>Python Tutorials</a:t>
+            </a:r>
+          </a:p>
+        </p:txBody>
+      </p:sp>
+      <p:sp>
+        <p:nvSpPr>
           <p:cNvPr id="2" name="Symbol zastępczy zawartości 1">
             <a:extLst>
               <a:ext uri="{FF2B5EF4-FFF2-40B4-BE49-F238E27FC236}">
-                <a16:creationId xmlns:a16="http://schemas.microsoft.com/office/drawing/2014/main" id="{27533B2D-CAC7-E97B-7182-1838AAEFBF00}"/>
+                <a16:creationId xmlns:a16="http://schemas.microsoft.com/office/drawing/2014/main" id="{41D4A72D-3389-4C11-9168-63616BF2753D}"/>
               </a:ext>
             </a:extLst>
           </p:cNvPr>
@@ -5259,7 +6023,7 @@
             <a:spLocks noGrp="1"/>
           </p:cNvSpPr>
           <p:nvPr>
-            <p:ph idx="1"/>
+            <p:ph sz="half" idx="1"/>
           </p:nvPr>
         </p:nvSpPr>
         <p:spPr/>
@@ -5269,144 +6033,152 @@
           </a:bodyPr>
           <a:lstStyle/>
           <a:p>
-            <a:pPr marL="514350" indent="-514350">
-              <a:buFont typeface="+mj-lt"/>
-              <a:buAutoNum type="arabicPeriod"/>
+            <a:r>
+              <a:rPr lang="en-US" dirty="0"/>
+              <a:t>Python for Everybody (book)</a:t>
+            </a:r>
+          </a:p>
+          <a:p>
+            <a:pPr marL="457200" lvl="1" indent="0">
+              <a:buNone/>
             </a:pPr>
             <a:r>
-              <a:rPr lang="pl-PL" dirty="0"/>
-              <a:t>Go to the </a:t>
-            </a:r>
-            <a:r>
-              <a:rPr lang="pl-PL" dirty="0" err="1"/>
-              <a:t>Github</a:t>
-            </a:r>
-            <a:r>
-              <a:rPr lang="pl-PL" dirty="0"/>
-              <a:t> service</a:t>
-            </a:r>
-            <a:br>
-              <a:rPr lang="pl-PL" dirty="0"/>
-            </a:br>
-            <a:r>
-              <a:rPr lang="pl-PL" dirty="0">
+              <a:rPr lang="en-US" b="0" dirty="0">
                 <a:hlinkClick r:id="rId2"/>
               </a:rPr>
-              <a:t>https://github.com</a:t>
-            </a:r>
+              <a:t>https://www.py4e.com/book</a:t>
+            </a:r>
+            <a:r>
+              <a:rPr lang="en-US" b="0" dirty="0"/>
+              <a:t> </a:t>
+            </a:r>
+          </a:p>
+          <a:p>
             <a:endParaRPr lang="pl-PL" dirty="0"/>
           </a:p>
           <a:p>
-            <a:pPr marL="514350" indent="-514350">
-              <a:buFont typeface="+mj-lt"/>
-              <a:buAutoNum type="arabicPeriod"/>
+            <a:r>
+              <a:rPr lang="en-US" dirty="0"/>
+              <a:t>Python Tutorial</a:t>
+            </a:r>
+          </a:p>
+          <a:p>
+            <a:pPr marL="457200" lvl="1" indent="0">
+              <a:buNone/>
             </a:pPr>
             <a:r>
-              <a:rPr lang="pl-PL" dirty="0" err="1"/>
-              <a:t>Sign</a:t>
-            </a:r>
-            <a:r>
-              <a:rPr lang="pl-PL" dirty="0"/>
+              <a:rPr lang="en-US" b="0" dirty="0">
+                <a:hlinkClick r:id="rId3"/>
+              </a:rPr>
+              <a:t>https://docs.python.org/3/tutorial/index.html</a:t>
+            </a:r>
+            <a:r>
+              <a:rPr lang="en-US" b="0" dirty="0"/>
               <a:t> </a:t>
             </a:r>
-            <a:r>
-              <a:rPr lang="pl-PL" dirty="0" err="1"/>
-              <a:t>up</a:t>
-            </a:r>
-            <a:r>
-              <a:rPr lang="pl-PL" dirty="0"/>
-              <a:t> for the </a:t>
-            </a:r>
-            <a:r>
-              <a:rPr lang="pl-PL" dirty="0" err="1"/>
-              <a:t>Github</a:t>
-            </a:r>
+          </a:p>
+        </p:txBody>
+      </p:sp>
+      <p:sp>
+        <p:nvSpPr>
+          <p:cNvPr id="5" name="Symbol zastępczy zawartości 4">
+            <a:extLst>
+              <a:ext uri="{FF2B5EF4-FFF2-40B4-BE49-F238E27FC236}">
+                <a16:creationId xmlns:a16="http://schemas.microsoft.com/office/drawing/2014/main" id="{EC2C11A6-9282-D27C-5AC9-09188C4D35A6}"/>
+              </a:ext>
+            </a:extLst>
+          </p:cNvPr>
+          <p:cNvSpPr>
+            <a:spLocks noGrp="1"/>
+          </p:cNvSpPr>
+          <p:nvPr>
+            <p:ph sz="half" idx="2"/>
+          </p:nvPr>
+        </p:nvSpPr>
+        <p:spPr/>
+        <p:txBody>
+          <a:bodyPr>
+            <a:normAutofit/>
+          </a:bodyPr>
+          <a:lstStyle/>
+          <a:p>
+            <a:r>
+              <a:rPr lang="en-US" dirty="0"/>
+              <a:t>W3</a:t>
+            </a:r>
+            <a:r>
+              <a:rPr lang="pl-PL" dirty="0"/>
+              <a:t>S</a:t>
+            </a:r>
+            <a:r>
+              <a:rPr lang="en-US" dirty="0" err="1"/>
+              <a:t>chools</a:t>
+            </a:r>
+            <a:r>
+              <a:rPr lang="en-US" dirty="0"/>
+              <a:t> Python Tutorial</a:t>
+            </a:r>
+          </a:p>
+          <a:p>
+            <a:pPr marL="457200" lvl="1" indent="0">
+              <a:buNone/>
+            </a:pPr>
+            <a:r>
+              <a:rPr lang="en-US" b="0" dirty="0">
+                <a:hlinkClick r:id="rId4"/>
+              </a:rPr>
+              <a:t>https://www.w3schools.com/python/default.asp</a:t>
+            </a:r>
+            <a:r>
+              <a:rPr lang="en-US" b="0" dirty="0"/>
+              <a:t> </a:t>
+            </a:r>
+          </a:p>
+          <a:p>
             <a:endParaRPr lang="pl-PL" dirty="0"/>
           </a:p>
           <a:p>
-            <a:pPr marL="514350" indent="-514350">
-              <a:buFont typeface="+mj-lt"/>
-              <a:buAutoNum type="arabicPeriod"/>
+            <a:r>
+              <a:rPr lang="en-US" dirty="0" err="1"/>
+              <a:t>SoloLearn</a:t>
+            </a:r>
+            <a:r>
+              <a:rPr lang="en-US" dirty="0"/>
+              <a:t> Python Course</a:t>
+            </a:r>
+            <a:br>
+              <a:rPr lang="pl-PL" dirty="0"/>
+            </a:br>
+            <a:r>
+              <a:rPr lang="en-US" dirty="0"/>
+              <a:t>(</a:t>
+            </a:r>
+            <a:r>
+              <a:rPr lang="pl-PL" dirty="0"/>
+              <a:t>for mobile devices</a:t>
+            </a:r>
+            <a:r>
+              <a:rPr lang="en-US" dirty="0"/>
+              <a:t>)</a:t>
+            </a:r>
+          </a:p>
+          <a:p>
+            <a:pPr marL="457200" lvl="1" indent="0">
+              <a:buNone/>
             </a:pPr>
             <a:r>
-              <a:rPr lang="pl-PL" dirty="0"/>
-              <a:t>In </a:t>
-            </a:r>
-            <a:r>
-              <a:rPr lang="pl-PL" dirty="0" err="1"/>
-              <a:t>Github</a:t>
-            </a:r>
-            <a:r>
-              <a:rPr lang="pl-PL" dirty="0"/>
+              <a:rPr lang="en-US" b="0" dirty="0">
+                <a:hlinkClick r:id="rId5"/>
+              </a:rPr>
+              <a:t>https://play.google.com/store/apps/details?id=com.sololearn&amp;hl=en</a:t>
+            </a:r>
+            <a:r>
+              <a:rPr lang="en-US" b="0" dirty="0"/>
               <a:t> </a:t>
             </a:r>
-            <a:r>
-              <a:rPr lang="pl-PL" dirty="0" err="1"/>
-              <a:t>Settings</a:t>
-            </a:r>
-            <a:r>
-              <a:rPr lang="pl-PL" dirty="0"/>
-              <a:t> </a:t>
-            </a:r>
-            <a:r>
-              <a:rPr lang="pl-PL" dirty="0" err="1"/>
-              <a:t>enter</a:t>
-            </a:r>
-            <a:r>
-              <a:rPr lang="pl-PL" dirty="0"/>
-              <a:t> </a:t>
-            </a:r>
-            <a:r>
-              <a:rPr lang="pl-PL" dirty="0" err="1"/>
-              <a:t>your</a:t>
-            </a:r>
-            <a:r>
-              <a:rPr lang="pl-PL" dirty="0"/>
-              <a:t> </a:t>
-            </a:r>
-            <a:r>
-              <a:rPr lang="pl-PL" dirty="0" err="1"/>
-              <a:t>full</a:t>
-            </a:r>
-            <a:r>
-              <a:rPr lang="pl-PL" dirty="0"/>
-              <a:t> </a:t>
-            </a:r>
-            <a:r>
-              <a:rPr lang="pl-PL" dirty="0" err="1"/>
-              <a:t>name</a:t>
-            </a:r>
-            <a:br>
-              <a:rPr lang="pl-PL" dirty="0"/>
-            </a:br>
-            <a:r>
-              <a:rPr lang="pl-PL" dirty="0"/>
-              <a:t>(</a:t>
-            </a:r>
-            <a:r>
-              <a:rPr lang="pl-PL" dirty="0" err="1"/>
-              <a:t>first</a:t>
-            </a:r>
-            <a:r>
-              <a:rPr lang="pl-PL" dirty="0"/>
-              <a:t> and </a:t>
-            </a:r>
-            <a:r>
-              <a:rPr lang="pl-PL" dirty="0" err="1"/>
-              <a:t>last</a:t>
-            </a:r>
-            <a:r>
-              <a:rPr lang="pl-PL" dirty="0"/>
-              <a:t> </a:t>
-            </a:r>
-            <a:r>
-              <a:rPr lang="pl-PL" dirty="0" err="1"/>
-              <a:t>name</a:t>
-            </a:r>
-            <a:r>
-              <a:rPr lang="pl-PL" dirty="0"/>
-              <a:t>)</a:t>
-            </a:r>
+          </a:p>
+          <a:p>
+            <a:endParaRPr lang="pl-PL" dirty="0"/>
           </a:p>
         </p:txBody>
       </p:sp>
@@ -5415,7 +6187,7 @@
           <p:cNvPr id="3" name="Symbol zastępczy numeru slajdu 2">
             <a:extLst>
               <a:ext uri="{FF2B5EF4-FFF2-40B4-BE49-F238E27FC236}">
-                <a16:creationId xmlns:a16="http://schemas.microsoft.com/office/drawing/2014/main" id="{B6E3FAFF-A353-DA4D-B1E1-D592F18226CC}"/>
+                <a16:creationId xmlns:a16="http://schemas.microsoft.com/office/drawing/2014/main" id="{BC919D30-5A65-40E7-89AD-E69551F2069E}"/>
               </a:ext>
             </a:extLst>
           </p:cNvPr>
@@ -5432,70 +6204,17 @@
           <a:lstStyle/>
           <a:p>
             <a:fld id="{254C963F-D690-449C-B336-8B464EE7B8DB}" type="slidenum">
-              <a:rPr lang="pl-PL" smtClean="0"/>
+              <a:rPr lang="en-US" smtClean="0"/>
               <a:t>11</a:t>
             </a:fld>
-            <a:endParaRPr lang="pl-PL" dirty="0"/>
-          </a:p>
-        </p:txBody>
-      </p:sp>
-      <p:sp>
-        <p:nvSpPr>
-          <p:cNvPr id="4" name="Tytuł 3">
-            <a:extLst>
-              <a:ext uri="{FF2B5EF4-FFF2-40B4-BE49-F238E27FC236}">
-                <a16:creationId xmlns:a16="http://schemas.microsoft.com/office/drawing/2014/main" id="{5DD48AC1-5D6A-17F7-07D1-9AE9BB0E45AE}"/>
-              </a:ext>
-            </a:extLst>
-          </p:cNvPr>
-          <p:cNvSpPr>
-            <a:spLocks noGrp="1"/>
-          </p:cNvSpPr>
-          <p:nvPr>
-            <p:ph type="title"/>
-          </p:nvPr>
-        </p:nvSpPr>
-        <p:spPr/>
-        <p:txBody>
-          <a:bodyPr/>
-          <a:lstStyle/>
-          <a:p>
-            <a:r>
-              <a:rPr lang="pl-PL" dirty="0" err="1"/>
-              <a:t>Create</a:t>
-            </a:r>
-            <a:r>
-              <a:rPr lang="pl-PL" dirty="0"/>
-              <a:t> </a:t>
-            </a:r>
-            <a:r>
-              <a:rPr lang="pl-PL" dirty="0" err="1"/>
-              <a:t>an</a:t>
-            </a:r>
-            <a:r>
-              <a:rPr lang="pl-PL" dirty="0"/>
-              <a:t> </a:t>
-            </a:r>
-            <a:r>
-              <a:rPr lang="pl-PL" dirty="0" err="1"/>
-              <a:t>Account</a:t>
-            </a:r>
-            <a:r>
-              <a:rPr lang="pl-PL" dirty="0"/>
-              <a:t> on </a:t>
-            </a:r>
-            <a:r>
-              <a:rPr lang="pl-PL" dirty="0" err="1"/>
-              <a:t>Github</a:t>
-            </a:r>
-            <a:endParaRPr lang="pl-PL" dirty="0"/>
+            <a:endParaRPr lang="en-US"/>
           </a:p>
         </p:txBody>
       </p:sp>
     </p:spTree>
     <p:extLst>
       <p:ext uri="{BB962C8B-B14F-4D97-AF65-F5344CB8AC3E}">
-        <p14:creationId xmlns:p14="http://schemas.microsoft.com/office/powerpoint/2010/main" val="2533284800"/>
+        <p14:creationId xmlns:p14="http://schemas.microsoft.com/office/powerpoint/2010/main" val="3376502272"/>
       </p:ext>
     </p:extLst>
   </p:cSld>
@@ -5524,10 +6243,10 @@
       </p:grpSpPr>
       <p:sp>
         <p:nvSpPr>
-          <p:cNvPr id="2" name="Symbol zastępczy zawartości 1">
+          <p:cNvPr id="2" name="Tytuł 1">
             <a:extLst>
               <a:ext uri="{FF2B5EF4-FFF2-40B4-BE49-F238E27FC236}">
-                <a16:creationId xmlns:a16="http://schemas.microsoft.com/office/drawing/2014/main" id="{D53BE413-5EBF-69E5-69B0-2BCC40EBBB43}"/>
+                <a16:creationId xmlns:a16="http://schemas.microsoft.com/office/drawing/2014/main" id="{005DE35A-36F4-48CE-5B82-D9ABD47366FC}"/>
               </a:ext>
             </a:extLst>
           </p:cNvPr>
@@ -5535,7 +6254,7 @@
             <a:spLocks noGrp="1"/>
           </p:cNvSpPr>
           <p:nvPr>
-            <p:ph idx="1"/>
+            <p:ph type="title"/>
           </p:nvPr>
         </p:nvSpPr>
         <p:spPr/>
@@ -5543,13 +6262,54 @@
           <a:bodyPr/>
           <a:lstStyle/>
           <a:p>
-            <a:pPr marL="514350" indent="-514350">
-              <a:buFont typeface="+mj-lt"/>
-              <a:buAutoNum type="arabicPeriod"/>
-            </a:pPr>
+            <a:r>
+              <a:rPr lang="pl-PL" dirty="0"/>
+              <a:t>Internet Services</a:t>
+            </a:r>
+            <a:endParaRPr lang="en-US" dirty="0"/>
+          </a:p>
+        </p:txBody>
+      </p:sp>
+      <p:sp>
+        <p:nvSpPr>
+          <p:cNvPr id="3" name="Symbol zastępczy tekstu 2">
+            <a:extLst>
+              <a:ext uri="{FF2B5EF4-FFF2-40B4-BE49-F238E27FC236}">
+                <a16:creationId xmlns:a16="http://schemas.microsoft.com/office/drawing/2014/main" id="{5C593541-A8CA-3595-EFED-636ACE762969}"/>
+              </a:ext>
+            </a:extLst>
+          </p:cNvPr>
+          <p:cNvSpPr>
+            <a:spLocks noGrp="1"/>
+          </p:cNvSpPr>
+          <p:nvPr>
+            <p:ph type="body" idx="1"/>
+          </p:nvPr>
+        </p:nvSpPr>
+        <p:spPr/>
+        <p:txBody>
+          <a:bodyPr/>
+          <a:lstStyle/>
+          <a:p>
             <a:r>
               <a:rPr lang="pl-PL" dirty="0"/>
               <a:t>Log in to </a:t>
+            </a:r>
+            <a:r>
+              <a:rPr lang="pl-PL" dirty="0" err="1"/>
+              <a:t>Teams</a:t>
+            </a:r>
+            <a:r>
+              <a:rPr lang="pl-PL" dirty="0"/>
+              <a:t>, </a:t>
+            </a:r>
+            <a:r>
+              <a:rPr lang="pl-PL" dirty="0" err="1"/>
+              <a:t>Moodle</a:t>
+            </a:r>
+            <a:r>
+              <a:rPr lang="pl-PL" dirty="0"/>
+              <a:t>, and </a:t>
             </a:r>
             <a:r>
               <a:rPr lang="pl-PL" dirty="0" err="1"/>
@@ -5557,126 +6317,14 @@
             </a:r>
             <a:endParaRPr lang="pl-PL" dirty="0"/>
           </a:p>
-          <a:p>
-            <a:pPr marL="514350" indent="-514350">
-              <a:buFont typeface="+mj-lt"/>
-              <a:buAutoNum type="arabicPeriod"/>
-            </a:pPr>
-            <a:r>
-              <a:rPr lang="pl-PL" dirty="0" err="1"/>
-              <a:t>Find</a:t>
-            </a:r>
-            <a:r>
-              <a:rPr lang="pl-PL" dirty="0"/>
-              <a:t> </a:t>
-            </a:r>
-            <a:r>
-              <a:rPr lang="pl-PL" dirty="0" err="1"/>
-              <a:t>course</a:t>
-            </a:r>
-            <a:r>
-              <a:rPr lang="pl-PL" dirty="0"/>
-              <a:t> </a:t>
-            </a:r>
-            <a:r>
-              <a:rPr lang="pl-PL" dirty="0" err="1"/>
-              <a:t>class</a:t>
-            </a:r>
-            <a:r>
-              <a:rPr lang="pl-PL" dirty="0"/>
-              <a:t> materials (</a:t>
-            </a:r>
-            <a:r>
-              <a:rPr lang="pl-PL" dirty="0" err="1"/>
-              <a:t>github</a:t>
-            </a:r>
-            <a:r>
-              <a:rPr lang="pl-PL" dirty="0"/>
-              <a:t> </a:t>
-            </a:r>
-            <a:r>
-              <a:rPr lang="pl-PL" dirty="0" err="1"/>
-              <a:t>repository</a:t>
-            </a:r>
-            <a:r>
-              <a:rPr lang="pl-PL" dirty="0"/>
-              <a:t>): </a:t>
-            </a:r>
-            <a:r>
-              <a:rPr lang="pl-PL" dirty="0" err="1"/>
-              <a:t>stalj</a:t>
-            </a:r>
-            <a:r>
-              <a:rPr lang="pl-PL" dirty="0"/>
-              <a:t>/pp1</a:t>
-            </a:r>
-          </a:p>
-          <a:p>
-            <a:pPr marL="514350" indent="-514350">
-              <a:buFont typeface="+mj-lt"/>
-              <a:buAutoNum type="arabicPeriod"/>
-            </a:pPr>
-            <a:r>
-              <a:rPr lang="pl-PL" dirty="0" err="1"/>
-              <a:t>Fork</a:t>
-            </a:r>
-            <a:r>
-              <a:rPr lang="pl-PL" dirty="0"/>
-              <a:t> the </a:t>
-            </a:r>
-            <a:r>
-              <a:rPr lang="pl-PL" dirty="0" err="1"/>
-              <a:t>repository</a:t>
-            </a:r>
-            <a:endParaRPr lang="pl-PL" dirty="0"/>
-          </a:p>
-          <a:p>
-            <a:pPr marL="514350" indent="-514350">
-              <a:buFont typeface="+mj-lt"/>
-              <a:buAutoNum type="arabicPeriod"/>
-            </a:pPr>
-            <a:r>
-              <a:rPr lang="pl-PL" dirty="0"/>
-              <a:t>M</a:t>
-            </a:r>
-            <a:r>
-              <a:rPr lang="en-US" dirty="0" err="1"/>
-              <a:t>ake</a:t>
-            </a:r>
-            <a:r>
-              <a:rPr lang="en-US" dirty="0"/>
-              <a:t> sure you have your own copy of the </a:t>
-            </a:r>
-            <a:r>
-              <a:rPr lang="pl-PL" dirty="0" err="1"/>
-              <a:t>class</a:t>
-            </a:r>
-            <a:r>
-              <a:rPr lang="pl-PL" dirty="0"/>
-              <a:t> </a:t>
-            </a:r>
-            <a:r>
-              <a:rPr lang="en-US" dirty="0"/>
-              <a:t>materials</a:t>
-            </a:r>
-            <a:r>
-              <a:rPr lang="pl-PL" dirty="0"/>
-              <a:t> on </a:t>
-            </a:r>
-            <a:r>
-              <a:rPr lang="pl-PL" dirty="0" err="1"/>
-              <a:t>Github</a:t>
-            </a:r>
-            <a:endParaRPr lang="pl-PL" dirty="0"/>
-          </a:p>
-        </p:txBody>
-      </p:sp>
-      <p:sp>
-        <p:nvSpPr>
-          <p:cNvPr id="3" name="Symbol zastępczy numeru slajdu 2">
+        </p:txBody>
+      </p:sp>
+      <p:sp>
+        <p:nvSpPr>
+          <p:cNvPr id="4" name="Symbol zastępczy numeru slajdu 3">
             <a:extLst>
               <a:ext uri="{FF2B5EF4-FFF2-40B4-BE49-F238E27FC236}">
-                <a16:creationId xmlns:a16="http://schemas.microsoft.com/office/drawing/2014/main" id="{B1A3D5F1-734F-8A9B-C47C-6D76864C1389}"/>
+                <a16:creationId xmlns:a16="http://schemas.microsoft.com/office/drawing/2014/main" id="{47E464A5-B833-B951-CEBB-D761B64ADEDA}"/>
               </a:ext>
             </a:extLst>
           </p:cNvPr>
@@ -5700,66 +6348,10 @@
           </a:p>
         </p:txBody>
       </p:sp>
-      <p:sp>
-        <p:nvSpPr>
-          <p:cNvPr id="4" name="Tytuł 3">
-            <a:extLst>
-              <a:ext uri="{FF2B5EF4-FFF2-40B4-BE49-F238E27FC236}">
-                <a16:creationId xmlns:a16="http://schemas.microsoft.com/office/drawing/2014/main" id="{B790DEAE-7768-9BCE-6188-0F4D4EAA6B5E}"/>
-              </a:ext>
-            </a:extLst>
-          </p:cNvPr>
-          <p:cNvSpPr>
-            <a:spLocks noGrp="1"/>
-          </p:cNvSpPr>
-          <p:nvPr>
-            <p:ph type="title"/>
-          </p:nvPr>
-        </p:nvSpPr>
-        <p:spPr/>
-        <p:txBody>
-          <a:bodyPr/>
-          <a:lstStyle/>
-          <a:p>
-            <a:r>
-              <a:rPr lang="pl-PL" dirty="0" err="1"/>
-              <a:t>Create</a:t>
-            </a:r>
-            <a:r>
-              <a:rPr lang="pl-PL" dirty="0"/>
-              <a:t> </a:t>
-            </a:r>
-            <a:r>
-              <a:rPr lang="pl-PL" dirty="0" err="1"/>
-              <a:t>Own</a:t>
-            </a:r>
-            <a:r>
-              <a:rPr lang="pl-PL" dirty="0"/>
-              <a:t> </a:t>
-            </a:r>
-            <a:r>
-              <a:rPr lang="pl-PL" dirty="0" err="1"/>
-              <a:t>Copy</a:t>
-            </a:r>
-            <a:r>
-              <a:rPr lang="pl-PL" dirty="0"/>
-              <a:t> (</a:t>
-            </a:r>
-            <a:r>
-              <a:rPr lang="pl-PL" dirty="0" err="1"/>
-              <a:t>fork</a:t>
-            </a:r>
-            <a:r>
-              <a:rPr lang="pl-PL" dirty="0"/>
-              <a:t>) of the Class Materials</a:t>
-            </a:r>
-          </a:p>
-        </p:txBody>
-      </p:sp>
     </p:spTree>
     <p:extLst>
       <p:ext uri="{BB962C8B-B14F-4D97-AF65-F5344CB8AC3E}">
-        <p14:creationId xmlns:p14="http://schemas.microsoft.com/office/powerpoint/2010/main" val="1234291028"/>
+        <p14:creationId xmlns:p14="http://schemas.microsoft.com/office/powerpoint/2010/main" val="1005848108"/>
       </p:ext>
     </p:extLst>
   </p:cSld>
@@ -5788,10 +6380,10 @@
       </p:grpSpPr>
       <p:sp>
         <p:nvSpPr>
-          <p:cNvPr id="2" name="Tytuł 1">
+          <p:cNvPr id="6" name="Symbol zastępczy zawartości 5">
             <a:extLst>
               <a:ext uri="{FF2B5EF4-FFF2-40B4-BE49-F238E27FC236}">
-                <a16:creationId xmlns:a16="http://schemas.microsoft.com/office/drawing/2014/main" id="{4FA82766-5AC7-26AF-F9A7-76097122BE8D}"/>
+                <a16:creationId xmlns:a16="http://schemas.microsoft.com/office/drawing/2014/main" id="{3BEF4DD1-DF03-4BD7-972C-609EAA9D84FC}"/>
               </a:ext>
             </a:extLst>
           </p:cNvPr>
@@ -5799,28 +6391,101 @@
             <a:spLocks noGrp="1"/>
           </p:cNvSpPr>
           <p:nvPr>
-            <p:ph type="title"/>
+            <p:ph idx="1"/>
           </p:nvPr>
         </p:nvSpPr>
         <p:spPr/>
         <p:txBody>
-          <a:bodyPr/>
-          <a:lstStyle/>
-          <a:p>
+          <a:bodyPr>
+            <a:normAutofit/>
+          </a:bodyPr>
+          <a:lstStyle/>
+          <a:p>
+            <a:pPr marL="514350" indent="-514350">
+              <a:buFont typeface="+mj-lt"/>
+              <a:buAutoNum type="arabicPeriod"/>
+            </a:pPr>
+            <a:r>
+              <a:rPr lang="pl-PL" dirty="0"/>
+              <a:t>Run Microsoft </a:t>
+            </a:r>
             <a:r>
               <a:rPr lang="pl-PL" dirty="0" err="1"/>
-              <a:t>Homework</a:t>
+              <a:t>Teams</a:t>
             </a:r>
             <a:endParaRPr lang="pl-PL" dirty="0"/>
           </a:p>
-        </p:txBody>
-      </p:sp>
-      <p:sp>
-        <p:nvSpPr>
-          <p:cNvPr id="3" name="Symbol zastępczy tekstu 2">
+          <a:p>
+            <a:pPr marL="514350" indent="-514350">
+              <a:buFont typeface="+mj-lt"/>
+              <a:buAutoNum type="arabicPeriod"/>
+            </a:pPr>
+            <a:r>
+              <a:rPr lang="en-US" dirty="0"/>
+              <a:t>Log in to your account</a:t>
+            </a:r>
+          </a:p>
+          <a:p>
+            <a:pPr marL="514350" indent="-514350">
+              <a:buFont typeface="+mj-lt"/>
+              <a:buAutoNum type="arabicPeriod"/>
+            </a:pPr>
+            <a:r>
+              <a:rPr lang="pl-PL" dirty="0"/>
+              <a:t>Display team list</a:t>
+            </a:r>
+          </a:p>
+          <a:p>
+            <a:pPr marL="514350" indent="-514350">
+              <a:buFont typeface="+mj-lt"/>
+              <a:buAutoNum type="arabicPeriod"/>
+            </a:pPr>
+            <a:r>
+              <a:rPr lang="pl-PL" dirty="0"/>
+              <a:t>Select „</a:t>
+            </a:r>
+            <a:r>
+              <a:rPr lang="pl-PL" dirty="0" err="1"/>
+              <a:t>join</a:t>
+            </a:r>
+            <a:r>
+              <a:rPr lang="pl-PL" dirty="0"/>
+              <a:t> a team”</a:t>
+            </a:r>
+          </a:p>
+          <a:p>
+            <a:pPr marL="514350" indent="-514350">
+              <a:buFont typeface="+mj-lt"/>
+              <a:buAutoNum type="arabicPeriod"/>
+            </a:pPr>
+            <a:r>
+              <a:rPr lang="pl-PL" dirty="0" err="1"/>
+              <a:t>Use</a:t>
+            </a:r>
+            <a:r>
+              <a:rPr lang="pl-PL" dirty="0"/>
+              <a:t> a team code</a:t>
+            </a:r>
+            <a:br>
+              <a:rPr lang="pl-PL" dirty="0"/>
+            </a:br>
+            <a:r>
+              <a:rPr lang="pl-PL" dirty="0">
+                <a:solidFill>
+                  <a:srgbClr val="00B0F0"/>
+                </a:solidFill>
+              </a:rPr>
+              <a:t>minz3eq</a:t>
+            </a:r>
+          </a:p>
+        </p:txBody>
+      </p:sp>
+      <p:sp>
+        <p:nvSpPr>
+          <p:cNvPr id="4" name="Symbol zastępczy numeru slajdu 3">
             <a:extLst>
               <a:ext uri="{FF2B5EF4-FFF2-40B4-BE49-F238E27FC236}">
-                <a16:creationId xmlns:a16="http://schemas.microsoft.com/office/drawing/2014/main" id="{57DF4AEE-6507-A6EF-BEAB-6DD815C42CC9}"/>
+                <a16:creationId xmlns:a16="http://schemas.microsoft.com/office/drawing/2014/main" id="{A9E7A3CE-C572-405A-92A2-0E1533B68464}"/>
               </a:ext>
             </a:extLst>
           </p:cNvPr>
@@ -5828,7 +6493,7 @@
             <a:spLocks noGrp="1"/>
           </p:cNvSpPr>
           <p:nvPr>
-            <p:ph type="body" idx="1"/>
+            <p:ph type="sldNum" sz="quarter" idx="12"/>
           </p:nvPr>
         </p:nvSpPr>
         <p:spPr/>
@@ -5836,16 +6501,20 @@
           <a:bodyPr/>
           <a:lstStyle/>
           <a:p>
-            <a:endParaRPr lang="pl-PL"/>
-          </a:p>
-        </p:txBody>
-      </p:sp>
-      <p:sp>
-        <p:nvSpPr>
-          <p:cNvPr id="4" name="Symbol zastępczy numeru slajdu 3">
+            <a:fld id="{254C963F-D690-449C-B336-8B464EE7B8DB}" type="slidenum">
+              <a:rPr lang="en-US" smtClean="0"/>
+              <a:t>13</a:t>
+            </a:fld>
+            <a:endParaRPr lang="en-US" dirty="0"/>
+          </a:p>
+        </p:txBody>
+      </p:sp>
+      <p:sp>
+        <p:nvSpPr>
+          <p:cNvPr id="5" name="Tytuł 4">
             <a:extLst>
               <a:ext uri="{FF2B5EF4-FFF2-40B4-BE49-F238E27FC236}">
-                <a16:creationId xmlns:a16="http://schemas.microsoft.com/office/drawing/2014/main" id="{36883032-481E-868B-97E0-14DDF0F9B46D}"/>
+                <a16:creationId xmlns:a16="http://schemas.microsoft.com/office/drawing/2014/main" id="{E5EAA86D-7FAF-4F5F-B693-8A5642336538}"/>
               </a:ext>
             </a:extLst>
           </p:cNvPr>
@@ -5853,7 +6522,7 @@
             <a:spLocks noGrp="1"/>
           </p:cNvSpPr>
           <p:nvPr>
-            <p:ph type="sldNum" sz="quarter" idx="12"/>
+            <p:ph type="title"/>
           </p:nvPr>
         </p:nvSpPr>
         <p:spPr/>
@@ -5861,18 +6530,29 @@
           <a:bodyPr/>
           <a:lstStyle/>
           <a:p>
-            <a:fld id="{254C963F-D690-449C-B336-8B464EE7B8DB}" type="slidenum">
-              <a:rPr lang="pl-PL" smtClean="0"/>
-              <a:t>13</a:t>
-            </a:fld>
-            <a:endParaRPr lang="pl-PL" dirty="0"/>
+            <a:r>
+              <a:rPr lang="en-US" dirty="0"/>
+              <a:t>Sign up for </a:t>
+            </a:r>
+            <a:r>
+              <a:rPr lang="pl-PL" dirty="0"/>
+              <a:t>C</a:t>
+            </a:r>
+            <a:r>
+              <a:rPr lang="en-US" dirty="0" err="1"/>
+              <a:t>ourse</a:t>
+            </a:r>
+            <a:r>
+              <a:rPr lang="en-US" dirty="0"/>
+              <a:t> on Teams</a:t>
+            </a:r>
           </a:p>
         </p:txBody>
       </p:sp>
     </p:spTree>
     <p:extLst>
       <p:ext uri="{BB962C8B-B14F-4D97-AF65-F5344CB8AC3E}">
-        <p14:creationId xmlns:p14="http://schemas.microsoft.com/office/powerpoint/2010/main" val="3984066826"/>
+        <p14:creationId xmlns:p14="http://schemas.microsoft.com/office/powerpoint/2010/main" val="3207883656"/>
       </p:ext>
     </p:extLst>
   </p:cSld>
@@ -5904,7 +6584,7 @@
           <p:cNvPr id="2" name="Symbol zastępczy zawartości 1">
             <a:extLst>
               <a:ext uri="{FF2B5EF4-FFF2-40B4-BE49-F238E27FC236}">
-                <a16:creationId xmlns:a16="http://schemas.microsoft.com/office/drawing/2014/main" id="{417555C3-BA67-4B2C-8143-1205B270C39B}"/>
+                <a16:creationId xmlns:a16="http://schemas.microsoft.com/office/drawing/2014/main" id="{C7200191-8C7A-20BB-91B3-C7A0EB4D769B}"/>
               </a:ext>
             </a:extLst>
           </p:cNvPr>
@@ -5918,7 +6598,7 @@
         <p:spPr/>
         <p:txBody>
           <a:bodyPr>
-            <a:normAutofit lnSpcReduction="10000"/>
+            <a:normAutofit/>
           </a:bodyPr>
           <a:lstStyle/>
           <a:p>
@@ -5927,38 +6607,20 @@
               <a:buAutoNum type="arabicPeriod"/>
             </a:pPr>
             <a:r>
-              <a:rPr lang="pl-PL" dirty="0"/>
-              <a:t>I</a:t>
-            </a:r>
-            <a:r>
-              <a:rPr lang="en-US" dirty="0" err="1"/>
-              <a:t>nstall</a:t>
-            </a:r>
-            <a:r>
               <a:rPr lang="en-US" dirty="0"/>
-              <a:t> </a:t>
-            </a:r>
-            <a:r>
-              <a:rPr lang="pl-PL" dirty="0"/>
-              <a:t>Visual Studio </a:t>
-            </a:r>
-            <a:r>
-              <a:rPr lang="pl-PL" dirty="0" err="1"/>
-              <a:t>Code</a:t>
-            </a:r>
-            <a:r>
-              <a:rPr lang="pl-PL" dirty="0"/>
-              <a:t> (</a:t>
-            </a:r>
-            <a:r>
-              <a:rPr lang="pl-PL" dirty="0" err="1"/>
-              <a:t>VSCode</a:t>
-            </a:r>
-            <a:r>
-              <a:rPr lang="pl-PL" dirty="0"/>
-              <a:t>)</a:t>
-            </a:r>
-            <a:endParaRPr lang="en-US" dirty="0"/>
+              <a:t>Log in to Moodle</a:t>
+            </a:r>
+            <a:br>
+              <a:rPr lang="en-US" dirty="0"/>
+            </a:br>
+            <a:r>
+              <a:rPr lang="en-US" dirty="0">
+                <a:solidFill>
+                  <a:srgbClr val="00B0F0"/>
+                </a:solidFill>
+              </a:rPr>
+              <a:t>https://moodle.uek.krakow.pl</a:t>
+            </a:r>
           </a:p>
           <a:p>
             <a:pPr marL="514350" indent="-514350">
@@ -5966,18 +6628,28 @@
               <a:buAutoNum type="arabicPeriod"/>
             </a:pPr>
             <a:r>
-              <a:rPr lang="pl-PL" dirty="0" err="1"/>
-              <a:t>Install</a:t>
-            </a:r>
-            <a:r>
-              <a:rPr lang="pl-PL" dirty="0"/>
+              <a:rPr lang="en-US" dirty="0"/>
+              <a:t>Find the course</a:t>
+            </a:r>
+            <a:br>
+              <a:rPr lang="en-US" dirty="0"/>
+            </a:br>
+            <a:r>
+              <a:rPr lang="en-US" dirty="0" err="1"/>
+              <a:t>Pracownia</a:t>
+            </a:r>
+            <a:r>
+              <a:rPr lang="en-US" dirty="0"/>
               <a:t> </a:t>
             </a:r>
             <a:r>
-              <a:rPr lang="pl-PL" dirty="0" err="1"/>
-              <a:t>Python</a:t>
-            </a:r>
-            <a:endParaRPr lang="pl-PL" dirty="0"/>
+              <a:rPr lang="en-US" dirty="0" err="1"/>
+              <a:t>Programowania</a:t>
+            </a:r>
+            <a:r>
+              <a:rPr lang="en-US" dirty="0"/>
+              <a:t> 1 / Computer Programming 1</a:t>
+            </a:r>
           </a:p>
           <a:p>
             <a:pPr marL="514350" indent="-514350">
@@ -5985,250 +6657,28 @@
               <a:buAutoNum type="arabicPeriod"/>
             </a:pPr>
             <a:r>
-              <a:rPr lang="pl-PL" dirty="0" err="1"/>
-              <a:t>Install</a:t>
-            </a:r>
-            <a:r>
-              <a:rPr lang="pl-PL" dirty="0"/>
-              <a:t> </a:t>
-            </a:r>
-            <a:r>
-              <a:rPr lang="pl-PL" dirty="0" err="1"/>
-              <a:t>VSCode</a:t>
-            </a:r>
-            <a:r>
-              <a:rPr lang="pl-PL" dirty="0"/>
-              <a:t> </a:t>
-            </a:r>
-            <a:r>
-              <a:rPr lang="pl-PL" dirty="0" err="1"/>
-              <a:t>extensions</a:t>
-            </a:r>
-            <a:r>
-              <a:rPr lang="pl-PL" dirty="0"/>
-              <a:t> for </a:t>
-            </a:r>
-            <a:r>
-              <a:rPr lang="pl-PL" dirty="0" err="1"/>
-              <a:t>Python</a:t>
-            </a:r>
-            <a:endParaRPr lang="pl-PL" dirty="0"/>
-          </a:p>
-          <a:p>
-            <a:pPr marL="514350" indent="-514350">
-              <a:buFont typeface="+mj-lt"/>
-              <a:buAutoNum type="arabicPeriod"/>
-            </a:pPr>
-            <a:r>
               <a:rPr lang="en-US" dirty="0"/>
-              <a:t>Check the installed tools</a:t>
-            </a:r>
-          </a:p>
-          <a:p>
-            <a:pPr marL="457200" lvl="1" indent="0">
-              <a:buNone/>
-            </a:pPr>
-            <a:r>
-              <a:rPr lang="pl-PL" dirty="0" err="1"/>
-              <a:t>Execute</a:t>
-            </a:r>
-            <a:r>
-              <a:rPr lang="pl-PL" dirty="0"/>
-              <a:t> </a:t>
-            </a:r>
-            <a:r>
-              <a:rPr lang="pl-PL" dirty="0" err="1"/>
-              <a:t>command</a:t>
-            </a:r>
-            <a:r>
-              <a:rPr lang="pl-PL" dirty="0"/>
-              <a:t> </a:t>
-            </a:r>
-            <a:r>
-              <a:rPr lang="pl-PL" b="1" dirty="0" err="1"/>
-              <a:t>print</a:t>
-            </a:r>
-            <a:r>
-              <a:rPr lang="pl-PL" b="1" dirty="0"/>
-              <a:t>("Hello World")</a:t>
-            </a:r>
-            <a:r>
+              <a:t>Sign up for the course</a:t>
+            </a:r>
+            <a:br>
               <a:rPr lang="en-US" dirty="0"/>
-              <a:t> </a:t>
-            </a:r>
-            <a:r>
-              <a:rPr lang="pl-PL" dirty="0" err="1"/>
-              <a:t>using</a:t>
-            </a:r>
-            <a:r>
-              <a:rPr lang="pl-PL" dirty="0"/>
-              <a:t> </a:t>
-            </a:r>
-            <a:r>
-              <a:rPr lang="pl-PL" dirty="0" err="1"/>
-              <a:t>each</a:t>
-            </a:r>
-            <a:r>
-              <a:rPr lang="pl-PL" dirty="0"/>
-              <a:t> of the </a:t>
-            </a:r>
-            <a:r>
-              <a:rPr lang="pl-PL" dirty="0" err="1"/>
-              <a:t>following</a:t>
-            </a:r>
-            <a:r>
-              <a:rPr lang="pl-PL" dirty="0"/>
-              <a:t>:</a:t>
-            </a:r>
-          </a:p>
-          <a:p>
-            <a:pPr marL="457200" lvl="1" indent="0">
-              <a:buNone/>
-            </a:pPr>
-            <a:r>
-              <a:rPr lang="pl-PL" dirty="0"/>
-              <a:t>a/ terminal </a:t>
-            </a:r>
-            <a:r>
-              <a:rPr lang="pl-PL" dirty="0" err="1"/>
-              <a:t>window</a:t>
-            </a:r>
-            <a:r>
-              <a:rPr lang="pl-PL" dirty="0"/>
-              <a:t> (</a:t>
-            </a:r>
-            <a:r>
-              <a:rPr lang="pl-PL" dirty="0" err="1"/>
-              <a:t>interactive</a:t>
-            </a:r>
-            <a:r>
-              <a:rPr lang="pl-PL" dirty="0"/>
-              <a:t> </a:t>
-            </a:r>
-            <a:r>
-              <a:rPr lang="pl-PL" dirty="0" err="1"/>
-              <a:t>mode</a:t>
-            </a:r>
-            <a:r>
-              <a:rPr lang="pl-PL" dirty="0"/>
-              <a:t>)</a:t>
-            </a:r>
-          </a:p>
-          <a:p>
-            <a:pPr marL="457200" lvl="1" indent="0">
-              <a:buNone/>
-            </a:pPr>
-            <a:r>
-              <a:rPr lang="pl-PL" dirty="0"/>
-              <a:t>b/ terminal </a:t>
-            </a:r>
-            <a:r>
-              <a:rPr lang="pl-PL" dirty="0" err="1"/>
-              <a:t>window</a:t>
-            </a:r>
-            <a:r>
-              <a:rPr lang="pl-PL" dirty="0"/>
-              <a:t> (run a program </a:t>
-            </a:r>
-            <a:r>
-              <a:rPr lang="pl-PL" dirty="0" err="1"/>
-              <a:t>containing</a:t>
-            </a:r>
-            <a:r>
-              <a:rPr lang="pl-PL" dirty="0"/>
-              <a:t> the </a:t>
-            </a:r>
-            <a:r>
-              <a:rPr lang="pl-PL" dirty="0" err="1"/>
-              <a:t>above</a:t>
-            </a:r>
-            <a:r>
-              <a:rPr lang="pl-PL" dirty="0"/>
-              <a:t> </a:t>
-            </a:r>
-            <a:r>
-              <a:rPr lang="pl-PL" dirty="0" err="1"/>
-              <a:t>command</a:t>
-            </a:r>
-            <a:r>
-              <a:rPr lang="pl-PL" dirty="0"/>
-              <a:t>)</a:t>
-            </a:r>
-          </a:p>
-          <a:p>
-            <a:pPr marL="457200" lvl="1" indent="0">
-              <a:buNone/>
-            </a:pPr>
-            <a:r>
-              <a:rPr lang="pl-PL" dirty="0"/>
-              <a:t>b/ </a:t>
-            </a:r>
-            <a:r>
-              <a:rPr lang="pl-PL" dirty="0" err="1"/>
-              <a:t>VSCode</a:t>
-            </a:r>
-            <a:r>
-              <a:rPr lang="pl-PL" dirty="0"/>
-              <a:t> (</a:t>
-            </a:r>
-            <a:r>
-              <a:rPr lang="pl-PL" dirty="0" err="1"/>
-              <a:t>interactive</a:t>
-            </a:r>
-            <a:r>
-              <a:rPr lang="pl-PL" dirty="0"/>
-              <a:t> </a:t>
-            </a:r>
-            <a:r>
-              <a:rPr lang="pl-PL" dirty="0" err="1"/>
-              <a:t>mode</a:t>
-            </a:r>
-            <a:r>
-              <a:rPr lang="pl-PL" dirty="0"/>
-              <a:t>)</a:t>
-            </a:r>
-          </a:p>
-          <a:p>
-            <a:pPr marL="457200" lvl="1" indent="0">
-              <a:buNone/>
-            </a:pPr>
-            <a:r>
-              <a:rPr lang="pl-PL" dirty="0"/>
-              <a:t>c/ </a:t>
-            </a:r>
-            <a:r>
-              <a:rPr lang="pl-PL" dirty="0" err="1"/>
-              <a:t>VSCode</a:t>
-            </a:r>
-            <a:r>
-              <a:rPr lang="pl-PL" dirty="0"/>
-              <a:t> (run a program </a:t>
-            </a:r>
-            <a:r>
-              <a:rPr lang="pl-PL" dirty="0" err="1"/>
-              <a:t>containing</a:t>
-            </a:r>
-            <a:r>
-              <a:rPr lang="pl-PL" dirty="0"/>
-              <a:t> the </a:t>
-            </a:r>
-            <a:r>
-              <a:rPr lang="pl-PL" dirty="0" err="1"/>
-              <a:t>above</a:t>
-            </a:r>
-            <a:r>
-              <a:rPr lang="pl-PL" dirty="0"/>
-              <a:t> </a:t>
-            </a:r>
-            <a:r>
-              <a:rPr lang="pl-PL" dirty="0" err="1"/>
-              <a:t>command</a:t>
-            </a:r>
-            <a:r>
-              <a:rPr lang="pl-PL" dirty="0"/>
-              <a:t>)</a:t>
-            </a:r>
-            <a:endParaRPr lang="en-US" dirty="0"/>
+            </a:br>
+            <a:r>
+              <a:rPr lang="en-US" dirty="0"/>
+              <a:t>As the access key, </a:t>
+            </a:r>
+            <a:r>
+              <a:rPr lang="en-US" dirty="0">
+                <a:solidFill>
+                  <a:srgbClr val="00B0F0"/>
+                </a:solidFill>
+              </a:rPr>
+              <a:t>use your full group number </a:t>
+            </a:r>
+            <a:r>
+              <a:rPr lang="en-US" dirty="0"/>
+              <a:t>(from University Schedule)</a:t>
+            </a:r>
           </a:p>
         </p:txBody>
       </p:sp>
@@ -6237,7 +6687,7 @@
           <p:cNvPr id="3" name="Symbol zastępczy numeru slajdu 2">
             <a:extLst>
               <a:ext uri="{FF2B5EF4-FFF2-40B4-BE49-F238E27FC236}">
-                <a16:creationId xmlns:a16="http://schemas.microsoft.com/office/drawing/2014/main" id="{63139DD0-2ED4-4B6B-96D2-628E9730447C}"/>
+                <a16:creationId xmlns:a16="http://schemas.microsoft.com/office/drawing/2014/main" id="{A70B44C6-5C3F-0145-376A-1D3B45408D1E}"/>
               </a:ext>
             </a:extLst>
           </p:cNvPr>
@@ -6254,10 +6704,10 @@
           <a:lstStyle/>
           <a:p>
             <a:fld id="{254C963F-D690-449C-B336-8B464EE7B8DB}" type="slidenum">
-              <a:rPr lang="en-US" smtClean="0"/>
+              <a:rPr lang="pl-PL" smtClean="0"/>
               <a:t>14</a:t>
             </a:fld>
-            <a:endParaRPr lang="en-US"/>
+            <a:endParaRPr lang="pl-PL" dirty="0"/>
           </a:p>
         </p:txBody>
       </p:sp>
@@ -6266,7 +6716,7 @@
           <p:cNvPr id="4" name="Tytuł 3">
             <a:extLst>
               <a:ext uri="{FF2B5EF4-FFF2-40B4-BE49-F238E27FC236}">
-                <a16:creationId xmlns:a16="http://schemas.microsoft.com/office/drawing/2014/main" id="{AD93F6C5-1E5E-44B6-A24C-C799E344B5DC}"/>
+                <a16:creationId xmlns:a16="http://schemas.microsoft.com/office/drawing/2014/main" id="{3E295D64-ECD7-4481-0A0D-7A4B9E5090FF}"/>
               </a:ext>
             </a:extLst>
           </p:cNvPr>
@@ -6283,21 +6733,16 @@
           <a:lstStyle/>
           <a:p>
             <a:r>
-              <a:rPr lang="pl-PL" dirty="0" err="1"/>
-              <a:t>Install</a:t>
-            </a:r>
-            <a:r>
-              <a:rPr lang="pl-PL" dirty="0"/>
-              <a:t> Tools</a:t>
-            </a:r>
-            <a:endParaRPr lang="en-US" dirty="0"/>
+              <a:rPr lang="en-US" dirty="0"/>
+              <a:t>Sign up for Course on Moodle</a:t>
+            </a:r>
           </a:p>
         </p:txBody>
       </p:sp>
     </p:spTree>
     <p:extLst>
       <p:ext uri="{BB962C8B-B14F-4D97-AF65-F5344CB8AC3E}">
-        <p14:creationId xmlns:p14="http://schemas.microsoft.com/office/powerpoint/2010/main" val="3316329553"/>
+        <p14:creationId xmlns:p14="http://schemas.microsoft.com/office/powerpoint/2010/main" val="1144236073"/>
       </p:ext>
     </p:extLst>
   </p:cSld>
@@ -6329,7 +6774,7 @@
           <p:cNvPr id="2" name="Symbol zastępczy zawartości 1">
             <a:extLst>
               <a:ext uri="{FF2B5EF4-FFF2-40B4-BE49-F238E27FC236}">
-                <a16:creationId xmlns:a16="http://schemas.microsoft.com/office/drawing/2014/main" id="{417555C3-BA67-4B2C-8143-1205B270C39B}"/>
+                <a16:creationId xmlns:a16="http://schemas.microsoft.com/office/drawing/2014/main" id="{27533B2D-CAC7-E97B-7182-1838AAEFBF00}"/>
               </a:ext>
             </a:extLst>
           </p:cNvPr>
@@ -6343,96 +6788,80 @@
         <p:spPr/>
         <p:txBody>
           <a:bodyPr>
-            <a:normAutofit lnSpcReduction="10000"/>
+            <a:normAutofit/>
           </a:bodyPr>
           <a:lstStyle/>
           <a:p>
-            <a:pPr marL="342900" indent="-342900"/>
+            <a:pPr marL="514350" indent="-514350">
+              <a:buFont typeface="+mj-lt"/>
+              <a:buAutoNum type="arabicPeriod"/>
+            </a:pPr>
             <a:r>
               <a:rPr lang="en-US" dirty="0"/>
-              <a:t>Git &amp; GitHub Crash Course For Beginners</a:t>
-            </a:r>
-            <a:endParaRPr lang="pl-PL" dirty="0"/>
-          </a:p>
-          <a:p>
-            <a:pPr lvl="1" indent="0">
-              <a:buNone/>
+              <a:t>Go to the </a:t>
+            </a:r>
+            <a:r>
+              <a:rPr lang="en-US" dirty="0" err="1"/>
+              <a:t>Github</a:t>
+            </a:r>
+            <a:r>
+              <a:rPr lang="en-US" dirty="0"/>
+              <a:t> service</a:t>
+            </a:r>
+            <a:br>
+              <a:rPr lang="en-US" dirty="0"/>
+            </a:br>
+            <a:r>
+              <a:rPr lang="en-US" dirty="0">
+                <a:solidFill>
+                  <a:srgbClr val="00B0F0"/>
+                </a:solidFill>
+              </a:rPr>
+              <a:t>https://github.com</a:t>
+            </a:r>
+          </a:p>
+          <a:p>
+            <a:pPr marL="514350" indent="-514350">
+              <a:buFont typeface="+mj-lt"/>
+              <a:buAutoNum type="arabicPeriod"/>
             </a:pPr>
             <a:r>
-              <a:rPr lang="en-US" dirty="0">
-                <a:hlinkClick r:id="rId2"/>
-              </a:rPr>
-              <a:t>https://www.youtube.com/watch?v=SWYqp7iY_Tc</a:t>
-            </a:r>
-            <a:r>
               <a:rPr lang="en-US" dirty="0"/>
-              <a:t> </a:t>
-            </a:r>
-            <a:endParaRPr lang="pl-PL" dirty="0"/>
-          </a:p>
-          <a:p>
-            <a:pPr marL="342900" indent="-342900"/>
+              <a:t>Create an account or use your private account</a:t>
+            </a:r>
+          </a:p>
+          <a:p>
+            <a:pPr marL="514350" indent="-514350">
+              <a:buFont typeface="+mj-lt"/>
+              <a:buAutoNum type="arabicPeriod"/>
+            </a:pPr>
             <a:r>
               <a:rPr lang="en-US" dirty="0"/>
-              <a:t>GIT Cheat Sheet</a:t>
-            </a:r>
-            <a:endParaRPr lang="pl-PL" dirty="0"/>
-          </a:p>
-          <a:p>
-            <a:pPr lvl="1" indent="0">
-              <a:buNone/>
-            </a:pPr>
-            <a:r>
-              <a:rPr lang="en-US" dirty="0">
-                <a:hlinkClick r:id="rId3"/>
-              </a:rPr>
-              <a:t>http://rogerdudler.github.io/git-guide/index.html</a:t>
-            </a:r>
-            <a:endParaRPr lang="pl-PL" dirty="0"/>
-          </a:p>
-          <a:p>
-            <a:pPr marL="342900" indent="-342900"/>
+              <a:t>In </a:t>
+            </a:r>
+            <a:r>
+              <a:rPr lang="en-US" dirty="0" err="1"/>
+              <a:t>Github</a:t>
+            </a:r>
             <a:r>
               <a:rPr lang="en-US" dirty="0"/>
-              <a:t>GIT manual</a:t>
-            </a:r>
-            <a:endParaRPr lang="pl-PL" dirty="0"/>
-          </a:p>
-          <a:p>
-            <a:pPr lvl="1" indent="0">
-              <a:buNone/>
-            </a:pPr>
-            <a:r>
-              <a:rPr lang="en-US" dirty="0">
-                <a:hlinkClick r:id="rId4"/>
-              </a:rPr>
-              <a:t>https://git-scm.com/book/en/v2</a:t>
+              <a:t> Settings enter your </a:t>
+            </a:r>
+            <a:r>
+              <a:rPr lang="pl-PL" dirty="0"/>
+              <a:t>real </a:t>
             </a:r>
             <a:r>
               <a:rPr lang="en-US" dirty="0"/>
-              <a:t> </a:t>
-            </a:r>
-            <a:endParaRPr lang="pl-PL" dirty="0"/>
-          </a:p>
-          <a:p>
-            <a:pPr marL="342900" indent="-342900"/>
-            <a:r>
+              <a:t>full name</a:t>
+            </a:r>
+            <a:br>
               <a:rPr lang="en-US" dirty="0"/>
-              <a:t>GIT course (in Polish)</a:t>
-            </a:r>
-            <a:endParaRPr lang="pl-PL" dirty="0"/>
-          </a:p>
-          <a:p>
-            <a:pPr lvl="1" indent="0">
-              <a:buNone/>
-            </a:pPr>
-            <a:r>
-              <a:rPr lang="en-US" dirty="0">
-                <a:hlinkClick r:id="rId5"/>
-              </a:rPr>
-              <a:t>https://www.youtube.com/playlist?list=PLjHmWifVUNMKIGHmaGPVqSD-L6i1Zw-MH</a:t>
-            </a:r>
-            <a:endParaRPr lang="pl-PL" dirty="0"/>
+            </a:br>
+            <a:r>
+              <a:rPr lang="en-US" dirty="0"/>
+              <a:t>(first and last name)</a:t>
+            </a:r>
           </a:p>
         </p:txBody>
       </p:sp>
@@ -6441,7 +6870,7 @@
           <p:cNvPr id="3" name="Symbol zastępczy numeru slajdu 2">
             <a:extLst>
               <a:ext uri="{FF2B5EF4-FFF2-40B4-BE49-F238E27FC236}">
-                <a16:creationId xmlns:a16="http://schemas.microsoft.com/office/drawing/2014/main" id="{63139DD0-2ED4-4B6B-96D2-628E9730447C}"/>
+                <a16:creationId xmlns:a16="http://schemas.microsoft.com/office/drawing/2014/main" id="{B6E3FAFF-A353-DA4D-B1E1-D592F18226CC}"/>
               </a:ext>
             </a:extLst>
           </p:cNvPr>
@@ -6458,10 +6887,10 @@
           <a:lstStyle/>
           <a:p>
             <a:fld id="{254C963F-D690-449C-B336-8B464EE7B8DB}" type="slidenum">
-              <a:rPr lang="en-US" smtClean="0"/>
+              <a:rPr lang="pl-PL" smtClean="0"/>
               <a:t>15</a:t>
             </a:fld>
-            <a:endParaRPr lang="en-US"/>
+            <a:endParaRPr lang="pl-PL" dirty="0"/>
           </a:p>
         </p:txBody>
       </p:sp>
@@ -6470,7 +6899,7 @@
           <p:cNvPr id="4" name="Tytuł 3">
             <a:extLst>
               <a:ext uri="{FF2B5EF4-FFF2-40B4-BE49-F238E27FC236}">
-                <a16:creationId xmlns:a16="http://schemas.microsoft.com/office/drawing/2014/main" id="{AD93F6C5-1E5E-44B6-A24C-C799E344B5DC}"/>
+                <a16:creationId xmlns:a16="http://schemas.microsoft.com/office/drawing/2014/main" id="{5DD48AC1-5D6A-17F7-07D1-9AE9BB0E45AE}"/>
               </a:ext>
             </a:extLst>
           </p:cNvPr>
@@ -6487,12 +6916,12 @@
           <a:lstStyle/>
           <a:p>
             <a:r>
-              <a:rPr lang="pl-PL" dirty="0" err="1"/>
-              <a:t>Familiarise</a:t>
-            </a:r>
-            <a:r>
-              <a:rPr lang="pl-PL" dirty="0"/>
-              <a:t> with GIT</a:t>
+              <a:rPr lang="en-US" dirty="0"/>
+              <a:t>Create Account on </a:t>
+            </a:r>
+            <a:r>
+              <a:rPr lang="en-US" dirty="0" err="1"/>
+              <a:t>Github</a:t>
             </a:r>
             <a:endParaRPr lang="en-US" dirty="0"/>
           </a:p>
@@ -6501,7 +6930,7 @@
     </p:spTree>
     <p:extLst>
       <p:ext uri="{BB962C8B-B14F-4D97-AF65-F5344CB8AC3E}">
-        <p14:creationId xmlns:p14="http://schemas.microsoft.com/office/powerpoint/2010/main" val="30840440"/>
+        <p14:creationId xmlns:p14="http://schemas.microsoft.com/office/powerpoint/2010/main" val="2533284800"/>
       </p:ext>
     </p:extLst>
   </p:cSld>
@@ -6533,7 +6962,7 @@
           <p:cNvPr id="2" name="Symbol zastępczy zawartości 1">
             <a:extLst>
               <a:ext uri="{FF2B5EF4-FFF2-40B4-BE49-F238E27FC236}">
-                <a16:creationId xmlns:a16="http://schemas.microsoft.com/office/drawing/2014/main" id="{F9B3077B-F8DD-C67E-9F11-D4182C72C97A}"/>
+                <a16:creationId xmlns:a16="http://schemas.microsoft.com/office/drawing/2014/main" id="{D53BE413-5EBF-69E5-69B0-2BCC40EBBB43}"/>
               </a:ext>
             </a:extLst>
           </p:cNvPr>
@@ -6554,43 +6983,14 @@
               <a:buAutoNum type="arabicPeriod"/>
             </a:pPr>
             <a:r>
+              <a:rPr lang="pl-PL" dirty="0"/>
+              <a:t>Log in to </a:t>
+            </a:r>
+            <a:r>
               <a:rPr lang="pl-PL" dirty="0" err="1"/>
-              <a:t>Find</a:t>
-            </a:r>
-            <a:r>
-              <a:rPr lang="pl-PL" dirty="0"/>
-              <a:t> out </a:t>
-            </a:r>
-            <a:r>
-              <a:rPr lang="pl-PL" dirty="0" err="1"/>
-              <a:t>how</a:t>
-            </a:r>
-            <a:r>
-              <a:rPr lang="pl-PL" dirty="0"/>
-              <a:t> to </a:t>
-            </a:r>
-            <a:r>
-              <a:rPr lang="pl-PL" dirty="0" err="1"/>
-              <a:t>use</a:t>
-            </a:r>
-            <a:r>
-              <a:rPr lang="pl-PL" dirty="0"/>
-              <a:t> the </a:t>
-            </a:r>
-            <a:r>
-              <a:rPr lang="pl-PL" dirty="0" err="1"/>
-              <a:t>command</a:t>
+              <a:t>Github</a:t>
             </a:r>
             <a:endParaRPr lang="pl-PL" dirty="0"/>
-          </a:p>
-          <a:p>
-            <a:pPr lvl="1" indent="0">
-              <a:buNone/>
-            </a:pPr>
-            <a:r>
-              <a:rPr lang="pl-PL" dirty="0"/>
-              <a:t>git clone</a:t>
-            </a:r>
           </a:p>
           <a:p>
             <a:pPr marL="514350" indent="-514350">
@@ -6598,14 +6998,56 @@
               <a:buAutoNum type="arabicPeriod"/>
             </a:pPr>
             <a:r>
-              <a:rPr lang="pl-PL" dirty="0"/>
-              <a:t>Open terminal </a:t>
-            </a:r>
-            <a:r>
               <a:rPr lang="pl-PL" dirty="0" err="1"/>
-              <a:t>window</a:t>
-            </a:r>
-            <a:endParaRPr lang="pl-PL" dirty="0"/>
+              <a:t>Find</a:t>
+            </a:r>
+            <a:r>
+              <a:rPr lang="pl-PL" dirty="0"/>
+              <a:t> the </a:t>
+            </a:r>
+            <a:r>
+              <a:rPr lang="pl-PL" dirty="0" err="1"/>
+              <a:t>course</a:t>
+            </a:r>
+            <a:r>
+              <a:rPr lang="pl-PL" dirty="0"/>
+              <a:t> materials (</a:t>
+            </a:r>
+            <a:r>
+              <a:rPr lang="pl-PL" dirty="0" err="1"/>
+              <a:t>github</a:t>
+            </a:r>
+            <a:r>
+              <a:rPr lang="pl-PL" dirty="0"/>
+              <a:t> </a:t>
+            </a:r>
+            <a:r>
+              <a:rPr lang="pl-PL" dirty="0" err="1"/>
+              <a:t>repository</a:t>
+            </a:r>
+            <a:r>
+              <a:rPr lang="pl-PL" dirty="0"/>
+              <a:t>)</a:t>
+            </a:r>
+            <a:br>
+              <a:rPr lang="pl-PL" dirty="0"/>
+            </a:br>
+            <a:r>
+              <a:rPr lang="pl-PL" dirty="0" err="1">
+                <a:solidFill>
+                  <a:srgbClr val="00B0F0"/>
+                </a:solidFill>
+              </a:rPr>
+              <a:t>stalj</a:t>
+            </a:r>
+            <a:r>
+              <a:rPr lang="pl-PL" dirty="0">
+                <a:solidFill>
+                  <a:srgbClr val="00B0F0"/>
+                </a:solidFill>
+              </a:rPr>
+              <a:t>/pp1</a:t>
+            </a:r>
           </a:p>
           <a:p>
             <a:pPr marL="514350" indent="-514350">
@@ -6613,24 +7055,12 @@
               <a:buAutoNum type="arabicPeriod"/>
             </a:pPr>
             <a:r>
-              <a:rPr lang="pl-PL" dirty="0"/>
-              <a:t>Clone </a:t>
-            </a:r>
-            <a:r>
               <a:rPr lang="pl-PL" dirty="0" err="1"/>
-              <a:t>your</a:t>
-            </a:r>
-            <a:r>
-              <a:rPr lang="pl-PL" dirty="0"/>
-              <a:t> </a:t>
-            </a:r>
-            <a:r>
-              <a:rPr lang="pl-PL" dirty="0" err="1"/>
-              <a:t>own</a:t>
-            </a:r>
-            <a:r>
-              <a:rPr lang="pl-PL" dirty="0"/>
-              <a:t> </a:t>
+              <a:t>Fork</a:t>
+            </a:r>
+            <a:r>
+              <a:rPr lang="pl-PL" dirty="0"/>
+              <a:t> (</a:t>
             </a:r>
             <a:r>
               <a:rPr lang="pl-PL" dirty="0" err="1"/>
@@ -6638,15 +7068,7 @@
             </a:r>
             <a:r>
               <a:rPr lang="pl-PL" dirty="0"/>
-              <a:t> of the </a:t>
-            </a:r>
-            <a:r>
-              <a:rPr lang="pl-PL" dirty="0" err="1"/>
-              <a:t>course</a:t>
-            </a:r>
-            <a:r>
-              <a:rPr lang="pl-PL" dirty="0"/>
-              <a:t> </a:t>
+              <a:t>) the </a:t>
             </a:r>
             <a:r>
               <a:rPr lang="pl-PL" dirty="0" err="1"/>
@@ -6659,16 +7081,62 @@
               <a:buFont typeface="+mj-lt"/>
               <a:buAutoNum type="arabicPeriod"/>
             </a:pPr>
-            <a:endParaRPr lang="pl-PL" dirty="0"/>
-          </a:p>
-          <a:p>
-            <a:pPr marL="514350" indent="-514350">
-              <a:buFont typeface="+mj-lt"/>
-              <a:buAutoNum type="arabicPeriod"/>
-            </a:pPr>
-            <a:endParaRPr lang="pl-PL" dirty="0"/>
-          </a:p>
-          <a:p>
+            <a:r>
+              <a:rPr lang="pl-PL" dirty="0"/>
+              <a:t>M</a:t>
+            </a:r>
+            <a:r>
+              <a:rPr lang="en-US" dirty="0" err="1"/>
+              <a:t>ake</a:t>
+            </a:r>
+            <a:r>
+              <a:rPr lang="en-US" dirty="0"/>
+              <a:t> sure you have your own </a:t>
+            </a:r>
+            <a:r>
+              <a:rPr lang="pl-PL" dirty="0" err="1"/>
+              <a:t>private</a:t>
+            </a:r>
+            <a:r>
+              <a:rPr lang="pl-PL" dirty="0"/>
+              <a:t> </a:t>
+            </a:r>
+            <a:r>
+              <a:rPr lang="en-US" dirty="0"/>
+              <a:t>copy of the course</a:t>
+            </a:r>
+            <a:r>
+              <a:rPr lang="pl-PL" dirty="0"/>
+              <a:t> </a:t>
+            </a:r>
+            <a:r>
+              <a:rPr lang="en-US" dirty="0"/>
+              <a:t>materials</a:t>
+            </a:r>
+            <a:r>
+              <a:rPr lang="pl-PL" dirty="0"/>
+              <a:t> on </a:t>
+            </a:r>
+            <a:r>
+              <a:rPr lang="pl-PL" dirty="0" err="1"/>
+              <a:t>your</a:t>
+            </a:r>
+            <a:r>
+              <a:rPr lang="pl-PL" dirty="0"/>
+              <a:t> </a:t>
+            </a:r>
+            <a:r>
+              <a:rPr lang="pl-PL" dirty="0" err="1"/>
+              <a:t>account</a:t>
+            </a:r>
+            <a:r>
+              <a:rPr lang="pl-PL" dirty="0"/>
+              <a:t> on </a:t>
+            </a:r>
+            <a:r>
+              <a:rPr lang="pl-PL" dirty="0" err="1"/>
+              <a:t>Github</a:t>
+            </a:r>
             <a:endParaRPr lang="pl-PL" dirty="0"/>
           </a:p>
         </p:txBody>
@@ -6678,7 +7146,7 @@
           <p:cNvPr id="3" name="Symbol zastępczy numeru slajdu 2">
             <a:extLst>
               <a:ext uri="{FF2B5EF4-FFF2-40B4-BE49-F238E27FC236}">
-                <a16:creationId xmlns:a16="http://schemas.microsoft.com/office/drawing/2014/main" id="{E04374CA-767F-9FAA-246B-BC2D212D8B7D}"/>
+                <a16:creationId xmlns:a16="http://schemas.microsoft.com/office/drawing/2014/main" id="{B1A3D5F1-734F-8A9B-C47C-6D76864C1389}"/>
               </a:ext>
             </a:extLst>
           </p:cNvPr>
@@ -6707,7 +7175,7 @@
           <p:cNvPr id="4" name="Tytuł 3">
             <a:extLst>
               <a:ext uri="{FF2B5EF4-FFF2-40B4-BE49-F238E27FC236}">
-                <a16:creationId xmlns:a16="http://schemas.microsoft.com/office/drawing/2014/main" id="{B33793D8-279A-E713-D0D8-3D969606C585}"/>
+                <a16:creationId xmlns:a16="http://schemas.microsoft.com/office/drawing/2014/main" id="{B790DEAE-7768-9BCE-6188-0F4D4EAA6B5E}"/>
               </a:ext>
             </a:extLst>
           </p:cNvPr>
@@ -6724,45 +7192,24 @@
           <a:lstStyle/>
           <a:p>
             <a:r>
-              <a:rPr lang="pl-PL" dirty="0"/>
-              <a:t>Clone </a:t>
-            </a:r>
-            <a:r>
-              <a:rPr lang="pl-PL" dirty="0" err="1"/>
-              <a:t>Your</a:t>
+              <a:rPr lang="en-US" dirty="0"/>
+              <a:t>Make</a:t>
             </a:r>
             <a:r>
               <a:rPr lang="pl-PL" dirty="0"/>
               <a:t> </a:t>
             </a:r>
             <a:r>
-              <a:rPr lang="pl-PL" dirty="0" err="1"/>
-              <a:t>Own</a:t>
-            </a:r>
-            <a:r>
-              <a:rPr lang="pl-PL" dirty="0"/>
-              <a:t> </a:t>
-            </a:r>
-            <a:r>
-              <a:rPr lang="pl-PL" dirty="0" err="1"/>
-              <a:t>Copy</a:t>
-            </a:r>
-            <a:r>
-              <a:rPr lang="pl-PL" dirty="0"/>
-              <a:t> of Course </a:t>
-            </a:r>
-            <a:r>
-              <a:rPr lang="pl-PL" dirty="0" err="1"/>
-              <a:t>Repository</a:t>
-            </a:r>
-            <a:endParaRPr lang="pl-PL" dirty="0"/>
+              <a:rPr lang="en-US" dirty="0"/>
+              <a:t>Copy of Class Materials</a:t>
+            </a:r>
           </a:p>
         </p:txBody>
       </p:sp>
     </p:spTree>
     <p:extLst>
       <p:ext uri="{BB962C8B-B14F-4D97-AF65-F5344CB8AC3E}">
-        <p14:creationId xmlns:p14="http://schemas.microsoft.com/office/powerpoint/2010/main" val="2525688714"/>
+        <p14:creationId xmlns:p14="http://schemas.microsoft.com/office/powerpoint/2010/main" val="1234291028"/>
       </p:ext>
     </p:extLst>
   </p:cSld>
@@ -6791,10 +7238,10 @@
       </p:grpSpPr>
       <p:sp>
         <p:nvSpPr>
-          <p:cNvPr id="2" name="Symbol zastępczy zawartości 1">
+          <p:cNvPr id="2" name="Tytuł 1">
             <a:extLst>
               <a:ext uri="{FF2B5EF4-FFF2-40B4-BE49-F238E27FC236}">
-                <a16:creationId xmlns:a16="http://schemas.microsoft.com/office/drawing/2014/main" id="{D07FD286-7282-4729-D6A4-8A6BEBE83A20}"/>
+                <a16:creationId xmlns:a16="http://schemas.microsoft.com/office/drawing/2014/main" id="{4FA82766-5AC7-26AF-F9A7-76097122BE8D}"/>
               </a:ext>
             </a:extLst>
           </p:cNvPr>
@@ -6802,7 +7249,7 @@
             <a:spLocks noGrp="1"/>
           </p:cNvSpPr>
           <p:nvPr>
-            <p:ph idx="1"/>
+            <p:ph type="title"/>
           </p:nvPr>
         </p:nvSpPr>
         <p:spPr/>
@@ -6810,238 +7257,47 @@
           <a:bodyPr/>
           <a:lstStyle/>
           <a:p>
-            <a:pPr marL="514350" indent="-514350">
-              <a:buFont typeface="+mj-lt"/>
-              <a:buAutoNum type="arabicPeriod"/>
-            </a:pPr>
-            <a:r>
-              <a:rPr lang="pl-PL" dirty="0"/>
-              <a:t>On </a:t>
-            </a:r>
-            <a:r>
-              <a:rPr lang="pl-PL" dirty="0" err="1"/>
-              <a:t>your</a:t>
-            </a:r>
-            <a:r>
-              <a:rPr lang="pl-PL" dirty="0"/>
-              <a:t> </a:t>
-            </a:r>
-            <a:r>
-              <a:rPr lang="pl-PL" dirty="0" err="1"/>
-              <a:t>personal</a:t>
-            </a:r>
-            <a:r>
-              <a:rPr lang="pl-PL" dirty="0"/>
-              <a:t> </a:t>
-            </a:r>
-            <a:r>
-              <a:rPr lang="pl-PL" dirty="0" err="1"/>
-              <a:t>computer</a:t>
-            </a:r>
-            <a:r>
-              <a:rPr lang="pl-PL" dirty="0"/>
-              <a:t>, in the 01-CourseIntroduction folder, </a:t>
-            </a:r>
-            <a:r>
-              <a:rPr lang="pl-PL" dirty="0" err="1"/>
-              <a:t>create</a:t>
-            </a:r>
-            <a:r>
-              <a:rPr lang="pl-PL" dirty="0"/>
-              <a:t> </a:t>
-            </a:r>
-            <a:r>
-              <a:rPr lang="pl-PL" dirty="0" err="1"/>
-              <a:t>an</a:t>
-            </a:r>
-            <a:r>
-              <a:rPr lang="pl-PL" dirty="0"/>
-              <a:t> </a:t>
-            </a:r>
-            <a:r>
-              <a:rPr lang="pl-PL" dirty="0" err="1"/>
-              <a:t>empty</a:t>
-            </a:r>
-            <a:r>
-              <a:rPr lang="pl-PL" dirty="0"/>
-              <a:t> </a:t>
-            </a:r>
-            <a:r>
-              <a:rPr lang="pl-PL" dirty="0" err="1"/>
-              <a:t>text</a:t>
-            </a:r>
-            <a:r>
-              <a:rPr lang="pl-PL" dirty="0"/>
-              <a:t> file</a:t>
-            </a:r>
-          </a:p>
-          <a:p>
-            <a:pPr lvl="1" indent="0">
-              <a:buNone/>
-            </a:pPr>
-            <a:r>
-              <a:rPr lang="pl-PL" dirty="0"/>
-              <a:t>test.txt</a:t>
-            </a:r>
-          </a:p>
-          <a:p>
-            <a:pPr marL="514350" indent="-514350">
-              <a:buFont typeface="+mj-lt"/>
-              <a:buAutoNum type="arabicPeriod"/>
-            </a:pPr>
-            <a:r>
-              <a:rPr lang="pl-PL" dirty="0"/>
-              <a:t>Using git </a:t>
-            </a:r>
-            <a:r>
-              <a:rPr lang="pl-PL" dirty="0" err="1"/>
-              <a:t>commands</a:t>
-            </a:r>
-            <a:r>
-              <a:rPr lang="pl-PL" dirty="0"/>
-              <a:t> (git </a:t>
-            </a:r>
-            <a:r>
-              <a:rPr lang="pl-PL" dirty="0" err="1"/>
-              <a:t>add</a:t>
-            </a:r>
-            <a:r>
-              <a:rPr lang="pl-PL" dirty="0"/>
-              <a:t>, git </a:t>
-            </a:r>
-            <a:r>
-              <a:rPr lang="pl-PL" dirty="0" err="1"/>
-              <a:t>commit</a:t>
-            </a:r>
-            <a:r>
-              <a:rPr lang="pl-PL" dirty="0"/>
-              <a:t>, git </a:t>
-            </a:r>
-            <a:r>
-              <a:rPr lang="pl-PL" dirty="0" err="1"/>
-              <a:t>push</a:t>
-            </a:r>
-            <a:r>
-              <a:rPr lang="pl-PL" dirty="0"/>
-              <a:t>), update </a:t>
-            </a:r>
-            <a:r>
-              <a:rPr lang="pl-PL" dirty="0" err="1"/>
-              <a:t>remote</a:t>
-            </a:r>
-            <a:r>
-              <a:rPr lang="pl-PL" dirty="0"/>
-              <a:t> </a:t>
-            </a:r>
-            <a:r>
-              <a:rPr lang="pl-PL" dirty="0" err="1"/>
-              <a:t>repository</a:t>
-            </a:r>
-            <a:r>
-              <a:rPr lang="pl-PL" dirty="0"/>
-              <a:t> on </a:t>
-            </a:r>
-            <a:r>
-              <a:rPr lang="pl-PL" dirty="0" err="1"/>
-              <a:t>Github</a:t>
-            </a:r>
-            <a:endParaRPr lang="pl-PL" dirty="0"/>
-          </a:p>
-          <a:p>
-            <a:pPr marL="514350" indent="-514350">
-              <a:buFont typeface="+mj-lt"/>
-              <a:buAutoNum type="arabicPeriod"/>
-            </a:pPr>
-            <a:r>
-              <a:rPr lang="pl-PL" dirty="0"/>
-              <a:t>Using web </a:t>
-            </a:r>
-            <a:r>
-              <a:rPr lang="pl-PL" dirty="0" err="1"/>
-              <a:t>browser</a:t>
-            </a:r>
-            <a:r>
-              <a:rPr lang="pl-PL" dirty="0"/>
-              <a:t>, </a:t>
-            </a:r>
-            <a:r>
-              <a:rPr lang="pl-PL" dirty="0" err="1"/>
-              <a:t>check</a:t>
-            </a:r>
-            <a:r>
-              <a:rPr lang="pl-PL" dirty="0"/>
-              <a:t> </a:t>
-            </a:r>
-            <a:r>
-              <a:rPr lang="pl-PL" dirty="0" err="1"/>
-              <a:t>if</a:t>
-            </a:r>
-            <a:r>
-              <a:rPr lang="pl-PL" dirty="0"/>
-              <a:t> the test.txt file </a:t>
-            </a:r>
-            <a:r>
-              <a:rPr lang="pl-PL" dirty="0" err="1"/>
-              <a:t>exist</a:t>
-            </a:r>
-            <a:r>
-              <a:rPr lang="pl-PL" dirty="0"/>
-              <a:t> on </a:t>
-            </a:r>
-            <a:r>
-              <a:rPr lang="pl-PL" dirty="0" err="1"/>
-              <a:t>Github</a:t>
-            </a:r>
-            <a:r>
-              <a:rPr lang="pl-PL" dirty="0"/>
-              <a:t> in </a:t>
-            </a:r>
-            <a:r>
-              <a:rPr lang="pl-PL" dirty="0" err="1"/>
-              <a:t>your</a:t>
-            </a:r>
-            <a:r>
-              <a:rPr lang="pl-PL" dirty="0"/>
-              <a:t> </a:t>
-            </a:r>
-            <a:r>
-              <a:rPr lang="pl-PL" dirty="0" err="1"/>
-              <a:t>own</a:t>
-            </a:r>
-            <a:r>
-              <a:rPr lang="pl-PL" dirty="0"/>
-              <a:t> </a:t>
-            </a:r>
-            <a:r>
-              <a:rPr lang="pl-PL" dirty="0" err="1"/>
-              <a:t>copy</a:t>
-            </a:r>
-            <a:r>
-              <a:rPr lang="pl-PL" dirty="0"/>
-              <a:t> of the </a:t>
-            </a:r>
-            <a:r>
-              <a:rPr lang="pl-PL" dirty="0" err="1"/>
-              <a:t>course</a:t>
-            </a:r>
-            <a:r>
-              <a:rPr lang="pl-PL" dirty="0"/>
-              <a:t> </a:t>
-            </a:r>
-            <a:r>
-              <a:rPr lang="pl-PL" dirty="0" err="1"/>
-              <a:t>repo</a:t>
-            </a:r>
-            <a:endParaRPr lang="pl-PL" dirty="0"/>
-          </a:p>
-        </p:txBody>
-      </p:sp>
-      <p:sp>
-        <p:nvSpPr>
-          <p:cNvPr id="3" name="Symbol zastępczy numeru slajdu 2">
+            <a:r>
+              <a:rPr lang="en-US"/>
+              <a:t>Homework</a:t>
+            </a:r>
+          </a:p>
+        </p:txBody>
+      </p:sp>
+      <p:sp>
+        <p:nvSpPr>
+          <p:cNvPr id="3" name="Symbol zastępczy tekstu 2">
             <a:extLst>
               <a:ext uri="{FF2B5EF4-FFF2-40B4-BE49-F238E27FC236}">
-                <a16:creationId xmlns:a16="http://schemas.microsoft.com/office/drawing/2014/main" id="{6CC8C79E-E81D-0CC3-0646-1E98E0A0765D}"/>
+                <a16:creationId xmlns:a16="http://schemas.microsoft.com/office/drawing/2014/main" id="{57DF4AEE-6507-A6EF-BEAB-6DD815C42CC9}"/>
+              </a:ext>
+            </a:extLst>
+          </p:cNvPr>
+          <p:cNvSpPr>
+            <a:spLocks noGrp="1"/>
+          </p:cNvSpPr>
+          <p:nvPr>
+            <p:ph type="body" idx="1"/>
+          </p:nvPr>
+        </p:nvSpPr>
+        <p:spPr/>
+        <p:txBody>
+          <a:bodyPr/>
+          <a:lstStyle/>
+          <a:p>
+            <a:r>
+              <a:rPr lang="pl-PL" dirty="0"/>
+              <a:t>Tools Installation</a:t>
+            </a:r>
+          </a:p>
+        </p:txBody>
+      </p:sp>
+      <p:sp>
+        <p:nvSpPr>
+          <p:cNvPr id="4" name="Symbol zastępczy numeru slajdu 3">
+            <a:extLst>
+              <a:ext uri="{FF2B5EF4-FFF2-40B4-BE49-F238E27FC236}">
+                <a16:creationId xmlns:a16="http://schemas.microsoft.com/office/drawing/2014/main" id="{36883032-481E-868B-97E0-14DDF0F9B46D}"/>
               </a:ext>
             </a:extLst>
           </p:cNvPr>
@@ -7065,47 +7321,10 @@
           </a:p>
         </p:txBody>
       </p:sp>
-      <p:sp>
-        <p:nvSpPr>
-          <p:cNvPr id="4" name="Tytuł 3">
-            <a:extLst>
-              <a:ext uri="{FF2B5EF4-FFF2-40B4-BE49-F238E27FC236}">
-                <a16:creationId xmlns:a16="http://schemas.microsoft.com/office/drawing/2014/main" id="{91C20E4F-1B34-FF24-4FD6-85317F27035A}"/>
-              </a:ext>
-            </a:extLst>
-          </p:cNvPr>
-          <p:cNvSpPr>
-            <a:spLocks noGrp="1"/>
-          </p:cNvSpPr>
-          <p:nvPr>
-            <p:ph type="title"/>
-          </p:nvPr>
-        </p:nvSpPr>
-        <p:spPr/>
-        <p:txBody>
-          <a:bodyPr/>
-          <a:lstStyle/>
-          <a:p>
-            <a:r>
-              <a:rPr lang="pl-PL" dirty="0" err="1"/>
-              <a:t>Work</a:t>
-            </a:r>
-            <a:r>
-              <a:rPr lang="pl-PL" dirty="0"/>
-              <a:t> with </a:t>
-            </a:r>
-            <a:r>
-              <a:rPr lang="pl-PL" dirty="0" err="1"/>
-              <a:t>Repository</a:t>
-            </a:r>
-            <a:endParaRPr lang="pl-PL" dirty="0"/>
-          </a:p>
-        </p:txBody>
-      </p:sp>
     </p:spTree>
     <p:extLst>
       <p:ext uri="{BB962C8B-B14F-4D97-AF65-F5344CB8AC3E}">
-        <p14:creationId xmlns:p14="http://schemas.microsoft.com/office/powerpoint/2010/main" val="1984034775"/>
+        <p14:creationId xmlns:p14="http://schemas.microsoft.com/office/powerpoint/2010/main" val="3984066826"/>
       </p:ext>
     </p:extLst>
   </p:cSld>
@@ -7137,7 +7356,157 @@
           <p:cNvPr id="2" name="Symbol zastępczy zawartości 1">
             <a:extLst>
               <a:ext uri="{FF2B5EF4-FFF2-40B4-BE49-F238E27FC236}">
-                <a16:creationId xmlns:a16="http://schemas.microsoft.com/office/drawing/2014/main" id="{4084A43E-4D64-31D0-65F6-6410FE2619FB}"/>
+                <a16:creationId xmlns:a16="http://schemas.microsoft.com/office/drawing/2014/main" id="{41A4E552-EB96-3118-0DE6-433C62285D7E}"/>
+              </a:ext>
+            </a:extLst>
+          </p:cNvPr>
+          <p:cNvSpPr>
+            <a:spLocks noGrp="1"/>
+          </p:cNvSpPr>
+          <p:nvPr>
+            <p:ph idx="1"/>
+          </p:nvPr>
+        </p:nvSpPr>
+        <p:spPr/>
+        <p:txBody>
+          <a:bodyPr/>
+          <a:lstStyle/>
+          <a:p>
+            <a:pPr algn="ctr"/>
+            <a:endParaRPr lang="pl-PL" dirty="0"/>
+          </a:p>
+          <a:p>
+            <a:pPr algn="ctr"/>
+            <a:r>
+              <a:rPr lang="en-US" sz="4000" dirty="0"/>
+              <a:t>Python Tutorial for Beginners with VS Code</a:t>
+            </a:r>
+            <a:br>
+              <a:rPr lang="pl-PL" dirty="0"/>
+            </a:br>
+            <a:r>
+              <a:rPr lang="pl-PL" dirty="0"/>
+              <a:t>by </a:t>
+            </a:r>
+            <a:r>
+              <a:rPr lang="pl-PL" dirty="0" err="1"/>
+              <a:t>Dave</a:t>
+            </a:r>
+            <a:r>
+              <a:rPr lang="pl-PL" dirty="0"/>
+              <a:t> Gray</a:t>
+            </a:r>
+          </a:p>
+          <a:p>
+            <a:pPr algn="ctr"/>
+            <a:endParaRPr lang="pl-PL" dirty="0"/>
+          </a:p>
+          <a:p>
+            <a:pPr algn="ctr"/>
+            <a:r>
+              <a:rPr lang="pl-PL" dirty="0">
+                <a:solidFill>
+                  <a:srgbClr val="00B0F0"/>
+                </a:solidFill>
+              </a:rPr>
+              <a:t>https://youtu.be/6i3e-j3wSf0</a:t>
+            </a:r>
+          </a:p>
+        </p:txBody>
+      </p:sp>
+      <p:sp>
+        <p:nvSpPr>
+          <p:cNvPr id="3" name="Symbol zastępczy numeru slajdu 2">
+            <a:extLst>
+              <a:ext uri="{FF2B5EF4-FFF2-40B4-BE49-F238E27FC236}">
+                <a16:creationId xmlns:a16="http://schemas.microsoft.com/office/drawing/2014/main" id="{4E6ED0CE-9FFF-3EAA-DF14-D0DDBC91CB04}"/>
+              </a:ext>
+            </a:extLst>
+          </p:cNvPr>
+          <p:cNvSpPr>
+            <a:spLocks noGrp="1"/>
+          </p:cNvSpPr>
+          <p:nvPr>
+            <p:ph type="sldNum" sz="quarter" idx="12"/>
+          </p:nvPr>
+        </p:nvSpPr>
+        <p:spPr/>
+        <p:txBody>
+          <a:bodyPr/>
+          <a:lstStyle/>
+          <a:p>
+            <a:fld id="{254C963F-D690-449C-B336-8B464EE7B8DB}" type="slidenum">
+              <a:rPr lang="pl-PL" smtClean="0"/>
+              <a:t>18</a:t>
+            </a:fld>
+            <a:endParaRPr lang="pl-PL" dirty="0"/>
+          </a:p>
+        </p:txBody>
+      </p:sp>
+      <p:sp>
+        <p:nvSpPr>
+          <p:cNvPr id="4" name="Tytuł 3">
+            <a:extLst>
+              <a:ext uri="{FF2B5EF4-FFF2-40B4-BE49-F238E27FC236}">
+                <a16:creationId xmlns:a16="http://schemas.microsoft.com/office/drawing/2014/main" id="{1BE42FBC-FCC1-9A19-C2B7-7486DCE74AB3}"/>
+              </a:ext>
+            </a:extLst>
+          </p:cNvPr>
+          <p:cNvSpPr>
+            <a:spLocks noGrp="1"/>
+          </p:cNvSpPr>
+          <p:nvPr>
+            <p:ph type="title"/>
+          </p:nvPr>
+        </p:nvSpPr>
+        <p:spPr/>
+        <p:txBody>
+          <a:bodyPr/>
+          <a:lstStyle/>
+          <a:p>
+            <a:r>
+              <a:rPr lang="pl-PL" dirty="0"/>
+              <a:t>Watch the video</a:t>
+            </a:r>
+          </a:p>
+        </p:txBody>
+      </p:sp>
+    </p:spTree>
+    <p:extLst>
+      <p:ext uri="{BB962C8B-B14F-4D97-AF65-F5344CB8AC3E}">
+        <p14:creationId xmlns:p14="http://schemas.microsoft.com/office/powerpoint/2010/main" val="2173447150"/>
+      </p:ext>
+    </p:extLst>
+  </p:cSld>
+  <p:clrMapOvr>
+    <a:masterClrMapping/>
+  </p:clrMapOvr>
+</p:sld>
+</file>
+
+<file path=ppt/slides/slide19.xml><?xml version="1.0" encoding="utf-8"?>
+<p:sld xmlns:a="http://schemas.openxmlformats.org/drawingml/2006/main" xmlns:r="http://schemas.openxmlformats.org/officeDocument/2006/relationships" xmlns:p="http://schemas.openxmlformats.org/presentationml/2006/main">
+  <p:cSld>
+    <p:spTree>
+      <p:nvGrpSpPr>
+        <p:cNvPr id="1" name=""/>
+        <p:cNvGrpSpPr/>
+        <p:nvPr/>
+      </p:nvGrpSpPr>
+      <p:grpSpPr>
+        <a:xfrm>
+          <a:off x="0" y="0"/>
+          <a:ext cx="0" cy="0"/>
+          <a:chOff x="0" y="0"/>
+          <a:chExt cx="0" cy="0"/>
+        </a:xfrm>
+      </p:grpSpPr>
+      <p:sp>
+        <p:nvSpPr>
+          <p:cNvPr id="2" name="Symbol zastępczy zawartości 1">
+            <a:extLst>
+              <a:ext uri="{FF2B5EF4-FFF2-40B4-BE49-F238E27FC236}">
+                <a16:creationId xmlns:a16="http://schemas.microsoft.com/office/drawing/2014/main" id="{D596D83F-4F44-8D17-E36F-5076A9D45D5B}"/>
               </a:ext>
             </a:extLst>
           </p:cNvPr>
@@ -7158,12 +7527,8 @@
               <a:buAutoNum type="arabicPeriod"/>
             </a:pPr>
             <a:r>
-              <a:rPr lang="pl-PL" dirty="0"/>
-              <a:t>Using the </a:t>
-            </a:r>
-            <a:r>
               <a:rPr lang="pl-PL" dirty="0" err="1"/>
-              <a:t>course</a:t>
+              <a:t>Install</a:t>
             </a:r>
             <a:r>
               <a:rPr lang="pl-PL" dirty="0"/>
@@ -7171,73 +7536,19 @@
             </a:r>
             <a:r>
               <a:rPr lang="pl-PL" dirty="0" err="1"/>
-              <a:t>textbook</a:t>
-            </a:r>
-            <a:r>
-              <a:rPr lang="pl-PL" dirty="0"/>
-              <a:t>, </a:t>
-            </a:r>
-            <a:r>
-              <a:rPr lang="pl-PL" dirty="0" err="1"/>
-              <a:t>familiarise</a:t>
-            </a:r>
-            <a:r>
-              <a:rPr lang="pl-PL" dirty="0"/>
-              <a:t> </a:t>
-            </a:r>
-            <a:r>
-              <a:rPr lang="pl-PL" dirty="0" err="1"/>
-              <a:t>yourself</a:t>
-            </a:r>
-            <a:r>
-              <a:rPr lang="pl-PL" dirty="0"/>
-              <a:t> with the </a:t>
-            </a:r>
-            <a:r>
-              <a:rPr lang="pl-PL" dirty="0" err="1"/>
-              <a:t>chapter</a:t>
-            </a:r>
-            <a:r>
-              <a:rPr lang="pl-PL" dirty="0"/>
-              <a:t> 1 and 2. Then </a:t>
-            </a:r>
-            <a:r>
-              <a:rPr lang="pl-PL" dirty="0" err="1"/>
-              <a:t>try</a:t>
-            </a:r>
-            <a:r>
-              <a:rPr lang="pl-PL" dirty="0"/>
-              <a:t> to do </a:t>
-            </a:r>
-            <a:r>
-              <a:rPr lang="pl-PL" dirty="0" err="1"/>
-              <a:t>all</a:t>
-            </a:r>
-            <a:r>
-              <a:rPr lang="pl-PL" dirty="0"/>
-              <a:t> </a:t>
-            </a:r>
-            <a:r>
-              <a:rPr lang="pl-PL" dirty="0" err="1"/>
-              <a:t>exercises</a:t>
-            </a:r>
-            <a:r>
-              <a:rPr lang="pl-PL" dirty="0"/>
-              <a:t> </a:t>
-            </a:r>
-            <a:r>
-              <a:rPr lang="pl-PL" dirty="0" err="1"/>
-              <a:t>containted</a:t>
-            </a:r>
-            <a:r>
-              <a:rPr lang="pl-PL" dirty="0"/>
-              <a:t> in the </a:t>
-            </a:r>
-            <a:r>
-              <a:rPr lang="pl-PL" dirty="0" err="1"/>
-              <a:t>chapters</a:t>
-            </a:r>
-            <a:endParaRPr lang="pl-PL" dirty="0"/>
+              <a:t>Python</a:t>
+            </a:r>
+            <a:br>
+              <a:rPr lang="pl-PL" dirty="0"/>
+            </a:br>
+            <a:r>
+              <a:rPr lang="pl-PL" dirty="0">
+                <a:solidFill>
+                  <a:srgbClr val="00B0F0"/>
+                </a:solidFill>
+              </a:rPr>
+              <a:t>https://www.python.org</a:t>
+            </a:r>
           </a:p>
           <a:p>
             <a:pPr marL="514350" indent="-514350">
@@ -7245,12 +7556,8 @@
               <a:buAutoNum type="arabicPeriod"/>
             </a:pPr>
             <a:r>
-              <a:rPr lang="pl-PL" dirty="0"/>
-              <a:t>Open the materials for the </a:t>
-            </a:r>
-            <a:r>
               <a:rPr lang="pl-PL" dirty="0" err="1"/>
-              <a:t>next</a:t>
+              <a:t>Check</a:t>
             </a:r>
             <a:r>
               <a:rPr lang="pl-PL" dirty="0"/>
@@ -7258,19 +7565,114 @@
             </a:r>
             <a:r>
               <a:rPr lang="pl-PL" dirty="0" err="1"/>
-              <a:t>class</a:t>
-            </a:r>
-            <a:r>
-              <a:rPr lang="pl-PL" dirty="0"/>
-              <a:t>. Then c</a:t>
-            </a:r>
-            <a:r>
-              <a:rPr lang="en-US" dirty="0" err="1"/>
-              <a:t>omplete</a:t>
-            </a:r>
-            <a:r>
-              <a:rPr lang="en-US" dirty="0"/>
-              <a:t> all tasks in the Before Class section</a:t>
+              <a:t>Python</a:t>
+            </a:r>
+            <a:r>
+              <a:rPr lang="pl-PL" dirty="0"/>
+              <a:t> on </a:t>
+            </a:r>
+            <a:r>
+              <a:rPr lang="pl-PL" dirty="0" err="1"/>
+              <a:t>your</a:t>
+            </a:r>
+            <a:r>
+              <a:rPr lang="pl-PL" dirty="0"/>
+              <a:t> </a:t>
+            </a:r>
+            <a:r>
+              <a:rPr lang="pl-PL" dirty="0" err="1"/>
+              <a:t>computer</a:t>
+            </a:r>
+            <a:endParaRPr lang="pl-PL" dirty="0"/>
+          </a:p>
+          <a:p>
+            <a:pPr marL="1143000" lvl="1" indent="-457200"/>
+            <a:r>
+              <a:rPr lang="pl-PL" dirty="0"/>
+              <a:t>Open </a:t>
+            </a:r>
+            <a:r>
+              <a:rPr lang="pl-PL" dirty="0" err="1"/>
+              <a:t>command</a:t>
+            </a:r>
+            <a:r>
+              <a:rPr lang="pl-PL" dirty="0"/>
+              <a:t> </a:t>
+            </a:r>
+            <a:r>
+              <a:rPr lang="pl-PL" dirty="0" err="1"/>
+              <a:t>prompt</a:t>
+            </a:r>
+            <a:r>
+              <a:rPr lang="pl-PL" dirty="0"/>
+              <a:t> </a:t>
+            </a:r>
+            <a:r>
+              <a:rPr lang="pl-PL" dirty="0" err="1"/>
+              <a:t>window</a:t>
+            </a:r>
+            <a:endParaRPr lang="pl-PL" dirty="0"/>
+          </a:p>
+          <a:p>
+            <a:pPr marL="1143000" lvl="1" indent="-457200"/>
+            <a:r>
+              <a:rPr lang="pl-PL" dirty="0" err="1"/>
+              <a:t>Enter</a:t>
+            </a:r>
+            <a:r>
+              <a:rPr lang="pl-PL" dirty="0"/>
+              <a:t> </a:t>
+            </a:r>
+            <a:r>
+              <a:rPr lang="pl-PL" dirty="0" err="1"/>
+              <a:t>command</a:t>
+            </a:r>
+            <a:br>
+              <a:rPr lang="pl-PL" dirty="0"/>
+            </a:br>
+            <a:r>
+              <a:rPr lang="pl-PL" b="1" dirty="0" err="1">
+                <a:solidFill>
+                  <a:srgbClr val="00B0F0"/>
+                </a:solidFill>
+              </a:rPr>
+              <a:t>python</a:t>
+            </a:r>
+            <a:r>
+              <a:rPr lang="pl-PL" b="1" dirty="0">
+                <a:solidFill>
+                  <a:srgbClr val="00B0F0"/>
+                </a:solidFill>
+              </a:rPr>
+              <a:t> --version</a:t>
+            </a:r>
+            <a:r>
+              <a:rPr lang="pl-PL" dirty="0"/>
+              <a:t> </a:t>
+            </a:r>
+            <a:r>
+              <a:rPr lang="pl-PL" dirty="0" err="1"/>
+              <a:t>or</a:t>
+            </a:r>
+            <a:r>
+              <a:rPr lang="pl-PL" dirty="0"/>
+              <a:t> </a:t>
+            </a:r>
+            <a:r>
+              <a:rPr lang="pl-PL" b="1" dirty="0" err="1">
+                <a:solidFill>
+                  <a:srgbClr val="00B0F0"/>
+                </a:solidFill>
+              </a:rPr>
+              <a:t>py</a:t>
+            </a:r>
+            <a:r>
+              <a:rPr lang="pl-PL" b="1" dirty="0">
+                <a:solidFill>
+                  <a:srgbClr val="00B0F0"/>
+                </a:solidFill>
+              </a:rPr>
+              <a:t> --version</a:t>
             </a:r>
             <a:endParaRPr lang="pl-PL" dirty="0"/>
           </a:p>
@@ -7288,7 +7690,7 @@
           <p:cNvPr id="3" name="Symbol zastępczy numeru slajdu 2">
             <a:extLst>
               <a:ext uri="{FF2B5EF4-FFF2-40B4-BE49-F238E27FC236}">
-                <a16:creationId xmlns:a16="http://schemas.microsoft.com/office/drawing/2014/main" id="{4DC66CA2-52DA-656A-9EAD-88924D1DA5D5}"/>
+                <a16:creationId xmlns:a16="http://schemas.microsoft.com/office/drawing/2014/main" id="{32F094E4-3EE5-BD86-19B4-F51BAA570095}"/>
               </a:ext>
             </a:extLst>
           </p:cNvPr>
@@ -7306,7 +7708,7 @@
           <a:p>
             <a:fld id="{254C963F-D690-449C-B336-8B464EE7B8DB}" type="slidenum">
               <a:rPr lang="pl-PL" smtClean="0"/>
-              <a:t>18</a:t>
+              <a:t>19</a:t>
             </a:fld>
             <a:endParaRPr lang="pl-PL" dirty="0"/>
           </a:p>
@@ -7317,7 +7719,7 @@
           <p:cNvPr id="4" name="Tytuł 3">
             <a:extLst>
               <a:ext uri="{FF2B5EF4-FFF2-40B4-BE49-F238E27FC236}">
-                <a16:creationId xmlns:a16="http://schemas.microsoft.com/office/drawing/2014/main" id="{AB863874-9C06-FD11-1901-4D005861F55B}"/>
+                <a16:creationId xmlns:a16="http://schemas.microsoft.com/office/drawing/2014/main" id="{FB82CBAE-3B12-01F5-1914-A7AD00A5EEBE}"/>
               </a:ext>
             </a:extLst>
           </p:cNvPr>
@@ -7334,24 +7736,46 @@
           <a:lstStyle/>
           <a:p>
             <a:r>
-              <a:rPr lang="pl-PL" dirty="0"/>
-              <a:t>Get </a:t>
-            </a:r>
-            <a:r>
-              <a:rPr lang="pl-PL" dirty="0" err="1"/>
-              <a:t>Started</a:t>
-            </a:r>
-            <a:r>
-              <a:rPr lang="pl-PL" dirty="0"/>
-              <a:t> with Programming</a:t>
-            </a:r>
-          </a:p>
-        </p:txBody>
-      </p:sp>
+              <a:rPr lang="en-US"/>
+              <a:t>Install Python</a:t>
+            </a:r>
+          </a:p>
+        </p:txBody>
+      </p:sp>
+      <p:pic>
+        <p:nvPicPr>
+          <p:cNvPr id="11" name="Obraz 10">
+            <a:extLst>
+              <a:ext uri="{FF2B5EF4-FFF2-40B4-BE49-F238E27FC236}">
+                <a16:creationId xmlns:a16="http://schemas.microsoft.com/office/drawing/2014/main" id="{688B4B0E-E0BB-7B5D-78AA-9E5630ED7629}"/>
+              </a:ext>
+            </a:extLst>
+          </p:cNvPr>
+          <p:cNvPicPr>
+            <a:picLocks noChangeAspect="1"/>
+          </p:cNvPicPr>
+          <p:nvPr/>
+        </p:nvPicPr>
+        <p:blipFill>
+          <a:blip r:embed="rId2"/>
+          <a:stretch>
+            <a:fillRect/>
+          </a:stretch>
+        </p:blipFill>
+        <p:spPr>
+          <a:xfrm>
+            <a:off x="7511955" y="1825625"/>
+            <a:ext cx="3841845" cy="3578705"/>
+          </a:xfrm>
+          <a:prstGeom prst="rect">
+            <a:avLst/>
+          </a:prstGeom>
+        </p:spPr>
+      </p:pic>
     </p:spTree>
     <p:extLst>
       <p:ext uri="{BB962C8B-B14F-4D97-AF65-F5344CB8AC3E}">
-        <p14:creationId xmlns:p14="http://schemas.microsoft.com/office/powerpoint/2010/main" val="1982588859"/>
+        <p14:creationId xmlns:p14="http://schemas.microsoft.com/office/powerpoint/2010/main" val="3714800936"/>
       </p:ext>
     </p:extLst>
   </p:cSld>
@@ -7397,7 +7821,7 @@
         <p:spPr/>
         <p:txBody>
           <a:bodyPr>
-            <a:normAutofit/>
+            <a:normAutofit fontScale="92500" lnSpcReduction="10000"/>
           </a:bodyPr>
           <a:lstStyle/>
           <a:p>
@@ -7439,9 +7863,9 @@
             <a:endParaRPr lang="pl-PL" dirty="0"/>
           </a:p>
           <a:p>
-            <a:pPr marL="514350" indent="-514350">
-              <a:buAutoNum type="arabicPeriod"/>
-            </a:pPr>
+            <a:endParaRPr lang="pl-PL" dirty="0"/>
+          </a:p>
+          <a:p>
             <a:r>
               <a:rPr lang="pl-PL" dirty="0"/>
               <a:t>My e-</a:t>
@@ -7453,7 +7877,6 @@
             <a:endParaRPr lang="pl-PL" dirty="0"/>
           </a:p>
           <a:p>
-            <a:pPr marL="1200150" lvl="1" indent="-514350"/>
             <a:r>
               <a:rPr lang="en-US" dirty="0">
                 <a:hlinkClick r:id="rId2"/>
@@ -7547,7 +7970,1534 @@
 </p:sld>
 </file>
 
+<file path=ppt/slides/slide20.xml><?xml version="1.0" encoding="utf-8"?>
+<p:sld xmlns:a="http://schemas.openxmlformats.org/drawingml/2006/main" xmlns:r="http://schemas.openxmlformats.org/officeDocument/2006/relationships" xmlns:p="http://schemas.openxmlformats.org/presentationml/2006/main">
+  <p:cSld>
+    <p:spTree>
+      <p:nvGrpSpPr>
+        <p:cNvPr id="1" name=""/>
+        <p:cNvGrpSpPr/>
+        <p:nvPr/>
+      </p:nvGrpSpPr>
+      <p:grpSpPr>
+        <a:xfrm>
+          <a:off x="0" y="0"/>
+          <a:ext cx="0" cy="0"/>
+          <a:chOff x="0" y="0"/>
+          <a:chExt cx="0" cy="0"/>
+        </a:xfrm>
+      </p:grpSpPr>
+      <p:sp>
+        <p:nvSpPr>
+          <p:cNvPr id="2" name="Symbol zastępczy zawartości 1">
+            <a:extLst>
+              <a:ext uri="{FF2B5EF4-FFF2-40B4-BE49-F238E27FC236}">
+                <a16:creationId xmlns:a16="http://schemas.microsoft.com/office/drawing/2014/main" id="{022B2B4D-12C6-7E2E-9BAD-A158F0EBE445}"/>
+              </a:ext>
+            </a:extLst>
+          </p:cNvPr>
+          <p:cNvSpPr>
+            <a:spLocks noGrp="1"/>
+          </p:cNvSpPr>
+          <p:nvPr>
+            <p:ph idx="1"/>
+          </p:nvPr>
+        </p:nvSpPr>
+        <p:spPr/>
+        <p:txBody>
+          <a:bodyPr>
+            <a:normAutofit lnSpcReduction="10000"/>
+          </a:bodyPr>
+          <a:lstStyle/>
+          <a:p>
+            <a:pPr marL="514350" indent="-514350">
+              <a:buFont typeface="+mj-lt"/>
+              <a:buAutoNum type="arabicPeriod"/>
+            </a:pPr>
+            <a:r>
+              <a:rPr lang="en-US" dirty="0"/>
+              <a:t>Install Microsoft Visual Studio Code (</a:t>
+            </a:r>
+            <a:r>
+              <a:rPr lang="en-US" dirty="0" err="1"/>
+              <a:t>VSCode</a:t>
+            </a:r>
+            <a:r>
+              <a:rPr lang="en-US" dirty="0"/>
+              <a:t>)</a:t>
+            </a:r>
+            <a:endParaRPr lang="pl-PL" dirty="0"/>
+          </a:p>
+          <a:p>
+            <a:pPr marL="514350" indent="-514350">
+              <a:buFont typeface="+mj-lt"/>
+              <a:buAutoNum type="arabicPeriod"/>
+            </a:pPr>
+            <a:r>
+              <a:rPr lang="pl-PL" dirty="0"/>
+              <a:t>I</a:t>
+            </a:r>
+            <a:r>
+              <a:rPr lang="en-US" dirty="0" err="1"/>
+              <a:t>nstall</a:t>
+            </a:r>
+            <a:r>
+              <a:rPr lang="en-US" dirty="0"/>
+              <a:t> </a:t>
+            </a:r>
+            <a:r>
+              <a:rPr lang="en-US" dirty="0" err="1"/>
+              <a:t>VSCode</a:t>
+            </a:r>
+            <a:r>
+              <a:rPr lang="en-US" dirty="0"/>
+              <a:t> extensions for Python</a:t>
+            </a:r>
+            <a:r>
+              <a:rPr lang="pl-PL" dirty="0"/>
+              <a:t> (Microsoft)</a:t>
+            </a:r>
+          </a:p>
+          <a:p>
+            <a:pPr marL="514350" indent="-514350">
+              <a:buFont typeface="+mj-lt"/>
+              <a:buAutoNum type="arabicPeriod"/>
+            </a:pPr>
+            <a:r>
+              <a:rPr lang="pl-PL" dirty="0" err="1"/>
+              <a:t>Check</a:t>
+            </a:r>
+            <a:r>
+              <a:rPr lang="pl-PL" dirty="0"/>
+              <a:t> </a:t>
+            </a:r>
+            <a:r>
+              <a:rPr lang="pl-PL" dirty="0" err="1"/>
+              <a:t>Python</a:t>
+            </a:r>
+            <a:r>
+              <a:rPr lang="pl-PL" dirty="0"/>
+              <a:t> </a:t>
+            </a:r>
+            <a:r>
+              <a:rPr lang="pl-PL" dirty="0" err="1"/>
+              <a:t>working</a:t>
+            </a:r>
+            <a:r>
+              <a:rPr lang="pl-PL" dirty="0"/>
+              <a:t> in </a:t>
+            </a:r>
+            <a:r>
+              <a:rPr lang="pl-PL" dirty="0" err="1"/>
+              <a:t>VSCode</a:t>
+            </a:r>
+            <a:endParaRPr lang="pl-PL" dirty="0"/>
+          </a:p>
+          <a:p>
+            <a:pPr marL="1200150" lvl="1" indent="-514350"/>
+            <a:r>
+              <a:rPr lang="pl-PL" dirty="0"/>
+              <a:t>On </a:t>
+            </a:r>
+            <a:r>
+              <a:rPr lang="pl-PL" dirty="0" err="1"/>
+              <a:t>your</a:t>
+            </a:r>
+            <a:r>
+              <a:rPr lang="pl-PL" dirty="0"/>
+              <a:t> </a:t>
+            </a:r>
+            <a:r>
+              <a:rPr lang="pl-PL" dirty="0" err="1"/>
+              <a:t>computer</a:t>
+            </a:r>
+            <a:r>
+              <a:rPr lang="pl-PL" dirty="0"/>
+              <a:t> desktop, </a:t>
+            </a:r>
+            <a:r>
+              <a:rPr lang="pl-PL" dirty="0" err="1"/>
+              <a:t>create</a:t>
+            </a:r>
+            <a:r>
+              <a:rPr lang="pl-PL" dirty="0"/>
+              <a:t> a folder </a:t>
+            </a:r>
+            <a:r>
+              <a:rPr lang="pl-PL" dirty="0" err="1">
+                <a:solidFill>
+                  <a:srgbClr val="00B0F0"/>
+                </a:solidFill>
+              </a:rPr>
+              <a:t>TestPython</a:t>
+            </a:r>
+            <a:endParaRPr lang="pl-PL" dirty="0">
+              <a:solidFill>
+                <a:srgbClr val="00B0F0"/>
+              </a:solidFill>
+            </a:endParaRPr>
+          </a:p>
+          <a:p>
+            <a:pPr marL="1200150" lvl="1" indent="-514350"/>
+            <a:r>
+              <a:rPr lang="pl-PL" dirty="0"/>
+              <a:t>Run </a:t>
+            </a:r>
+            <a:r>
+              <a:rPr lang="pl-PL" dirty="0" err="1"/>
+              <a:t>VSCode</a:t>
+            </a:r>
+            <a:endParaRPr lang="pl-PL" dirty="0"/>
+          </a:p>
+          <a:p>
+            <a:pPr marL="1200150" lvl="1" indent="-514350"/>
+            <a:r>
+              <a:rPr lang="pl-PL" dirty="0"/>
+              <a:t>Open the </a:t>
+            </a:r>
+            <a:r>
+              <a:rPr lang="pl-PL" dirty="0" err="1"/>
+              <a:t>created</a:t>
+            </a:r>
+            <a:r>
+              <a:rPr lang="pl-PL" dirty="0"/>
+              <a:t> folder</a:t>
+            </a:r>
+            <a:endParaRPr lang="pl-PL" dirty="0">
+              <a:solidFill>
+                <a:srgbClr val="00B0F0"/>
+              </a:solidFill>
+            </a:endParaRPr>
+          </a:p>
+          <a:p>
+            <a:pPr marL="1200150" lvl="1" indent="-514350"/>
+            <a:r>
+              <a:rPr lang="pl-PL" dirty="0"/>
+              <a:t>In the folder, </a:t>
+            </a:r>
+            <a:r>
+              <a:rPr lang="pl-PL" dirty="0" err="1"/>
+              <a:t>create</a:t>
+            </a:r>
+            <a:r>
+              <a:rPr lang="pl-PL" dirty="0"/>
+              <a:t> a file </a:t>
+            </a:r>
+            <a:r>
+              <a:rPr lang="pl-PL" dirty="0">
+                <a:solidFill>
+                  <a:srgbClr val="00B0F0"/>
+                </a:solidFill>
+              </a:rPr>
+              <a:t>hello.py</a:t>
+            </a:r>
+          </a:p>
+          <a:p>
+            <a:pPr marL="1200150" lvl="1" indent="-514350"/>
+            <a:r>
+              <a:rPr lang="pl-PL" dirty="0" err="1"/>
+              <a:t>Enter</a:t>
+            </a:r>
+            <a:r>
+              <a:rPr lang="pl-PL" dirty="0"/>
+              <a:t> </a:t>
+            </a:r>
+            <a:r>
+              <a:rPr lang="pl-PL" dirty="0" err="1"/>
+              <a:t>Python</a:t>
+            </a:r>
+            <a:r>
+              <a:rPr lang="pl-PL" dirty="0"/>
+              <a:t> </a:t>
+            </a:r>
+            <a:r>
+              <a:rPr lang="pl-PL" dirty="0" err="1"/>
+              <a:t>statements</a:t>
+            </a:r>
+            <a:r>
+              <a:rPr lang="pl-PL" dirty="0"/>
+              <a:t> as </a:t>
+            </a:r>
+            <a:r>
+              <a:rPr lang="pl-PL" dirty="0" err="1"/>
+              <a:t>it</a:t>
+            </a:r>
+            <a:r>
+              <a:rPr lang="pl-PL" dirty="0"/>
+              <a:t> was in the video</a:t>
+            </a:r>
+          </a:p>
+          <a:p>
+            <a:pPr marL="1200150" lvl="1" indent="-514350"/>
+            <a:r>
+              <a:rPr lang="pl-PL" dirty="0"/>
+              <a:t>Run the program</a:t>
+            </a:r>
+            <a:endParaRPr lang="en-US" dirty="0"/>
+          </a:p>
+          <a:p>
+            <a:pPr marL="514350" indent="-514350">
+              <a:buFont typeface="+mj-lt"/>
+              <a:buAutoNum type="arabicPeriod"/>
+            </a:pPr>
+            <a:endParaRPr lang="en-US" dirty="0"/>
+          </a:p>
+          <a:p>
+            <a:pPr marL="514350" indent="-514350">
+              <a:buFont typeface="+mj-lt"/>
+              <a:buAutoNum type="arabicPeriod"/>
+            </a:pPr>
+            <a:endParaRPr lang="en-US" dirty="0"/>
+          </a:p>
+        </p:txBody>
+      </p:sp>
+      <p:sp>
+        <p:nvSpPr>
+          <p:cNvPr id="3" name="Symbol zastępczy numeru slajdu 2">
+            <a:extLst>
+              <a:ext uri="{FF2B5EF4-FFF2-40B4-BE49-F238E27FC236}">
+                <a16:creationId xmlns:a16="http://schemas.microsoft.com/office/drawing/2014/main" id="{F6E8B0D5-E129-E172-928C-DA5224107113}"/>
+              </a:ext>
+            </a:extLst>
+          </p:cNvPr>
+          <p:cNvSpPr>
+            <a:spLocks noGrp="1"/>
+          </p:cNvSpPr>
+          <p:nvPr>
+            <p:ph type="sldNum" sz="quarter" idx="12"/>
+          </p:nvPr>
+        </p:nvSpPr>
+        <p:spPr/>
+        <p:txBody>
+          <a:bodyPr/>
+          <a:lstStyle/>
+          <a:p>
+            <a:fld id="{254C963F-D690-449C-B336-8B464EE7B8DB}" type="slidenum">
+              <a:rPr lang="pl-PL" smtClean="0"/>
+              <a:t>20</a:t>
+            </a:fld>
+            <a:endParaRPr lang="pl-PL" dirty="0"/>
+          </a:p>
+        </p:txBody>
+      </p:sp>
+      <p:sp>
+        <p:nvSpPr>
+          <p:cNvPr id="4" name="Tytuł 3">
+            <a:extLst>
+              <a:ext uri="{FF2B5EF4-FFF2-40B4-BE49-F238E27FC236}">
+                <a16:creationId xmlns:a16="http://schemas.microsoft.com/office/drawing/2014/main" id="{4B9CBE0A-D45D-6344-D87E-66CC09ED9085}"/>
+              </a:ext>
+            </a:extLst>
+          </p:cNvPr>
+          <p:cNvSpPr>
+            <a:spLocks noGrp="1"/>
+          </p:cNvSpPr>
+          <p:nvPr>
+            <p:ph type="title"/>
+          </p:nvPr>
+        </p:nvSpPr>
+        <p:spPr/>
+        <p:txBody>
+          <a:bodyPr/>
+          <a:lstStyle/>
+          <a:p>
+            <a:r>
+              <a:rPr lang="en-US" dirty="0"/>
+              <a:t>Install Visual Studio Code</a:t>
+            </a:r>
+          </a:p>
+        </p:txBody>
+      </p:sp>
+    </p:spTree>
+    <p:extLst>
+      <p:ext uri="{BB962C8B-B14F-4D97-AF65-F5344CB8AC3E}">
+        <p14:creationId xmlns:p14="http://schemas.microsoft.com/office/powerpoint/2010/main" val="2277860244"/>
+      </p:ext>
+    </p:extLst>
+  </p:cSld>
+  <p:clrMapOvr>
+    <a:masterClrMapping/>
+  </p:clrMapOvr>
+</p:sld>
+</file>
+
+<file path=ppt/slides/slide21.xml><?xml version="1.0" encoding="utf-8"?>
+<p:sld xmlns:a="http://schemas.openxmlformats.org/drawingml/2006/main" xmlns:r="http://schemas.openxmlformats.org/officeDocument/2006/relationships" xmlns:p="http://schemas.openxmlformats.org/presentationml/2006/main">
+  <p:cSld>
+    <p:spTree>
+      <p:nvGrpSpPr>
+        <p:cNvPr id="1" name=""/>
+        <p:cNvGrpSpPr/>
+        <p:nvPr/>
+      </p:nvGrpSpPr>
+      <p:grpSpPr>
+        <a:xfrm>
+          <a:off x="0" y="0"/>
+          <a:ext cx="0" cy="0"/>
+          <a:chOff x="0" y="0"/>
+          <a:chExt cx="0" cy="0"/>
+        </a:xfrm>
+      </p:grpSpPr>
+      <p:sp>
+        <p:nvSpPr>
+          <p:cNvPr id="2" name="Symbol zastępczy zawartości 1">
+            <a:extLst>
+              <a:ext uri="{FF2B5EF4-FFF2-40B4-BE49-F238E27FC236}">
+                <a16:creationId xmlns:a16="http://schemas.microsoft.com/office/drawing/2014/main" id="{D02C16E2-EC07-237A-F5DD-5BE12A1E606A}"/>
+              </a:ext>
+            </a:extLst>
+          </p:cNvPr>
+          <p:cNvSpPr>
+            <a:spLocks noGrp="1"/>
+          </p:cNvSpPr>
+          <p:nvPr>
+            <p:ph idx="1"/>
+          </p:nvPr>
+        </p:nvSpPr>
+        <p:spPr/>
+        <p:txBody>
+          <a:bodyPr/>
+          <a:lstStyle/>
+          <a:p>
+            <a:pPr marL="514350" indent="-514350">
+              <a:buFont typeface="+mj-lt"/>
+              <a:buAutoNum type="arabicPeriod"/>
+            </a:pPr>
+            <a:r>
+              <a:rPr lang="pl-PL" dirty="0" err="1"/>
+              <a:t>Install</a:t>
+            </a:r>
+            <a:r>
+              <a:rPr lang="pl-PL" dirty="0"/>
+              <a:t> Git Control Version System</a:t>
+            </a:r>
+            <a:br>
+              <a:rPr lang="pl-PL" dirty="0"/>
+            </a:br>
+            <a:r>
+              <a:rPr lang="pl-PL" dirty="0">
+                <a:solidFill>
+                  <a:srgbClr val="00B0F0"/>
+                </a:solidFill>
+              </a:rPr>
+              <a:t>https://git-scm.com</a:t>
+            </a:r>
+          </a:p>
+          <a:p>
+            <a:pPr marL="514350" indent="-514350">
+              <a:buFont typeface="+mj-lt"/>
+              <a:buAutoNum type="arabicPeriod"/>
+            </a:pPr>
+            <a:r>
+              <a:rPr lang="pl-PL" dirty="0" err="1"/>
+              <a:t>Check</a:t>
+            </a:r>
+            <a:r>
+              <a:rPr lang="pl-PL" dirty="0"/>
+              <a:t> Git on </a:t>
+            </a:r>
+            <a:r>
+              <a:rPr lang="pl-PL" dirty="0" err="1"/>
+              <a:t>your</a:t>
+            </a:r>
+            <a:r>
+              <a:rPr lang="pl-PL" dirty="0"/>
+              <a:t> </a:t>
+            </a:r>
+            <a:r>
+              <a:rPr lang="pl-PL" dirty="0" err="1"/>
+              <a:t>computer</a:t>
+            </a:r>
+            <a:endParaRPr lang="pl-PL" dirty="0"/>
+          </a:p>
+          <a:p>
+            <a:pPr marL="1200150" lvl="1" indent="-514350"/>
+            <a:r>
+              <a:rPr lang="pl-PL" dirty="0"/>
+              <a:t>Open </a:t>
+            </a:r>
+            <a:r>
+              <a:rPr lang="pl-PL" dirty="0" err="1"/>
+              <a:t>command</a:t>
+            </a:r>
+            <a:r>
+              <a:rPr lang="pl-PL" dirty="0"/>
+              <a:t> </a:t>
+            </a:r>
+            <a:r>
+              <a:rPr lang="pl-PL" dirty="0" err="1"/>
+              <a:t>prompt</a:t>
+            </a:r>
+            <a:r>
+              <a:rPr lang="pl-PL" dirty="0"/>
+              <a:t> </a:t>
+            </a:r>
+            <a:r>
+              <a:rPr lang="pl-PL" dirty="0" err="1"/>
+              <a:t>window</a:t>
+            </a:r>
+            <a:endParaRPr lang="pl-PL" dirty="0"/>
+          </a:p>
+          <a:p>
+            <a:pPr marL="1200150" lvl="1" indent="-514350"/>
+            <a:r>
+              <a:rPr lang="pl-PL" dirty="0" err="1"/>
+              <a:t>Enter</a:t>
+            </a:r>
+            <a:r>
+              <a:rPr lang="pl-PL" dirty="0"/>
+              <a:t> </a:t>
+            </a:r>
+            <a:r>
+              <a:rPr lang="pl-PL" dirty="0" err="1"/>
+              <a:t>command</a:t>
+            </a:r>
+            <a:br>
+              <a:rPr lang="pl-PL" dirty="0"/>
+            </a:br>
+            <a:r>
+              <a:rPr lang="pl-PL" b="1" dirty="0">
+                <a:solidFill>
+                  <a:srgbClr val="00B0F0"/>
+                </a:solidFill>
+              </a:rPr>
+              <a:t>git --version</a:t>
+            </a:r>
+          </a:p>
+          <a:p>
+            <a:pPr marL="1200150" lvl="1" indent="-514350"/>
+            <a:endParaRPr lang="pl-PL" dirty="0"/>
+          </a:p>
+          <a:p>
+            <a:pPr marL="1200150" lvl="1" indent="-514350"/>
+            <a:endParaRPr lang="pl-PL" dirty="0"/>
+          </a:p>
+          <a:p>
+            <a:endParaRPr lang="pl-PL" dirty="0"/>
+          </a:p>
+        </p:txBody>
+      </p:sp>
+      <p:sp>
+        <p:nvSpPr>
+          <p:cNvPr id="3" name="Symbol zastępczy numeru slajdu 2">
+            <a:extLst>
+              <a:ext uri="{FF2B5EF4-FFF2-40B4-BE49-F238E27FC236}">
+                <a16:creationId xmlns:a16="http://schemas.microsoft.com/office/drawing/2014/main" id="{4B28331B-7102-A938-8E26-E589BB9EB0AA}"/>
+              </a:ext>
+            </a:extLst>
+          </p:cNvPr>
+          <p:cNvSpPr>
+            <a:spLocks noGrp="1"/>
+          </p:cNvSpPr>
+          <p:nvPr>
+            <p:ph type="sldNum" sz="quarter" idx="12"/>
+          </p:nvPr>
+        </p:nvSpPr>
+        <p:spPr/>
+        <p:txBody>
+          <a:bodyPr/>
+          <a:lstStyle/>
+          <a:p>
+            <a:fld id="{254C963F-D690-449C-B336-8B464EE7B8DB}" type="slidenum">
+              <a:rPr lang="pl-PL" smtClean="0"/>
+              <a:t>21</a:t>
+            </a:fld>
+            <a:endParaRPr lang="pl-PL" dirty="0"/>
+          </a:p>
+        </p:txBody>
+      </p:sp>
+      <p:sp>
+        <p:nvSpPr>
+          <p:cNvPr id="4" name="Tytuł 3">
+            <a:extLst>
+              <a:ext uri="{FF2B5EF4-FFF2-40B4-BE49-F238E27FC236}">
+                <a16:creationId xmlns:a16="http://schemas.microsoft.com/office/drawing/2014/main" id="{07740801-B4D3-5781-A9A4-0939BC980844}"/>
+              </a:ext>
+            </a:extLst>
+          </p:cNvPr>
+          <p:cNvSpPr>
+            <a:spLocks noGrp="1"/>
+          </p:cNvSpPr>
+          <p:nvPr>
+            <p:ph type="title"/>
+          </p:nvPr>
+        </p:nvSpPr>
+        <p:spPr/>
+        <p:txBody>
+          <a:bodyPr/>
+          <a:lstStyle/>
+          <a:p>
+            <a:r>
+              <a:rPr lang="en-US"/>
+              <a:t>Install Git</a:t>
+            </a:r>
+          </a:p>
+        </p:txBody>
+      </p:sp>
+      <p:pic>
+        <p:nvPicPr>
+          <p:cNvPr id="6" name="Obraz 5">
+            <a:extLst>
+              <a:ext uri="{FF2B5EF4-FFF2-40B4-BE49-F238E27FC236}">
+                <a16:creationId xmlns:a16="http://schemas.microsoft.com/office/drawing/2014/main" id="{BDD89AAB-D40D-2392-CABA-D660A61A91BE}"/>
+              </a:ext>
+            </a:extLst>
+          </p:cNvPr>
+          <p:cNvPicPr>
+            <a:picLocks noChangeAspect="1"/>
+          </p:cNvPicPr>
+          <p:nvPr/>
+        </p:nvPicPr>
+        <p:blipFill>
+          <a:blip r:embed="rId2"/>
+          <a:stretch>
+            <a:fillRect/>
+          </a:stretch>
+        </p:blipFill>
+        <p:spPr>
+          <a:xfrm>
+            <a:off x="7164125" y="1825625"/>
+            <a:ext cx="4189675" cy="2968028"/>
+          </a:xfrm>
+          <a:prstGeom prst="rect">
+            <a:avLst/>
+          </a:prstGeom>
+        </p:spPr>
+      </p:pic>
+    </p:spTree>
+    <p:extLst>
+      <p:ext uri="{BB962C8B-B14F-4D97-AF65-F5344CB8AC3E}">
+        <p14:creationId xmlns:p14="http://schemas.microsoft.com/office/powerpoint/2010/main" val="3617956429"/>
+      </p:ext>
+    </p:extLst>
+  </p:cSld>
+  <p:clrMapOvr>
+    <a:masterClrMapping/>
+  </p:clrMapOvr>
+</p:sld>
+</file>
+
+<file path=ppt/slides/slide22.xml><?xml version="1.0" encoding="utf-8"?>
+<p:sld xmlns:a="http://schemas.openxmlformats.org/drawingml/2006/main" xmlns:r="http://schemas.openxmlformats.org/officeDocument/2006/relationships" xmlns:p="http://schemas.openxmlformats.org/presentationml/2006/main">
+  <p:cSld>
+    <p:spTree>
+      <p:nvGrpSpPr>
+        <p:cNvPr id="1" name=""/>
+        <p:cNvGrpSpPr/>
+        <p:nvPr/>
+      </p:nvGrpSpPr>
+      <p:grpSpPr>
+        <a:xfrm>
+          <a:off x="0" y="0"/>
+          <a:ext cx="0" cy="0"/>
+          <a:chOff x="0" y="0"/>
+          <a:chExt cx="0" cy="0"/>
+        </a:xfrm>
+      </p:grpSpPr>
+      <p:sp>
+        <p:nvSpPr>
+          <p:cNvPr id="2" name="Tytuł 1">
+            <a:extLst>
+              <a:ext uri="{FF2B5EF4-FFF2-40B4-BE49-F238E27FC236}">
+                <a16:creationId xmlns:a16="http://schemas.microsoft.com/office/drawing/2014/main" id="{4FA82766-5AC7-26AF-F9A7-76097122BE8D}"/>
+              </a:ext>
+            </a:extLst>
+          </p:cNvPr>
+          <p:cNvSpPr>
+            <a:spLocks noGrp="1"/>
+          </p:cNvSpPr>
+          <p:nvPr>
+            <p:ph type="title"/>
+          </p:nvPr>
+        </p:nvSpPr>
+        <p:spPr/>
+        <p:txBody>
+          <a:bodyPr/>
+          <a:lstStyle/>
+          <a:p>
+            <a:r>
+              <a:rPr lang="en-US"/>
+              <a:t>Homework</a:t>
+            </a:r>
+          </a:p>
+        </p:txBody>
+      </p:sp>
+      <p:sp>
+        <p:nvSpPr>
+          <p:cNvPr id="3" name="Symbol zastępczy tekstu 2">
+            <a:extLst>
+              <a:ext uri="{FF2B5EF4-FFF2-40B4-BE49-F238E27FC236}">
+                <a16:creationId xmlns:a16="http://schemas.microsoft.com/office/drawing/2014/main" id="{57DF4AEE-6507-A6EF-BEAB-6DD815C42CC9}"/>
+              </a:ext>
+            </a:extLst>
+          </p:cNvPr>
+          <p:cNvSpPr>
+            <a:spLocks noGrp="1"/>
+          </p:cNvSpPr>
+          <p:nvPr>
+            <p:ph type="body" idx="1"/>
+          </p:nvPr>
+        </p:nvSpPr>
+        <p:spPr/>
+        <p:txBody>
+          <a:bodyPr/>
+          <a:lstStyle/>
+          <a:p>
+            <a:r>
+              <a:rPr lang="pl-PL" dirty="0"/>
+              <a:t>Course Materials</a:t>
+            </a:r>
+          </a:p>
+        </p:txBody>
+      </p:sp>
+      <p:sp>
+        <p:nvSpPr>
+          <p:cNvPr id="4" name="Symbol zastępczy numeru slajdu 3">
+            <a:extLst>
+              <a:ext uri="{FF2B5EF4-FFF2-40B4-BE49-F238E27FC236}">
+                <a16:creationId xmlns:a16="http://schemas.microsoft.com/office/drawing/2014/main" id="{36883032-481E-868B-97E0-14DDF0F9B46D}"/>
+              </a:ext>
+            </a:extLst>
+          </p:cNvPr>
+          <p:cNvSpPr>
+            <a:spLocks noGrp="1"/>
+          </p:cNvSpPr>
+          <p:nvPr>
+            <p:ph type="sldNum" sz="quarter" idx="12"/>
+          </p:nvPr>
+        </p:nvSpPr>
+        <p:spPr/>
+        <p:txBody>
+          <a:bodyPr/>
+          <a:lstStyle/>
+          <a:p>
+            <a:fld id="{254C963F-D690-449C-B336-8B464EE7B8DB}" type="slidenum">
+              <a:rPr lang="pl-PL" smtClean="0"/>
+              <a:t>22</a:t>
+            </a:fld>
+            <a:endParaRPr lang="pl-PL" dirty="0"/>
+          </a:p>
+        </p:txBody>
+      </p:sp>
+    </p:spTree>
+    <p:extLst>
+      <p:ext uri="{BB962C8B-B14F-4D97-AF65-F5344CB8AC3E}">
+        <p14:creationId xmlns:p14="http://schemas.microsoft.com/office/powerpoint/2010/main" val="3123027594"/>
+      </p:ext>
+    </p:extLst>
+  </p:cSld>
+  <p:clrMapOvr>
+    <a:masterClrMapping/>
+  </p:clrMapOvr>
+</p:sld>
+</file>
+
+<file path=ppt/slides/slide23.xml><?xml version="1.0" encoding="utf-8"?>
+<p:sld xmlns:a="http://schemas.openxmlformats.org/drawingml/2006/main" xmlns:r="http://schemas.openxmlformats.org/officeDocument/2006/relationships" xmlns:p="http://schemas.openxmlformats.org/presentationml/2006/main">
+  <p:cSld>
+    <p:spTree>
+      <p:nvGrpSpPr>
+        <p:cNvPr id="1" name=""/>
+        <p:cNvGrpSpPr/>
+        <p:nvPr/>
+      </p:nvGrpSpPr>
+      <p:grpSpPr>
+        <a:xfrm>
+          <a:off x="0" y="0"/>
+          <a:ext cx="0" cy="0"/>
+          <a:chOff x="0" y="0"/>
+          <a:chExt cx="0" cy="0"/>
+        </a:xfrm>
+      </p:grpSpPr>
+      <p:sp>
+        <p:nvSpPr>
+          <p:cNvPr id="2" name="Symbol zastępczy zawartości 1">
+            <a:extLst>
+              <a:ext uri="{FF2B5EF4-FFF2-40B4-BE49-F238E27FC236}">
+                <a16:creationId xmlns:a16="http://schemas.microsoft.com/office/drawing/2014/main" id="{F9B3077B-F8DD-C67E-9F11-D4182C72C97A}"/>
+              </a:ext>
+            </a:extLst>
+          </p:cNvPr>
+          <p:cNvSpPr>
+            <a:spLocks noGrp="1"/>
+          </p:cNvSpPr>
+          <p:nvPr>
+            <p:ph idx="1"/>
+          </p:nvPr>
+        </p:nvSpPr>
+        <p:spPr/>
+        <p:txBody>
+          <a:bodyPr>
+            <a:normAutofit/>
+          </a:bodyPr>
+          <a:lstStyle/>
+          <a:p>
+            <a:pPr marL="514350" indent="-514350">
+              <a:buFont typeface="+mj-lt"/>
+              <a:buAutoNum type="arabicPeriod"/>
+            </a:pPr>
+            <a:r>
+              <a:rPr lang="pl-PL" dirty="0" err="1"/>
+              <a:t>Find</a:t>
+            </a:r>
+            <a:r>
+              <a:rPr lang="pl-PL" dirty="0"/>
+              <a:t> out on </a:t>
+            </a:r>
+            <a:r>
+              <a:rPr lang="pl-PL" dirty="0" err="1"/>
+              <a:t>how</a:t>
+            </a:r>
+            <a:r>
+              <a:rPr lang="pl-PL" dirty="0"/>
+              <a:t> to </a:t>
+            </a:r>
+            <a:r>
+              <a:rPr lang="pl-PL" dirty="0" err="1"/>
+              <a:t>use</a:t>
+            </a:r>
+            <a:r>
+              <a:rPr lang="pl-PL" dirty="0"/>
+              <a:t> Git </a:t>
+            </a:r>
+            <a:r>
+              <a:rPr lang="pl-PL" dirty="0" err="1"/>
+              <a:t>command</a:t>
+            </a:r>
+            <a:br>
+              <a:rPr lang="pl-PL" dirty="0"/>
+            </a:br>
+            <a:r>
+              <a:rPr lang="pl-PL" dirty="0">
+                <a:solidFill>
+                  <a:srgbClr val="00B0F0"/>
+                </a:solidFill>
+              </a:rPr>
+              <a:t>git clone</a:t>
+            </a:r>
+          </a:p>
+          <a:p>
+            <a:pPr marL="514350" indent="-514350">
+              <a:buFont typeface="+mj-lt"/>
+              <a:buAutoNum type="arabicPeriod"/>
+            </a:pPr>
+            <a:r>
+              <a:rPr lang="pl-PL" dirty="0"/>
+              <a:t>Open </a:t>
+            </a:r>
+            <a:r>
+              <a:rPr lang="pl-PL" dirty="0" err="1"/>
+              <a:t>command</a:t>
+            </a:r>
+            <a:r>
+              <a:rPr lang="pl-PL" dirty="0"/>
+              <a:t> </a:t>
+            </a:r>
+            <a:r>
+              <a:rPr lang="pl-PL" dirty="0" err="1"/>
+              <a:t>prompt</a:t>
+            </a:r>
+            <a:r>
+              <a:rPr lang="pl-PL" dirty="0"/>
+              <a:t> </a:t>
+            </a:r>
+            <a:r>
+              <a:rPr lang="pl-PL" dirty="0" err="1"/>
+              <a:t>window</a:t>
+            </a:r>
+            <a:endParaRPr lang="pl-PL" dirty="0"/>
+          </a:p>
+          <a:p>
+            <a:pPr marL="514350" indent="-514350">
+              <a:buFont typeface="+mj-lt"/>
+              <a:buAutoNum type="arabicPeriod"/>
+            </a:pPr>
+            <a:r>
+              <a:rPr lang="pl-PL" dirty="0"/>
+              <a:t>Clone (</a:t>
+            </a:r>
+            <a:r>
+              <a:rPr lang="pl-PL" dirty="0" err="1"/>
+              <a:t>copy</a:t>
+            </a:r>
+            <a:r>
+              <a:rPr lang="pl-PL" dirty="0"/>
+              <a:t>) </a:t>
+            </a:r>
+            <a:r>
+              <a:rPr lang="pl-PL" dirty="0" err="1"/>
+              <a:t>your</a:t>
+            </a:r>
+            <a:r>
+              <a:rPr lang="pl-PL" dirty="0"/>
+              <a:t> </a:t>
+            </a:r>
+            <a:r>
+              <a:rPr lang="pl-PL" dirty="0" err="1"/>
+              <a:t>own</a:t>
+            </a:r>
+            <a:r>
+              <a:rPr lang="pl-PL" dirty="0"/>
+              <a:t> </a:t>
+            </a:r>
+            <a:r>
+              <a:rPr lang="pl-PL" dirty="0" err="1"/>
+              <a:t>copy</a:t>
+            </a:r>
+            <a:r>
+              <a:rPr lang="pl-PL" dirty="0"/>
+              <a:t> of the </a:t>
+            </a:r>
+            <a:r>
+              <a:rPr lang="pl-PL" dirty="0" err="1"/>
+              <a:t>course</a:t>
+            </a:r>
+            <a:r>
+              <a:rPr lang="pl-PL" dirty="0"/>
+              <a:t> </a:t>
+            </a:r>
+            <a:r>
+              <a:rPr lang="pl-PL" dirty="0" err="1"/>
+              <a:t>repository</a:t>
+            </a:r>
+            <a:r>
+              <a:rPr lang="pl-PL" dirty="0"/>
+              <a:t> (materials) from </a:t>
+            </a:r>
+            <a:r>
+              <a:rPr lang="pl-PL" dirty="0" err="1"/>
+              <a:t>github</a:t>
+            </a:r>
+            <a:r>
+              <a:rPr lang="pl-PL" dirty="0"/>
+              <a:t> to </a:t>
+            </a:r>
+            <a:r>
+              <a:rPr lang="pl-PL" dirty="0" err="1"/>
+              <a:t>your</a:t>
+            </a:r>
+            <a:r>
+              <a:rPr lang="pl-PL" dirty="0"/>
+              <a:t> </a:t>
+            </a:r>
+            <a:r>
+              <a:rPr lang="pl-PL" dirty="0" err="1"/>
+              <a:t>personal</a:t>
+            </a:r>
+            <a:r>
+              <a:rPr lang="pl-PL" dirty="0"/>
+              <a:t> </a:t>
+            </a:r>
+            <a:r>
+              <a:rPr lang="pl-PL" dirty="0" err="1"/>
+              <a:t>computer</a:t>
+            </a:r>
+            <a:endParaRPr lang="pl-PL" dirty="0"/>
+          </a:p>
+          <a:p>
+            <a:pPr marL="514350" indent="-514350">
+              <a:buFont typeface="+mj-lt"/>
+              <a:buAutoNum type="arabicPeriod"/>
+            </a:pPr>
+            <a:endParaRPr lang="pl-PL" dirty="0"/>
+          </a:p>
+          <a:p>
+            <a:endParaRPr lang="pl-PL" dirty="0"/>
+          </a:p>
+        </p:txBody>
+      </p:sp>
+      <p:sp>
+        <p:nvSpPr>
+          <p:cNvPr id="3" name="Symbol zastępczy numeru slajdu 2">
+            <a:extLst>
+              <a:ext uri="{FF2B5EF4-FFF2-40B4-BE49-F238E27FC236}">
+                <a16:creationId xmlns:a16="http://schemas.microsoft.com/office/drawing/2014/main" id="{E04374CA-767F-9FAA-246B-BC2D212D8B7D}"/>
+              </a:ext>
+            </a:extLst>
+          </p:cNvPr>
+          <p:cNvSpPr>
+            <a:spLocks noGrp="1"/>
+          </p:cNvSpPr>
+          <p:nvPr>
+            <p:ph type="sldNum" sz="quarter" idx="12"/>
+          </p:nvPr>
+        </p:nvSpPr>
+        <p:spPr/>
+        <p:txBody>
+          <a:bodyPr/>
+          <a:lstStyle/>
+          <a:p>
+            <a:fld id="{254C963F-D690-449C-B336-8B464EE7B8DB}" type="slidenum">
+              <a:rPr lang="pl-PL" smtClean="0"/>
+              <a:t>23</a:t>
+            </a:fld>
+            <a:endParaRPr lang="pl-PL" dirty="0"/>
+          </a:p>
+        </p:txBody>
+      </p:sp>
+      <p:sp>
+        <p:nvSpPr>
+          <p:cNvPr id="4" name="Tytuł 3">
+            <a:extLst>
+              <a:ext uri="{FF2B5EF4-FFF2-40B4-BE49-F238E27FC236}">
+                <a16:creationId xmlns:a16="http://schemas.microsoft.com/office/drawing/2014/main" id="{B33793D8-279A-E713-D0D8-3D969606C585}"/>
+              </a:ext>
+            </a:extLst>
+          </p:cNvPr>
+          <p:cNvSpPr>
+            <a:spLocks noGrp="1"/>
+          </p:cNvSpPr>
+          <p:nvPr>
+            <p:ph type="title"/>
+          </p:nvPr>
+        </p:nvSpPr>
+        <p:spPr/>
+        <p:txBody>
+          <a:bodyPr/>
+          <a:lstStyle/>
+          <a:p>
+            <a:r>
+              <a:rPr lang="pl-PL" dirty="0"/>
+              <a:t>Clone </a:t>
+            </a:r>
+            <a:r>
+              <a:rPr lang="pl-PL" dirty="0" err="1"/>
+              <a:t>Your</a:t>
+            </a:r>
+            <a:r>
+              <a:rPr lang="pl-PL" dirty="0"/>
+              <a:t> Course </a:t>
+            </a:r>
+            <a:r>
+              <a:rPr lang="pl-PL" dirty="0" err="1"/>
+              <a:t>Repository</a:t>
+            </a:r>
+            <a:endParaRPr lang="pl-PL" dirty="0"/>
+          </a:p>
+        </p:txBody>
+      </p:sp>
+    </p:spTree>
+    <p:extLst>
+      <p:ext uri="{BB962C8B-B14F-4D97-AF65-F5344CB8AC3E}">
+        <p14:creationId xmlns:p14="http://schemas.microsoft.com/office/powerpoint/2010/main" val="2525688714"/>
+      </p:ext>
+    </p:extLst>
+  </p:cSld>
+  <p:clrMapOvr>
+    <a:masterClrMapping/>
+  </p:clrMapOvr>
+</p:sld>
+</file>
+
+<file path=ppt/slides/slide24.xml><?xml version="1.0" encoding="utf-8"?>
+<p:sld xmlns:a="http://schemas.openxmlformats.org/drawingml/2006/main" xmlns:r="http://schemas.openxmlformats.org/officeDocument/2006/relationships" xmlns:p="http://schemas.openxmlformats.org/presentationml/2006/main">
+  <p:cSld>
+    <p:spTree>
+      <p:nvGrpSpPr>
+        <p:cNvPr id="1" name=""/>
+        <p:cNvGrpSpPr/>
+        <p:nvPr/>
+      </p:nvGrpSpPr>
+      <p:grpSpPr>
+        <a:xfrm>
+          <a:off x="0" y="0"/>
+          <a:ext cx="0" cy="0"/>
+          <a:chOff x="0" y="0"/>
+          <a:chExt cx="0" cy="0"/>
+        </a:xfrm>
+      </p:grpSpPr>
+      <p:sp>
+        <p:nvSpPr>
+          <p:cNvPr id="2" name="Symbol zastępczy zawartości 1">
+            <a:extLst>
+              <a:ext uri="{FF2B5EF4-FFF2-40B4-BE49-F238E27FC236}">
+                <a16:creationId xmlns:a16="http://schemas.microsoft.com/office/drawing/2014/main" id="{F9B3077B-F8DD-C67E-9F11-D4182C72C97A}"/>
+              </a:ext>
+            </a:extLst>
+          </p:cNvPr>
+          <p:cNvSpPr>
+            <a:spLocks noGrp="1"/>
+          </p:cNvSpPr>
+          <p:nvPr>
+            <p:ph idx="1"/>
+          </p:nvPr>
+        </p:nvSpPr>
+        <p:spPr/>
+        <p:txBody>
+          <a:bodyPr>
+            <a:normAutofit/>
+          </a:bodyPr>
+          <a:lstStyle/>
+          <a:p>
+            <a:pPr marL="514350" indent="-514350">
+              <a:buFont typeface="+mj-lt"/>
+              <a:buAutoNum type="arabicPeriod"/>
+            </a:pPr>
+            <a:r>
+              <a:rPr lang="en-US" dirty="0"/>
+              <a:t>In your local repository, open a folder</a:t>
+            </a:r>
+            <a:br>
+              <a:rPr lang="en-US" dirty="0"/>
+            </a:br>
+            <a:r>
+              <a:rPr lang="en-US" dirty="0">
+                <a:solidFill>
+                  <a:srgbClr val="00B0F0"/>
+                </a:solidFill>
+              </a:rPr>
+              <a:t>01-CourseIntroduction</a:t>
+            </a:r>
+          </a:p>
+          <a:p>
+            <a:pPr marL="514350" indent="-514350">
+              <a:buFont typeface="+mj-lt"/>
+              <a:buAutoNum type="arabicPeriod"/>
+            </a:pPr>
+            <a:r>
+              <a:rPr lang="en-US" dirty="0" err="1"/>
+              <a:t>Familiarise</a:t>
+            </a:r>
+            <a:r>
+              <a:rPr lang="en-US" dirty="0"/>
+              <a:t> yourself with the course syllabus</a:t>
+            </a:r>
+            <a:br>
+              <a:rPr lang="en-US" dirty="0"/>
+            </a:br>
+            <a:r>
+              <a:rPr lang="en-US" dirty="0">
+                <a:solidFill>
+                  <a:srgbClr val="00B0F0"/>
+                </a:solidFill>
+              </a:rPr>
+              <a:t>PP1-Syllabus.docx</a:t>
+            </a:r>
+          </a:p>
+          <a:p>
+            <a:pPr marL="514350" indent="-514350">
+              <a:buFont typeface="+mj-lt"/>
+              <a:buAutoNum type="arabicPeriod"/>
+            </a:pPr>
+            <a:endParaRPr lang="en-US" dirty="0"/>
+          </a:p>
+          <a:p>
+            <a:endParaRPr lang="en-US" dirty="0"/>
+          </a:p>
+        </p:txBody>
+      </p:sp>
+      <p:sp>
+        <p:nvSpPr>
+          <p:cNvPr id="3" name="Symbol zastępczy numeru slajdu 2">
+            <a:extLst>
+              <a:ext uri="{FF2B5EF4-FFF2-40B4-BE49-F238E27FC236}">
+                <a16:creationId xmlns:a16="http://schemas.microsoft.com/office/drawing/2014/main" id="{E04374CA-767F-9FAA-246B-BC2D212D8B7D}"/>
+              </a:ext>
+            </a:extLst>
+          </p:cNvPr>
+          <p:cNvSpPr>
+            <a:spLocks noGrp="1"/>
+          </p:cNvSpPr>
+          <p:nvPr>
+            <p:ph type="sldNum" sz="quarter" idx="12"/>
+          </p:nvPr>
+        </p:nvSpPr>
+        <p:spPr/>
+        <p:txBody>
+          <a:bodyPr/>
+          <a:lstStyle/>
+          <a:p>
+            <a:fld id="{254C963F-D690-449C-B336-8B464EE7B8DB}" type="slidenum">
+              <a:rPr lang="pl-PL" smtClean="0"/>
+              <a:t>24</a:t>
+            </a:fld>
+            <a:endParaRPr lang="pl-PL" dirty="0"/>
+          </a:p>
+        </p:txBody>
+      </p:sp>
+      <p:sp>
+        <p:nvSpPr>
+          <p:cNvPr id="4" name="Tytuł 3">
+            <a:extLst>
+              <a:ext uri="{FF2B5EF4-FFF2-40B4-BE49-F238E27FC236}">
+                <a16:creationId xmlns:a16="http://schemas.microsoft.com/office/drawing/2014/main" id="{B33793D8-279A-E713-D0D8-3D969606C585}"/>
+              </a:ext>
+            </a:extLst>
+          </p:cNvPr>
+          <p:cNvSpPr>
+            <a:spLocks noGrp="1"/>
+          </p:cNvSpPr>
+          <p:nvPr>
+            <p:ph type="title"/>
+          </p:nvPr>
+        </p:nvSpPr>
+        <p:spPr/>
+        <p:txBody>
+          <a:bodyPr/>
+          <a:lstStyle/>
+          <a:p>
+            <a:r>
+              <a:rPr lang="en-US" dirty="0"/>
+              <a:t>Read the </a:t>
+            </a:r>
+            <a:r>
+              <a:rPr lang="pl-PL" dirty="0"/>
+              <a:t>Course </a:t>
+            </a:r>
+            <a:r>
+              <a:rPr lang="en-US" dirty="0"/>
+              <a:t>Syllabus</a:t>
+            </a:r>
+          </a:p>
+        </p:txBody>
+      </p:sp>
+    </p:spTree>
+    <p:extLst>
+      <p:ext uri="{BB962C8B-B14F-4D97-AF65-F5344CB8AC3E}">
+        <p14:creationId xmlns:p14="http://schemas.microsoft.com/office/powerpoint/2010/main" val="1809690938"/>
+      </p:ext>
+    </p:extLst>
+  </p:cSld>
+  <p:clrMapOvr>
+    <a:masterClrMapping/>
+  </p:clrMapOvr>
+</p:sld>
+</file>
+
+<file path=ppt/slides/slide25.xml><?xml version="1.0" encoding="utf-8"?>
+<p:sld xmlns:a="http://schemas.openxmlformats.org/drawingml/2006/main" xmlns:r="http://schemas.openxmlformats.org/officeDocument/2006/relationships" xmlns:p="http://schemas.openxmlformats.org/presentationml/2006/main">
+  <p:cSld>
+    <p:spTree>
+      <p:nvGrpSpPr>
+        <p:cNvPr id="1" name=""/>
+        <p:cNvGrpSpPr/>
+        <p:nvPr/>
+      </p:nvGrpSpPr>
+      <p:grpSpPr>
+        <a:xfrm>
+          <a:off x="0" y="0"/>
+          <a:ext cx="0" cy="0"/>
+          <a:chOff x="0" y="0"/>
+          <a:chExt cx="0" cy="0"/>
+        </a:xfrm>
+      </p:grpSpPr>
+      <p:sp>
+        <p:nvSpPr>
+          <p:cNvPr id="2" name="Symbol zastępczy zawartości 1">
+            <a:extLst>
+              <a:ext uri="{FF2B5EF4-FFF2-40B4-BE49-F238E27FC236}">
+                <a16:creationId xmlns:a16="http://schemas.microsoft.com/office/drawing/2014/main" id="{A930435C-07F7-2414-2FE5-EFA1EBB1F789}"/>
+              </a:ext>
+            </a:extLst>
+          </p:cNvPr>
+          <p:cNvSpPr>
+            <a:spLocks noGrp="1"/>
+          </p:cNvSpPr>
+          <p:nvPr>
+            <p:ph idx="1"/>
+          </p:nvPr>
+        </p:nvSpPr>
+        <p:spPr/>
+        <p:txBody>
+          <a:bodyPr/>
+          <a:lstStyle/>
+          <a:p>
+            <a:pPr marL="514350" indent="-514350">
+              <a:buFont typeface="+mj-lt"/>
+              <a:buAutoNum type="arabicPeriod"/>
+            </a:pPr>
+            <a:r>
+              <a:rPr lang="en-US" dirty="0"/>
+              <a:t>In your local repository, open a folder</a:t>
+            </a:r>
+            <a:br>
+              <a:rPr lang="en-US" dirty="0"/>
+            </a:br>
+            <a:r>
+              <a:rPr lang="en-US" dirty="0">
+                <a:solidFill>
+                  <a:srgbClr val="00B0F0"/>
+                </a:solidFill>
+              </a:rPr>
+              <a:t>02-TypesAndVariables</a:t>
+            </a:r>
+          </a:p>
+          <a:p>
+            <a:pPr marL="514350" indent="-514350">
+              <a:buFont typeface="+mj-lt"/>
+              <a:buAutoNum type="arabicPeriod"/>
+            </a:pPr>
+            <a:r>
+              <a:rPr lang="pl-PL" dirty="0"/>
+              <a:t>Open the </a:t>
+            </a:r>
+            <a:r>
+              <a:rPr lang="en-US" dirty="0"/>
+              <a:t>document</a:t>
+            </a:r>
+            <a:r>
+              <a:rPr lang="pl-PL" dirty="0"/>
+              <a:t> for the </a:t>
+            </a:r>
+            <a:r>
+              <a:rPr lang="en-US" dirty="0"/>
+              <a:t>next</a:t>
+            </a:r>
+            <a:r>
+              <a:rPr lang="pl-PL" dirty="0"/>
+              <a:t> </a:t>
+            </a:r>
+            <a:r>
+              <a:rPr lang="en-US" dirty="0"/>
+              <a:t>class</a:t>
+            </a:r>
+            <a:br>
+              <a:rPr lang="pl-PL" dirty="0"/>
+            </a:br>
+            <a:r>
+              <a:rPr lang="en-US" dirty="0">
+                <a:solidFill>
+                  <a:srgbClr val="00B0F0"/>
+                </a:solidFill>
+              </a:rPr>
+              <a:t>02-TypesAndVariables.docx</a:t>
+            </a:r>
+            <a:endParaRPr lang="pl-PL" dirty="0"/>
+          </a:p>
+          <a:p>
+            <a:pPr marL="514350" indent="-514350">
+              <a:buFont typeface="+mj-lt"/>
+              <a:buAutoNum type="arabicPeriod"/>
+            </a:pPr>
+            <a:r>
+              <a:rPr lang="pl-PL" dirty="0"/>
+              <a:t>C</a:t>
+            </a:r>
+            <a:r>
+              <a:rPr lang="en-US" dirty="0" err="1"/>
+              <a:t>omplete</a:t>
+            </a:r>
+            <a:r>
+              <a:rPr lang="en-US" dirty="0"/>
+              <a:t> all tasks contained</a:t>
+            </a:r>
+            <a:r>
+              <a:rPr lang="pl-PL" dirty="0"/>
+              <a:t> </a:t>
+            </a:r>
+            <a:r>
+              <a:rPr lang="en-US" dirty="0"/>
+              <a:t>in the section</a:t>
+            </a:r>
+            <a:br>
+              <a:rPr lang="en-US" dirty="0"/>
+            </a:br>
+            <a:r>
+              <a:rPr lang="en-US" dirty="0">
+                <a:solidFill>
+                  <a:srgbClr val="00B0F0"/>
+                </a:solidFill>
+              </a:rPr>
+              <a:t>BEFORE CLASS</a:t>
+            </a:r>
+          </a:p>
+          <a:p>
+            <a:pPr marL="514350" indent="-514350">
+              <a:buFont typeface="+mj-lt"/>
+              <a:buAutoNum type="arabicPeriod"/>
+            </a:pPr>
+            <a:endParaRPr lang="en-US" dirty="0"/>
+          </a:p>
+        </p:txBody>
+      </p:sp>
+      <p:sp>
+        <p:nvSpPr>
+          <p:cNvPr id="3" name="Symbol zastępczy numeru slajdu 2">
+            <a:extLst>
+              <a:ext uri="{FF2B5EF4-FFF2-40B4-BE49-F238E27FC236}">
+                <a16:creationId xmlns:a16="http://schemas.microsoft.com/office/drawing/2014/main" id="{742EAF63-FB69-A6FA-7CDA-B2E83FFE4A1B}"/>
+              </a:ext>
+            </a:extLst>
+          </p:cNvPr>
+          <p:cNvSpPr>
+            <a:spLocks noGrp="1"/>
+          </p:cNvSpPr>
+          <p:nvPr>
+            <p:ph type="sldNum" sz="quarter" idx="12"/>
+          </p:nvPr>
+        </p:nvSpPr>
+        <p:spPr/>
+        <p:txBody>
+          <a:bodyPr/>
+          <a:lstStyle/>
+          <a:p>
+            <a:fld id="{254C963F-D690-449C-B336-8B464EE7B8DB}" type="slidenum">
+              <a:rPr lang="pl-PL" smtClean="0"/>
+              <a:t>25</a:t>
+            </a:fld>
+            <a:endParaRPr lang="pl-PL" dirty="0"/>
+          </a:p>
+        </p:txBody>
+      </p:sp>
+      <p:sp>
+        <p:nvSpPr>
+          <p:cNvPr id="4" name="Tytuł 3">
+            <a:extLst>
+              <a:ext uri="{FF2B5EF4-FFF2-40B4-BE49-F238E27FC236}">
+                <a16:creationId xmlns:a16="http://schemas.microsoft.com/office/drawing/2014/main" id="{B3A5E7F8-81AB-FA87-9589-6CB6E75B8EF8}"/>
+              </a:ext>
+            </a:extLst>
+          </p:cNvPr>
+          <p:cNvSpPr>
+            <a:spLocks noGrp="1"/>
+          </p:cNvSpPr>
+          <p:nvPr>
+            <p:ph type="title"/>
+          </p:nvPr>
+        </p:nvSpPr>
+        <p:spPr/>
+        <p:txBody>
+          <a:bodyPr/>
+          <a:lstStyle/>
+          <a:p>
+            <a:r>
+              <a:rPr lang="en-US"/>
+              <a:t>Prepare for the next class</a:t>
+            </a:r>
+          </a:p>
+        </p:txBody>
+      </p:sp>
+    </p:spTree>
+    <p:extLst>
+      <p:ext uri="{BB962C8B-B14F-4D97-AF65-F5344CB8AC3E}">
+        <p14:creationId xmlns:p14="http://schemas.microsoft.com/office/powerpoint/2010/main" val="125244385"/>
+      </p:ext>
+    </p:extLst>
+  </p:cSld>
+  <p:clrMapOvr>
+    <a:masterClrMapping/>
+  </p:clrMapOvr>
+</p:sld>
+</file>
+
 <file path=ppt/slides/slide3.xml><?xml version="1.0" encoding="utf-8"?>
+<p:sld xmlns:a="http://schemas.openxmlformats.org/drawingml/2006/main" xmlns:r="http://schemas.openxmlformats.org/officeDocument/2006/relationships" xmlns:p="http://schemas.openxmlformats.org/presentationml/2006/main">
+  <p:cSld>
+    <p:spTree>
+      <p:nvGrpSpPr>
+        <p:cNvPr id="1" name=""/>
+        <p:cNvGrpSpPr/>
+        <p:nvPr/>
+      </p:nvGrpSpPr>
+      <p:grpSpPr>
+        <a:xfrm>
+          <a:off x="0" y="0"/>
+          <a:ext cx="0" cy="0"/>
+          <a:chOff x="0" y="0"/>
+          <a:chExt cx="0" cy="0"/>
+        </a:xfrm>
+      </p:grpSpPr>
+      <p:sp>
+        <p:nvSpPr>
+          <p:cNvPr id="2" name="Tytuł 1">
+            <a:extLst>
+              <a:ext uri="{FF2B5EF4-FFF2-40B4-BE49-F238E27FC236}">
+                <a16:creationId xmlns:a16="http://schemas.microsoft.com/office/drawing/2014/main" id="{E35D759D-0154-DDCB-5AE5-29F4994290C4}"/>
+              </a:ext>
+            </a:extLst>
+          </p:cNvPr>
+          <p:cNvSpPr>
+            <a:spLocks noGrp="1"/>
+          </p:cNvSpPr>
+          <p:nvPr>
+            <p:ph type="title"/>
+          </p:nvPr>
+        </p:nvSpPr>
+        <p:spPr/>
+        <p:txBody>
+          <a:bodyPr/>
+          <a:lstStyle/>
+          <a:p>
+            <a:r>
+              <a:rPr lang="pl-PL" dirty="0"/>
+              <a:t>Course </a:t>
+            </a:r>
+            <a:r>
+              <a:rPr lang="pl-PL" dirty="0" err="1"/>
+              <a:t>Details</a:t>
+            </a:r>
+            <a:endParaRPr lang="pl-PL" dirty="0"/>
+          </a:p>
+        </p:txBody>
+      </p:sp>
+      <p:sp>
+        <p:nvSpPr>
+          <p:cNvPr id="3" name="Symbol zastępczy tekstu 2">
+            <a:extLst>
+              <a:ext uri="{FF2B5EF4-FFF2-40B4-BE49-F238E27FC236}">
+                <a16:creationId xmlns:a16="http://schemas.microsoft.com/office/drawing/2014/main" id="{E21D4B2B-D696-E61C-B4C6-45CA2191D032}"/>
+              </a:ext>
+            </a:extLst>
+          </p:cNvPr>
+          <p:cNvSpPr>
+            <a:spLocks noGrp="1"/>
+          </p:cNvSpPr>
+          <p:nvPr>
+            <p:ph type="body" idx="1"/>
+          </p:nvPr>
+        </p:nvSpPr>
+        <p:spPr/>
+        <p:txBody>
+          <a:bodyPr/>
+          <a:lstStyle/>
+          <a:p>
+            <a:endParaRPr lang="pl-PL"/>
+          </a:p>
+        </p:txBody>
+      </p:sp>
+      <p:sp>
+        <p:nvSpPr>
+          <p:cNvPr id="4" name="Symbol zastępczy numeru slajdu 3">
+            <a:extLst>
+              <a:ext uri="{FF2B5EF4-FFF2-40B4-BE49-F238E27FC236}">
+                <a16:creationId xmlns:a16="http://schemas.microsoft.com/office/drawing/2014/main" id="{55165F70-3FA5-8DF5-DCBD-0E78977EB69A}"/>
+              </a:ext>
+            </a:extLst>
+          </p:cNvPr>
+          <p:cNvSpPr>
+            <a:spLocks noGrp="1"/>
+          </p:cNvSpPr>
+          <p:nvPr>
+            <p:ph type="sldNum" sz="quarter" idx="12"/>
+          </p:nvPr>
+        </p:nvSpPr>
+        <p:spPr/>
+        <p:txBody>
+          <a:bodyPr/>
+          <a:lstStyle/>
+          <a:p>
+            <a:fld id="{254C963F-D690-449C-B336-8B464EE7B8DB}" type="slidenum">
+              <a:rPr lang="pl-PL" smtClean="0"/>
+              <a:t>3</a:t>
+            </a:fld>
+            <a:endParaRPr lang="pl-PL" dirty="0"/>
+          </a:p>
+        </p:txBody>
+      </p:sp>
+    </p:spTree>
+    <p:extLst>
+      <p:ext uri="{BB962C8B-B14F-4D97-AF65-F5344CB8AC3E}">
+        <p14:creationId xmlns:p14="http://schemas.microsoft.com/office/powerpoint/2010/main" val="2130001478"/>
+      </p:ext>
+    </p:extLst>
+  </p:cSld>
+  <p:clrMapOvr>
+    <a:masterClrMapping/>
+  </p:clrMapOvr>
+</p:sld>
+</file>
+
+<file path=ppt/slides/slide4.xml><?xml version="1.0" encoding="utf-8"?>
 <p:sld xmlns:a="http://schemas.openxmlformats.org/drawingml/2006/main" xmlns:r="http://schemas.openxmlformats.org/officeDocument/2006/relationships" xmlns:p="http://schemas.openxmlformats.org/presentationml/2006/main">
   <p:cSld>
     <p:spTree>
@@ -7580,7 +9530,7 @@
             <p:ph idx="1"/>
             <p:extLst>
               <p:ext uri="{D42A27DB-BD31-4B8C-83A1-F6EECF244321}">
-                <p14:modId xmlns:p14="http://schemas.microsoft.com/office/powerpoint/2010/main" val="1269769855"/>
+                <p14:modId xmlns:p14="http://schemas.microsoft.com/office/powerpoint/2010/main" val="1613030653"/>
               </p:ext>
             </p:extLst>
           </p:nvPr>
@@ -7611,9 +9561,14 @@
                     <a:lstStyle/>
                     <a:p>
                       <a:r>
-                        <a:rPr lang="en-US" sz="2800" noProof="0"/>
+                        <a:rPr lang="en-US" sz="2800" noProof="0" dirty="0"/>
                         <a:t>Class Topic</a:t>
                       </a:r>
+                      <a:r>
+                        <a:rPr lang="pl-PL" sz="2800" noProof="0" dirty="0"/>
+                        <a:t>s</a:t>
+                      </a:r>
+                      <a:endParaRPr lang="en-US" sz="2800" noProof="0" dirty="0"/>
                     </a:p>
                   </a:txBody>
                   <a:tcPr/>
@@ -7652,11 +9607,27 @@
                     <a:p>
                       <a:r>
                         <a:rPr lang="en-US" sz="2800" noProof="0" dirty="0"/>
-                        <a:t>Part 1: PROGRAMING BASICS</a:t>
+                        <a:t>Part 1: </a:t>
+                      </a:r>
+                      <a:r>
+                        <a:rPr lang="en-US" sz="2800" b="1" noProof="0" dirty="0"/>
+                        <a:t>PROGRAMING BASICS</a:t>
+                      </a:r>
+                      <a:r>
+                        <a:rPr lang="pl-PL" sz="2800" b="1" noProof="0" dirty="0"/>
+                        <a:t> </a:t>
                       </a:r>
                       <a:r>
                         <a:rPr lang="pl-PL" sz="2800" noProof="0" dirty="0"/>
-                        <a:t> (</a:t>
+                        <a:t>(</a:t>
+                      </a:r>
+                      <a:r>
+                        <a:rPr lang="pl-PL" sz="2800" noProof="0" dirty="0" err="1"/>
+                        <a:t>variable</a:t>
+                      </a:r>
+                      <a:r>
+                        <a:rPr lang="pl-PL" sz="2800" noProof="0" dirty="0"/>
+                        <a:t>, </a:t>
                       </a:r>
                       <a:r>
                         <a:rPr lang="pl-PL" sz="2800" noProof="0" dirty="0" err="1"/>
@@ -7668,7 +9639,7 @@
                       </a:r>
                       <a:r>
                         <a:rPr lang="pl-PL" sz="2800" noProof="0" dirty="0" err="1"/>
-                        <a:t>structures</a:t>
+                        <a:t>structure</a:t>
                       </a:r>
                       <a:r>
                         <a:rPr lang="pl-PL" sz="2800" noProof="0" dirty="0"/>
@@ -7676,7 +9647,7 @@
                       </a:r>
                       <a:r>
                         <a:rPr lang="pl-PL" sz="2800" noProof="0" dirty="0" err="1"/>
-                        <a:t>subroutines</a:t>
+                        <a:t>function</a:t>
                       </a:r>
                       <a:r>
                         <a:rPr lang="pl-PL" sz="2800" noProof="0" dirty="0"/>
@@ -7701,43 +9672,35 @@
                     <a:p>
                       <a:r>
                         <a:rPr lang="en-US" sz="2800" noProof="0" dirty="0"/>
-                        <a:t>Part 2: DATA STRUCTURES</a:t>
+                        <a:t>Part 2: </a:t>
+                      </a:r>
+                      <a:r>
+                        <a:rPr lang="en-US" sz="2800" b="1" noProof="0" dirty="0"/>
+                        <a:t>DATA STRUCTURES</a:t>
+                      </a:r>
+                      <a:r>
+                        <a:rPr lang="pl-PL" sz="2800" b="1" noProof="0" dirty="0"/>
+                        <a:t> </a:t>
                       </a:r>
                       <a:r>
                         <a:rPr lang="pl-PL" sz="2800" noProof="0" dirty="0"/>
-                        <a:t> (</a:t>
+                        <a:t>(</a:t>
                       </a:r>
                       <a:r>
                         <a:rPr lang="pl-PL" sz="2800" noProof="0" dirty="0" err="1"/>
-                        <a:t>arrays</a:t>
+                        <a:t>array</a:t>
                       </a:r>
                       <a:r>
                         <a:rPr lang="pl-PL" sz="2800" noProof="0" dirty="0"/>
-                        <a:t>, </a:t>
+                        <a:t>, file, </a:t>
                       </a:r>
                       <a:r>
                         <a:rPr lang="pl-PL" sz="2800" noProof="0" dirty="0" err="1"/>
-                        <a:t>files</a:t>
+                        <a:t>dictionary</a:t>
                       </a:r>
                       <a:r>
                         <a:rPr lang="pl-PL" sz="2800" noProof="0" dirty="0"/>
-                        <a:t>, </a:t>
-                      </a:r>
-                      <a:r>
-                        <a:rPr lang="pl-PL" sz="2800" noProof="0" dirty="0" err="1"/>
-                        <a:t>dictionaries</a:t>
-                      </a:r>
-                      <a:r>
-                        <a:rPr lang="pl-PL" sz="2800" noProof="0" dirty="0"/>
-                        <a:t>, </a:t>
-                      </a:r>
-                      <a:r>
-                        <a:rPr lang="pl-PL" sz="2800" noProof="0" dirty="0" err="1"/>
-                        <a:t>stacks</a:t>
-                      </a:r>
-                      <a:r>
-                        <a:rPr lang="pl-PL" sz="2800" noProof="0" dirty="0"/>
-                        <a:t> )</a:t>
+                        <a:t>, set)</a:t>
                       </a:r>
                       <a:endParaRPr lang="en-US" sz="2800" noProof="0" dirty="0"/>
                     </a:p>
@@ -7761,12 +9724,16 @@
                         <a:t>Part 3: </a:t>
                       </a:r>
                       <a:r>
+                        <a:rPr lang="pl-PL" sz="2800" b="1" noProof="0" dirty="0"/>
+                        <a:t>PROGRAMMING PARADIGMS </a:t>
+                      </a:r>
+                      <a:r>
                         <a:rPr lang="pl-PL" sz="2800" noProof="0" dirty="0"/>
-                        <a:t>PROGRAMMING PARADIGMS (</a:t>
+                        <a:t>(</a:t>
                       </a:r>
                       <a:r>
                         <a:rPr lang="pl-PL" sz="2800" noProof="0" dirty="0" err="1"/>
-                        <a:t>classes</a:t>
+                        <a:t>class</a:t>
                       </a:r>
                       <a:r>
                         <a:rPr lang="pl-PL" sz="2800" noProof="0" dirty="0"/>
@@ -7774,7 +9741,7 @@
                       </a:r>
                       <a:r>
                         <a:rPr lang="pl-PL" sz="2800" noProof="0" dirty="0" err="1"/>
-                        <a:t>objects</a:t>
+                        <a:t>object</a:t>
                       </a:r>
                       <a:r>
                         <a:rPr lang="pl-PL" sz="2800" noProof="0" dirty="0"/>
@@ -7782,7 +9749,7 @@
                       </a:r>
                       <a:r>
                         <a:rPr lang="pl-PL" sz="2800" noProof="0" dirty="0" err="1"/>
-                        <a:t>functions</a:t>
+                        <a:t>method</a:t>
                       </a:r>
                       <a:r>
                         <a:rPr lang="pl-PL" sz="2800" noProof="0" dirty="0"/>
@@ -7819,7 +9786,15 @@
                       </a:r>
                       <a:r>
                         <a:rPr lang="pl-PL" sz="2800" noProof="0" dirty="0"/>
-                        <a:t> (for </a:t>
+                        <a:t> (</a:t>
+                      </a:r>
+                      <a:r>
+                        <a:rPr lang="pl-PL" sz="2800" noProof="0" dirty="0" err="1"/>
+                        <a:t>only</a:t>
+                      </a:r>
+                      <a:r>
+                        <a:rPr lang="pl-PL" sz="2800" noProof="0" dirty="0"/>
+                        <a:t> for </a:t>
                       </a:r>
                       <a:r>
                         <a:rPr lang="pl-PL" sz="2800" noProof="0" dirty="0" err="1"/>
@@ -7895,7 +9870,7 @@
           <a:p>
             <a:fld id="{254C963F-D690-449C-B336-8B464EE7B8DB}" type="slidenum">
               <a:rPr lang="en-US" smtClean="0"/>
-              <a:t>3</a:t>
+              <a:t>4</a:t>
             </a:fld>
             <a:endParaRPr lang="en-US"/>
           </a:p>
@@ -7942,7 +9917,7 @@
 </p:sld>
 </file>
 
-<file path=ppt/slides/slide4.xml><?xml version="1.0" encoding="utf-8"?>
+<file path=ppt/slides/slide5.xml><?xml version="1.0" encoding="utf-8"?>
 <p:sld xmlns:a="http://schemas.openxmlformats.org/drawingml/2006/main" xmlns:r="http://schemas.openxmlformats.org/officeDocument/2006/relationships" xmlns:p="http://schemas.openxmlformats.org/presentationml/2006/main">
   <p:cSld>
     <p:spTree>
@@ -7982,7 +9957,7 @@
           <a:p>
             <a:r>
               <a:rPr lang="en-US" dirty="0"/>
-              <a:t>Conditions for Completing the Course</a:t>
+              <a:t>Passing Course</a:t>
             </a:r>
           </a:p>
         </p:txBody>
@@ -8008,21 +9983,70 @@
           <a:bodyPr/>
           <a:lstStyle/>
           <a:p>
+            <a:pPr marL="514350" indent="-514350">
+              <a:buFont typeface="+mj-lt"/>
+              <a:buAutoNum type="arabicPeriod"/>
+            </a:pPr>
             <a:r>
               <a:rPr lang="en-US" dirty="0"/>
-              <a:t>You will get points for four tests</a:t>
-            </a:r>
-          </a:p>
-          <a:p>
+              <a:t>You</a:t>
+            </a:r>
+            <a:r>
+              <a:rPr lang="pl-PL" dirty="0"/>
+              <a:t> </a:t>
+            </a:r>
+            <a:r>
+              <a:rPr lang="pl-PL" dirty="0" err="1"/>
+              <a:t>can</a:t>
+            </a:r>
             <a:r>
               <a:rPr lang="en-US" dirty="0"/>
-              <a:t>You can get extra points for completing additional (optional) tasks</a:t>
-            </a:r>
-          </a:p>
-          <a:p>
+              <a:t> get points </a:t>
+            </a:r>
+            <a:r>
+              <a:rPr lang="pl-PL" dirty="0"/>
+              <a:t>from </a:t>
+            </a:r>
             <a:r>
               <a:rPr lang="en-US" dirty="0"/>
-              <a:t>If you are not prepared for the regular class, you may lose some points</a:t>
+              <a:t>three</a:t>
+            </a:r>
+            <a:r>
+              <a:rPr lang="pl-PL" dirty="0"/>
+              <a:t> </a:t>
+            </a:r>
+            <a:r>
+              <a:rPr lang="en-US" dirty="0"/>
+              <a:t>tests</a:t>
+            </a:r>
+          </a:p>
+          <a:p>
+            <a:pPr marL="514350" indent="-514350">
+              <a:buFont typeface="+mj-lt"/>
+              <a:buAutoNum type="arabicPeriod"/>
+            </a:pPr>
+            <a:r>
+              <a:rPr lang="en-US" dirty="0"/>
+              <a:t>In case of an excused absence, you can complete the test at the end of the semester</a:t>
+            </a:r>
+            <a:endParaRPr lang="pl-PL" dirty="0"/>
+          </a:p>
+          <a:p>
+            <a:pPr marL="514350" indent="-514350">
+              <a:buFont typeface="+mj-lt"/>
+              <a:buAutoNum type="arabicPeriod"/>
+            </a:pPr>
+            <a:r>
+              <a:rPr lang="en-US" dirty="0"/>
+              <a:t>If you are not prepared for the regular class</a:t>
+            </a:r>
+            <a:r>
+              <a:rPr lang="pl-PL" dirty="0"/>
+              <a:t>es</a:t>
+            </a:r>
+            <a:r>
+              <a:rPr lang="en-US" dirty="0"/>
+              <a:t>, you may lose some points</a:t>
             </a:r>
           </a:p>
         </p:txBody>
@@ -8067,14 +10091,14 @@
           <p:nvPr>
             <p:extLst>
               <p:ext uri="{D42A27DB-BD31-4B8C-83A1-F6EECF244321}">
-                <p14:modId xmlns:p14="http://schemas.microsoft.com/office/powerpoint/2010/main" val="1606279060"/>
+                <p14:modId xmlns:p14="http://schemas.microsoft.com/office/powerpoint/2010/main" val="2855112244"/>
               </p:ext>
             </p:extLst>
           </p:nvPr>
         </p:nvGraphicFramePr>
         <p:xfrm>
           <a:off x="6172200" y="1825625"/>
-          <a:ext cx="5181600" cy="3698714"/>
+          <a:ext cx="5181600" cy="3077873"/>
         </p:xfrm>
         <a:graphic>
           <a:graphicData uri="http://schemas.openxmlformats.org/drawingml/2006/table">
@@ -8142,12 +10166,18 @@
                         </a:spcAft>
                       </a:pPr>
                       <a:r>
-                        <a:rPr lang="en-US" sz="2800" noProof="0">
+                        <a:rPr lang="pl-PL" sz="2800" noProof="0" dirty="0">
                           <a:effectLst/>
                         </a:rPr>
-                        <a:t>Max. points</a:t>
+                        <a:t>P</a:t>
                       </a:r>
-                      <a:endParaRPr lang="en-US" sz="2800" noProof="0">
+                      <a:r>
+                        <a:rPr lang="en-US" sz="2800" noProof="0" dirty="0" err="1">
+                          <a:effectLst/>
+                        </a:rPr>
+                        <a:t>oints</a:t>
+                      </a:r>
+                      <a:endParaRPr lang="en-US" sz="2800" noProof="0" dirty="0">
                         <a:effectLst/>
                         <a:latin typeface="Calibri" panose="020F0502020204030204" pitchFamily="34" charset="0"/>
                         <a:ea typeface="Calibri" panose="020F0502020204030204" pitchFamily="34" charset="0"/>
@@ -8213,7 +10243,7 @@
                           <a:ea typeface="Calibri" panose="020F0502020204030204" pitchFamily="34" charset="0"/>
                           <a:cs typeface="Times New Roman" panose="02020603050405020304" pitchFamily="18" charset="0"/>
                         </a:rPr>
-                        <a:t>4</a:t>
+                        <a:t>0-6</a:t>
                       </a:r>
                       <a:endParaRPr lang="en-US" sz="2800" noProof="0" dirty="0">
                         <a:effectLst/>
@@ -8278,7 +10308,7 @@
                         <a:rPr lang="pl-PL" sz="2800" noProof="0" dirty="0">
                           <a:effectLst/>
                         </a:rPr>
-                        <a:t>6</a:t>
+                        <a:t>0-7</a:t>
                       </a:r>
                       <a:endParaRPr lang="en-US" sz="2800" noProof="0" dirty="0">
                         <a:effectLst/>
@@ -8346,7 +10376,7 @@
                           <a:ea typeface="Calibri" panose="020F0502020204030204" pitchFamily="34" charset="0"/>
                           <a:cs typeface="Times New Roman" panose="02020603050405020304" pitchFamily="18" charset="0"/>
                         </a:rPr>
-                        <a:t>8</a:t>
+                        <a:t>0-7</a:t>
                       </a:r>
                       <a:endParaRPr lang="en-US" sz="2800" noProof="0" dirty="0">
                         <a:effectLst/>
@@ -8361,86 +10391,6 @@
                 <a:extLst>
                   <a:ext uri="{0D108BD9-81ED-4DB2-BD59-A6C34878D82A}">
                     <a16:rowId xmlns:a16="http://schemas.microsoft.com/office/drawing/2014/main" val="1952510734"/>
-                  </a:ext>
-                </a:extLst>
-              </a:tr>
-              <a:tr h="620841">
-                <a:tc>
-                  <a:txBody>
-                    <a:bodyPr/>
-                    <a:lstStyle/>
-                    <a:p>
-                      <a:pPr algn="ctr">
-                        <a:lnSpc>
-                          <a:spcPct val="107000"/>
-                        </a:lnSpc>
-                        <a:spcAft>
-                          <a:spcPts val="800"/>
-                        </a:spcAft>
-                      </a:pPr>
-                      <a:r>
-                        <a:rPr lang="pl-PL" sz="2800" noProof="0" dirty="0">
-                          <a:effectLst/>
-                          <a:latin typeface="Calibri" panose="020F0502020204030204" pitchFamily="34" charset="0"/>
-                          <a:ea typeface="Calibri" panose="020F0502020204030204" pitchFamily="34" charset="0"/>
-                          <a:cs typeface="Times New Roman" panose="02020603050405020304" pitchFamily="18" charset="0"/>
-                        </a:rPr>
-                        <a:t>Test </a:t>
-                      </a:r>
-                      <a:r>
-                        <a:rPr lang="pl-PL" sz="2800" noProof="0" dirty="0" err="1">
-                          <a:effectLst/>
-                          <a:latin typeface="Calibri" panose="020F0502020204030204" pitchFamily="34" charset="0"/>
-                          <a:ea typeface="Calibri" panose="020F0502020204030204" pitchFamily="34" charset="0"/>
-                          <a:cs typeface="Times New Roman" panose="02020603050405020304" pitchFamily="18" charset="0"/>
-                        </a:rPr>
-                        <a:t>Theory</a:t>
-                      </a:r>
-                      <a:endParaRPr lang="en-US" sz="2800" noProof="0" dirty="0">
-                        <a:effectLst/>
-                        <a:latin typeface="Calibri" panose="020F0502020204030204" pitchFamily="34" charset="0"/>
-                        <a:ea typeface="Calibri" panose="020F0502020204030204" pitchFamily="34" charset="0"/>
-                        <a:cs typeface="Times New Roman" panose="02020603050405020304" pitchFamily="18" charset="0"/>
-                      </a:endParaRPr>
-                    </a:p>
-                  </a:txBody>
-                  <a:tcPr marL="205740" marR="205740" marT="0" marB="0"/>
-                </a:tc>
-                <a:tc>
-                  <a:txBody>
-                    <a:bodyPr/>
-                    <a:lstStyle/>
-                    <a:p>
-                      <a:pPr algn="ctr">
-                        <a:lnSpc>
-                          <a:spcPct val="107000"/>
-                        </a:lnSpc>
-                        <a:spcAft>
-                          <a:spcPts val="800"/>
-                        </a:spcAft>
-                      </a:pPr>
-                      <a:r>
-                        <a:rPr lang="pl-PL" sz="2800" noProof="0" dirty="0">
-                          <a:effectLst/>
-                          <a:latin typeface="Calibri" panose="020F0502020204030204" pitchFamily="34" charset="0"/>
-                          <a:ea typeface="Calibri" panose="020F0502020204030204" pitchFamily="34" charset="0"/>
-                          <a:cs typeface="Times New Roman" panose="02020603050405020304" pitchFamily="18" charset="0"/>
-                        </a:rPr>
-                        <a:t>2</a:t>
-                      </a:r>
-                      <a:endParaRPr lang="en-US" sz="2800" noProof="0" dirty="0">
-                        <a:effectLst/>
-                        <a:latin typeface="Calibri" panose="020F0502020204030204" pitchFamily="34" charset="0"/>
-                        <a:ea typeface="Calibri" panose="020F0502020204030204" pitchFamily="34" charset="0"/>
-                        <a:cs typeface="Times New Roman" panose="02020603050405020304" pitchFamily="18" charset="0"/>
-                      </a:endParaRPr>
-                    </a:p>
-                  </a:txBody>
-                  <a:tcPr marL="205740" marR="205740" marT="0" marB="0"/>
-                </a:tc>
-                <a:extLst>
-                  <a:ext uri="{0D108BD9-81ED-4DB2-BD59-A6C34878D82A}">
-                    <a16:rowId xmlns:a16="http://schemas.microsoft.com/office/drawing/2014/main" val="3431299314"/>
                   </a:ext>
                 </a:extLst>
               </a:tr>
@@ -8494,7 +10444,7 @@
                           <a:ea typeface="Calibri" panose="020F0502020204030204" pitchFamily="34" charset="0"/>
                           <a:cs typeface="Times New Roman" panose="02020603050405020304" pitchFamily="18" charset="0"/>
                         </a:rPr>
-                        <a:t>20</a:t>
+                        <a:t>0-20</a:t>
                       </a:r>
                       <a:endParaRPr lang="en-US" sz="2800" noProof="0" dirty="0">
                         <a:effectLst/>
@@ -8529,7 +10479,7 @@
 </p:sld>
 </file>
 
-<file path=ppt/slides/slide5.xml><?xml version="1.0" encoding="utf-8"?>
+<file path=ppt/slides/slide6.xml><?xml version="1.0" encoding="utf-8"?>
 <p:sld xmlns:a="http://schemas.openxmlformats.org/drawingml/2006/main" xmlns:r="http://schemas.openxmlformats.org/officeDocument/2006/relationships" xmlns:p="http://schemas.openxmlformats.org/presentationml/2006/main">
   <p:cSld>
     <p:spTree>
@@ -8636,7 +10586,7 @@
           <a:p>
             <a:fld id="{254C963F-D690-449C-B336-8B464EE7B8DB}" type="slidenum">
               <a:rPr lang="en-US" smtClean="0"/>
-              <a:t>5</a:t>
+              <a:t>6</a:t>
             </a:fld>
             <a:endParaRPr lang="en-US"/>
           </a:p>
@@ -8658,14 +10608,14 @@
             <p:ph sz="half" idx="2"/>
             <p:extLst>
               <p:ext uri="{D42A27DB-BD31-4B8C-83A1-F6EECF244321}">
-                <p14:modId xmlns:p14="http://schemas.microsoft.com/office/powerpoint/2010/main" val="233665668"/>
+                <p14:modId xmlns:p14="http://schemas.microsoft.com/office/powerpoint/2010/main" val="4125274505"/>
               </p:ext>
             </p:extLst>
           </p:nvPr>
         </p:nvGraphicFramePr>
         <p:xfrm>
           <a:off x="6351373" y="1825625"/>
-          <a:ext cx="4596714" cy="3857446"/>
+          <a:ext cx="4596713" cy="3857446"/>
         </p:xfrm>
         <a:graphic>
           <a:graphicData uri="http://schemas.openxmlformats.org/drawingml/2006/table">
@@ -8674,7 +10624,7 @@
                 <a:tableStyleId>{C083E6E3-FA7D-4D7B-A595-EF9225AFEA82}</a:tableStyleId>
               </a:tblPr>
               <a:tblGrid>
-                <a:gridCol w="2323816">
+                <a:gridCol w="2323815">
                   <a:extLst>
                     <a:ext uri="{9D8B030D-6E8A-4147-A177-3AD203B41FA5}">
                       <a16:colId xmlns:a16="http://schemas.microsoft.com/office/drawing/2014/main" val="3233469151"/>
@@ -8810,12 +10760,12 @@
                         </a:spcAft>
                       </a:pPr>
                       <a:r>
-                        <a:rPr lang="en-US" sz="2800" b="0" u="none" strike="noStrike" noProof="0">
+                        <a:rPr lang="en-US" sz="2800" b="0" u="none" strike="noStrike" noProof="0" dirty="0">
                           <a:effectLst/>
                         </a:rPr>
                         <a:t>5.0</a:t>
                       </a:r>
-                      <a:endParaRPr lang="en-US" sz="4800" b="0" i="0" u="none" strike="noStrike" noProof="0">
+                      <a:endParaRPr lang="en-US" sz="4800" b="0" i="0" u="none" strike="noStrike" noProof="0" dirty="0">
                         <a:effectLst/>
                         <a:latin typeface="Arial" panose="020B0604020202020204" pitchFamily="34" charset="0"/>
                       </a:endParaRPr>
@@ -8883,12 +10833,12 @@
                         </a:spcAft>
                       </a:pPr>
                       <a:r>
-                        <a:rPr lang="en-US" sz="2800" b="0" u="none" strike="noStrike" noProof="0">
+                        <a:rPr lang="en-US" sz="2800" b="0" u="none" strike="noStrike" noProof="0" dirty="0">
                           <a:effectLst/>
                         </a:rPr>
                         <a:t>4.5</a:t>
                       </a:r>
-                      <a:endParaRPr lang="en-US" sz="4800" b="0" i="0" u="none" strike="noStrike" noProof="0">
+                      <a:endParaRPr lang="en-US" sz="4800" b="0" i="0" u="none" strike="noStrike" noProof="0" dirty="0">
                         <a:effectLst/>
                         <a:latin typeface="Arial" panose="020B0604020202020204" pitchFamily="34" charset="0"/>
                       </a:endParaRPr>
@@ -9075,13 +11025,7 @@
                         <a:rPr lang="pl-PL" sz="2800" b="0" u="none" strike="noStrike" noProof="0" dirty="0">
                           <a:effectLst/>
                         </a:rPr>
-                        <a:t>1</a:t>
-                      </a:r>
-                      <a:r>
-                        <a:rPr lang="en-US" sz="2800" b="0" u="none" strike="noStrike" noProof="0" dirty="0">
-                          <a:effectLst/>
-                        </a:rPr>
-                        <a:t>0</a:t>
+                        <a:t>10</a:t>
                       </a:r>
                       <a:endParaRPr lang="en-US" sz="4800" b="0" i="0" u="none" strike="noStrike" noProof="0" dirty="0">
                         <a:effectLst/>
@@ -9108,12 +11052,12 @@
                         </a:spcAft>
                       </a:pPr>
                       <a:r>
-                        <a:rPr lang="en-US" sz="2800" b="0" u="none" strike="noStrike" noProof="0">
+                        <a:rPr lang="en-US" sz="2800" b="0" u="none" strike="noStrike" noProof="0" dirty="0">
                           <a:effectLst/>
                         </a:rPr>
                         <a:t>3.0</a:t>
                       </a:r>
-                      <a:endParaRPr lang="en-US" sz="4800" b="0" i="0" u="none" strike="noStrike" noProof="0">
+                      <a:endParaRPr lang="en-US" sz="4800" b="0" i="0" u="none" strike="noStrike" noProof="0" dirty="0">
                         <a:effectLst/>
                         <a:latin typeface="Arial" panose="020B0604020202020204" pitchFamily="34" charset="0"/>
                       </a:endParaRPr>
@@ -9154,13 +11098,7 @@
                         <a:rPr lang="pl-PL" sz="2800" b="0" u="none" strike="noStrike" noProof="0" dirty="0">
                           <a:effectLst/>
                         </a:rPr>
-                        <a:t>1</a:t>
-                      </a:r>
-                      <a:r>
-                        <a:rPr lang="en-US" sz="2800" b="0" u="none" strike="noStrike" noProof="0" dirty="0">
-                          <a:effectLst/>
-                        </a:rPr>
-                        <a:t>0</a:t>
+                        <a:t>10</a:t>
                       </a:r>
                       <a:endParaRPr lang="en-US" sz="4800" b="0" i="0" u="none" strike="noStrike" noProof="0" dirty="0">
                         <a:effectLst/>
@@ -9223,351 +11161,6 @@
 </p:sld>
 </file>
 
-<file path=ppt/slides/slide6.xml><?xml version="1.0" encoding="utf-8"?>
-<p:sld xmlns:a="http://schemas.openxmlformats.org/drawingml/2006/main" xmlns:r="http://schemas.openxmlformats.org/officeDocument/2006/relationships" xmlns:p="http://schemas.openxmlformats.org/presentationml/2006/main">
-  <p:cSld>
-    <p:spTree>
-      <p:nvGrpSpPr>
-        <p:cNvPr id="1" name=""/>
-        <p:cNvGrpSpPr/>
-        <p:nvPr/>
-      </p:nvGrpSpPr>
-      <p:grpSpPr>
-        <a:xfrm>
-          <a:off x="0" y="0"/>
-          <a:ext cx="0" cy="0"/>
-          <a:chOff x="0" y="0"/>
-          <a:chExt cx="0" cy="0"/>
-        </a:xfrm>
-      </p:grpSpPr>
-      <p:sp>
-        <p:nvSpPr>
-          <p:cNvPr id="2" name="Symbol zastępczy zawartości 1">
-            <a:extLst>
-              <a:ext uri="{FF2B5EF4-FFF2-40B4-BE49-F238E27FC236}">
-                <a16:creationId xmlns:a16="http://schemas.microsoft.com/office/drawing/2014/main" id="{309C3F9F-97F3-7ECD-C43A-0814982B5D7D}"/>
-              </a:ext>
-            </a:extLst>
-          </p:cNvPr>
-          <p:cNvSpPr>
-            <a:spLocks noGrp="1"/>
-          </p:cNvSpPr>
-          <p:nvPr>
-            <p:ph idx="1"/>
-          </p:nvPr>
-        </p:nvSpPr>
-        <p:spPr/>
-        <p:txBody>
-          <a:bodyPr/>
-          <a:lstStyle/>
-          <a:p>
-            <a:r>
-              <a:rPr lang="pl-PL" dirty="0"/>
-              <a:t>Source-</a:t>
-            </a:r>
-            <a:r>
-              <a:rPr lang="pl-PL" dirty="0" err="1"/>
-              <a:t>Code</a:t>
-            </a:r>
-            <a:r>
-              <a:rPr lang="pl-PL" dirty="0"/>
-              <a:t> Editor</a:t>
-            </a:r>
-            <a:br>
-              <a:rPr lang="pl-PL" dirty="0"/>
-            </a:br>
-            <a:r>
-              <a:rPr lang="pl-PL" dirty="0"/>
-              <a:t>Microsoft Visual Studio </a:t>
-            </a:r>
-            <a:r>
-              <a:rPr lang="pl-PL" dirty="0" err="1"/>
-              <a:t>Code</a:t>
-            </a:r>
-            <a:br>
-              <a:rPr lang="pl-PL" dirty="0"/>
-            </a:br>
-            <a:r>
-              <a:rPr lang="pl-PL" dirty="0">
-                <a:hlinkClick r:id="rId2"/>
-              </a:rPr>
-              <a:t>https://code.visualstudio.com/</a:t>
-            </a:r>
-            <a:r>
-              <a:rPr lang="pl-PL" dirty="0"/>
-              <a:t> </a:t>
-            </a:r>
-          </a:p>
-          <a:p>
-            <a:r>
-              <a:rPr lang="pl-PL" dirty="0" err="1"/>
-              <a:t>Programing</a:t>
-            </a:r>
-            <a:r>
-              <a:rPr lang="pl-PL" dirty="0"/>
-              <a:t> </a:t>
-            </a:r>
-            <a:r>
-              <a:rPr lang="pl-PL" dirty="0" err="1"/>
-              <a:t>language</a:t>
-            </a:r>
-            <a:br>
-              <a:rPr lang="pl-PL" dirty="0"/>
-            </a:br>
-            <a:r>
-              <a:rPr lang="pl-PL" dirty="0" err="1"/>
-              <a:t>Python</a:t>
-            </a:r>
-            <a:br>
-              <a:rPr lang="pl-PL" dirty="0"/>
-            </a:br>
-            <a:r>
-              <a:rPr lang="pl-PL" dirty="0">
-                <a:hlinkClick r:id="rId3"/>
-              </a:rPr>
-              <a:t>https://www.python.org</a:t>
-            </a:r>
-            <a:endParaRPr lang="pl-PL" dirty="0"/>
-          </a:p>
-          <a:p>
-            <a:r>
-              <a:rPr lang="pl-PL" dirty="0"/>
-              <a:t>Distributed Version Control</a:t>
-            </a:r>
-            <a:br>
-              <a:rPr lang="pl-PL" dirty="0"/>
-            </a:br>
-            <a:r>
-              <a:rPr lang="pl-PL" dirty="0"/>
-              <a:t>Git</a:t>
-            </a:r>
-            <a:br>
-              <a:rPr lang="pl-PL" dirty="0"/>
-            </a:br>
-            <a:r>
-              <a:rPr lang="pl-PL" dirty="0">
-                <a:hlinkClick r:id="rId4"/>
-              </a:rPr>
-              <a:t>https://git-scm.com</a:t>
-            </a:r>
-            <a:r>
-              <a:rPr lang="pl-PL" dirty="0"/>
-              <a:t> </a:t>
-            </a:r>
-          </a:p>
-        </p:txBody>
-      </p:sp>
-      <p:sp>
-        <p:nvSpPr>
-          <p:cNvPr id="3" name="Symbol zastępczy numeru slajdu 2">
-            <a:extLst>
-              <a:ext uri="{FF2B5EF4-FFF2-40B4-BE49-F238E27FC236}">
-                <a16:creationId xmlns:a16="http://schemas.microsoft.com/office/drawing/2014/main" id="{40BD1CA7-2B8E-F134-9324-95B157BEDAD1}"/>
-              </a:ext>
-            </a:extLst>
-          </p:cNvPr>
-          <p:cNvSpPr>
-            <a:spLocks noGrp="1"/>
-          </p:cNvSpPr>
-          <p:nvPr>
-            <p:ph type="sldNum" sz="quarter" idx="12"/>
-          </p:nvPr>
-        </p:nvSpPr>
-        <p:spPr/>
-        <p:txBody>
-          <a:bodyPr/>
-          <a:lstStyle/>
-          <a:p>
-            <a:fld id="{254C963F-D690-449C-B336-8B464EE7B8DB}" type="slidenum">
-              <a:rPr lang="pl-PL" smtClean="0"/>
-              <a:t>6</a:t>
-            </a:fld>
-            <a:endParaRPr lang="pl-PL" dirty="0"/>
-          </a:p>
-        </p:txBody>
-      </p:sp>
-      <p:sp>
-        <p:nvSpPr>
-          <p:cNvPr id="4" name="Tytuł 3">
-            <a:extLst>
-              <a:ext uri="{FF2B5EF4-FFF2-40B4-BE49-F238E27FC236}">
-                <a16:creationId xmlns:a16="http://schemas.microsoft.com/office/drawing/2014/main" id="{8175EA3C-3BB5-6929-5A00-F5582830199B}"/>
-              </a:ext>
-            </a:extLst>
-          </p:cNvPr>
-          <p:cNvSpPr>
-            <a:spLocks noGrp="1"/>
-          </p:cNvSpPr>
-          <p:nvPr>
-            <p:ph type="title"/>
-          </p:nvPr>
-        </p:nvSpPr>
-        <p:spPr/>
-        <p:txBody>
-          <a:bodyPr/>
-          <a:lstStyle/>
-          <a:p>
-            <a:r>
-              <a:rPr lang="pl-PL" dirty="0"/>
-              <a:t>Tools</a:t>
-            </a:r>
-          </a:p>
-        </p:txBody>
-      </p:sp>
-      <p:pic>
-        <p:nvPicPr>
-          <p:cNvPr id="5" name="Picture 4" descr="Ilustracja">
-            <a:extLst>
-              <a:ext uri="{FF2B5EF4-FFF2-40B4-BE49-F238E27FC236}">
-                <a16:creationId xmlns:a16="http://schemas.microsoft.com/office/drawing/2014/main" id="{8E6E0C4C-FF98-CF04-8A3C-BD29229EFE5B}"/>
-              </a:ext>
-            </a:extLst>
-          </p:cNvPr>
-          <p:cNvPicPr>
-            <a:picLocks noChangeAspect="1" noChangeArrowheads="1"/>
-          </p:cNvPicPr>
-          <p:nvPr/>
-        </p:nvPicPr>
-        <p:blipFill>
-          <a:blip r:embed="rId5">
-            <a:extLst>
-              <a:ext uri="{28A0092B-C50C-407E-A947-70E740481C1C}">
-                <a14:useLocalDpi xmlns:a14="http://schemas.microsoft.com/office/drawing/2010/main" val="0"/>
-              </a:ext>
-            </a:extLst>
-          </a:blip>
-          <a:srcRect/>
-          <a:stretch>
-            <a:fillRect/>
-          </a:stretch>
-        </p:blipFill>
-        <p:spPr bwMode="auto">
-          <a:xfrm>
-            <a:off x="7831615" y="3479387"/>
-            <a:ext cx="3522185" cy="1043814"/>
-          </a:xfrm>
-          <a:prstGeom prst="rect">
-            <a:avLst/>
-          </a:prstGeom>
-          <a:noFill/>
-          <a:extLst>
-            <a:ext uri="{909E8E84-426E-40DD-AFC4-6F175D3DCCD1}">
-              <a14:hiddenFill xmlns:a14="http://schemas.microsoft.com/office/drawing/2010/main">
-                <a:solidFill>
-                  <a:srgbClr val="FFFFFF"/>
-                </a:solidFill>
-              </a14:hiddenFill>
-            </a:ext>
-          </a:extLst>
-        </p:spPr>
-      </p:pic>
-      <p:pic>
-        <p:nvPicPr>
-          <p:cNvPr id="6" name="Picture 6" descr="Zobacz obraz źródłowy">
-            <a:extLst>
-              <a:ext uri="{FF2B5EF4-FFF2-40B4-BE49-F238E27FC236}">
-                <a16:creationId xmlns:a16="http://schemas.microsoft.com/office/drawing/2014/main" id="{577B9830-B9FA-721A-A31A-0B608924457C}"/>
-              </a:ext>
-            </a:extLst>
-          </p:cNvPr>
-          <p:cNvPicPr>
-            <a:picLocks noChangeAspect="1" noChangeArrowheads="1"/>
-          </p:cNvPicPr>
-          <p:nvPr/>
-        </p:nvPicPr>
-        <p:blipFill>
-          <a:blip r:embed="rId6">
-            <a:extLst>
-              <a:ext uri="{28A0092B-C50C-407E-A947-70E740481C1C}">
-                <a14:useLocalDpi xmlns:a14="http://schemas.microsoft.com/office/drawing/2010/main" val="0"/>
-              </a:ext>
-            </a:extLst>
-          </a:blip>
-          <a:srcRect/>
-          <a:stretch>
-            <a:fillRect/>
-          </a:stretch>
-        </p:blipFill>
-        <p:spPr bwMode="auto">
-          <a:xfrm>
-            <a:off x="9026853" y="1866980"/>
-            <a:ext cx="1910693" cy="1433020"/>
-          </a:xfrm>
-          <a:prstGeom prst="rect">
-            <a:avLst/>
-          </a:prstGeom>
-          <a:noFill/>
-          <a:extLst>
-            <a:ext uri="{909E8E84-426E-40DD-AFC4-6F175D3DCCD1}">
-              <a14:hiddenFill xmlns:a14="http://schemas.microsoft.com/office/drawing/2010/main">
-                <a:solidFill>
-                  <a:srgbClr val="FFFFFF"/>
-                </a:solidFill>
-              </a14:hiddenFill>
-            </a:ext>
-          </a:extLst>
-        </p:spPr>
-      </p:pic>
-      <p:pic>
-        <p:nvPicPr>
-          <p:cNvPr id="2052" name="Picture 4" descr="Zobacz obraz źródłowy">
-            <a:extLst>
-              <a:ext uri="{FF2B5EF4-FFF2-40B4-BE49-F238E27FC236}">
-                <a16:creationId xmlns:a16="http://schemas.microsoft.com/office/drawing/2014/main" id="{C399AFF6-3D0B-7D8D-8711-EF0650A66AE6}"/>
-              </a:ext>
-            </a:extLst>
-          </p:cNvPr>
-          <p:cNvPicPr>
-            <a:picLocks noChangeAspect="1" noChangeArrowheads="1"/>
-          </p:cNvPicPr>
-          <p:nvPr/>
-        </p:nvPicPr>
-        <p:blipFill>
-          <a:blip r:embed="rId7">
-            <a:extLst>
-              <a:ext uri="{28A0092B-C50C-407E-A947-70E740481C1C}">
-                <a14:useLocalDpi xmlns:a14="http://schemas.microsoft.com/office/drawing/2010/main" val="0"/>
-              </a:ext>
-            </a:extLst>
-          </a:blip>
-          <a:srcRect/>
-          <a:stretch>
-            <a:fillRect/>
-          </a:stretch>
-        </p:blipFill>
-        <p:spPr bwMode="auto">
-          <a:xfrm>
-            <a:off x="7374193" y="4735846"/>
-            <a:ext cx="4447416" cy="1482472"/>
-          </a:xfrm>
-          <a:prstGeom prst="rect">
-            <a:avLst/>
-          </a:prstGeom>
-          <a:noFill/>
-          <a:extLst>
-            <a:ext uri="{909E8E84-426E-40DD-AFC4-6F175D3DCCD1}">
-              <a14:hiddenFill xmlns:a14="http://schemas.microsoft.com/office/drawing/2010/main">
-                <a:solidFill>
-                  <a:srgbClr val="FFFFFF"/>
-                </a:solidFill>
-              </a14:hiddenFill>
-            </a:ext>
-          </a:extLst>
-        </p:spPr>
-      </p:pic>
-    </p:spTree>
-    <p:extLst>
-      <p:ext uri="{BB962C8B-B14F-4D97-AF65-F5344CB8AC3E}">
-        <p14:creationId xmlns:p14="http://schemas.microsoft.com/office/powerpoint/2010/main" val="2204798088"/>
-      </p:ext>
-    </p:extLst>
-  </p:cSld>
-  <p:clrMapOvr>
-    <a:masterClrMapping/>
-  </p:clrMapOvr>
-</p:sld>
-</file>
-
 <file path=ppt/slides/slide7.xml><?xml version="1.0" encoding="utf-8"?>
 <p:sld xmlns:a="http://schemas.openxmlformats.org/drawingml/2006/main" xmlns:r="http://schemas.openxmlformats.org/officeDocument/2006/relationships" xmlns:p="http://schemas.openxmlformats.org/presentationml/2006/main">
   <p:cSld>
@@ -9587,10 +11180,10 @@
       </p:grpSpPr>
       <p:sp>
         <p:nvSpPr>
-          <p:cNvPr id="4" name="Tytuł 3">
+          <p:cNvPr id="2" name="Tytuł 1">
             <a:extLst>
               <a:ext uri="{FF2B5EF4-FFF2-40B4-BE49-F238E27FC236}">
-                <a16:creationId xmlns:a16="http://schemas.microsoft.com/office/drawing/2014/main" id="{33590845-679B-40E9-B580-208EC72F096A}"/>
+                <a16:creationId xmlns:a16="http://schemas.microsoft.com/office/drawing/2014/main" id="{AC1D4BF1-01BF-F15C-E06E-B8B80E18F788}"/>
               </a:ext>
             </a:extLst>
           </p:cNvPr>
@@ -9607,18 +11200,18 @@
           <a:lstStyle/>
           <a:p>
             <a:r>
-              <a:rPr lang="en-US"/>
-              <a:t>Python Teaching Aids</a:t>
-            </a:r>
-          </a:p>
-        </p:txBody>
-      </p:sp>
-      <p:sp>
-        <p:nvSpPr>
-          <p:cNvPr id="2" name="Symbol zastępczy zawartości 1">
+              <a:rPr lang="pl-PL" dirty="0"/>
+              <a:t>Tools</a:t>
+            </a:r>
+          </a:p>
+        </p:txBody>
+      </p:sp>
+      <p:sp>
+        <p:nvSpPr>
+          <p:cNvPr id="3" name="Symbol zastępczy tekstu 2">
             <a:extLst>
               <a:ext uri="{FF2B5EF4-FFF2-40B4-BE49-F238E27FC236}">
-                <a16:creationId xmlns:a16="http://schemas.microsoft.com/office/drawing/2014/main" id="{41D4A72D-3389-4C11-9168-63616BF2753D}"/>
+                <a16:creationId xmlns:a16="http://schemas.microsoft.com/office/drawing/2014/main" id="{EE3938A7-0D81-08F9-86C9-5E078410A771}"/>
               </a:ext>
             </a:extLst>
           </p:cNvPr>
@@ -9626,68 +11219,24 @@
             <a:spLocks noGrp="1"/>
           </p:cNvSpPr>
           <p:nvPr>
-            <p:ph sz="half" idx="1"/>
+            <p:ph type="body" idx="1"/>
           </p:nvPr>
         </p:nvSpPr>
         <p:spPr/>
         <p:txBody>
-          <a:bodyPr>
-            <a:normAutofit/>
-          </a:bodyPr>
-          <a:lstStyle/>
-          <a:p>
-            <a:r>
-              <a:rPr lang="en-US" dirty="0"/>
-              <a:t>Python for Everybody (book)</a:t>
-            </a:r>
-          </a:p>
-          <a:p>
-            <a:pPr marL="457200" lvl="1" indent="0">
-              <a:buNone/>
-            </a:pPr>
-            <a:r>
-              <a:rPr lang="en-US" b="0" dirty="0">
-                <a:hlinkClick r:id="rId2"/>
-              </a:rPr>
-              <a:t>https://www.py4e.com/book</a:t>
-            </a:r>
-            <a:r>
-              <a:rPr lang="en-US" b="0" dirty="0"/>
-              <a:t> </a:t>
-            </a:r>
-          </a:p>
-          <a:p>
-            <a:endParaRPr lang="pl-PL" dirty="0"/>
-          </a:p>
-          <a:p>
-            <a:r>
-              <a:rPr lang="en-US" dirty="0"/>
-              <a:t>Python Tutorial</a:t>
-            </a:r>
-          </a:p>
-          <a:p>
-            <a:pPr marL="457200" lvl="1" indent="0">
-              <a:buNone/>
-            </a:pPr>
-            <a:r>
-              <a:rPr lang="en-US" b="0" dirty="0">
-                <a:hlinkClick r:id="rId3"/>
-              </a:rPr>
-              <a:t>https://docs.python.org/3/tutorial/index.html</a:t>
-            </a:r>
-            <a:r>
-              <a:rPr lang="en-US" b="0" dirty="0"/>
-              <a:t> </a:t>
-            </a:r>
-          </a:p>
-        </p:txBody>
-      </p:sp>
-      <p:sp>
-        <p:nvSpPr>
-          <p:cNvPr id="5" name="Symbol zastępczy zawartości 4">
+          <a:bodyPr/>
+          <a:lstStyle/>
+          <a:p>
+            <a:endParaRPr lang="pl-PL"/>
+          </a:p>
+        </p:txBody>
+      </p:sp>
+      <p:sp>
+        <p:nvSpPr>
+          <p:cNvPr id="4" name="Symbol zastępczy numeru slajdu 3">
             <a:extLst>
               <a:ext uri="{FF2B5EF4-FFF2-40B4-BE49-F238E27FC236}">
-                <a16:creationId xmlns:a16="http://schemas.microsoft.com/office/drawing/2014/main" id="{EC2C11A6-9282-D27C-5AC9-09188C4D35A6}"/>
+                <a16:creationId xmlns:a16="http://schemas.microsoft.com/office/drawing/2014/main" id="{47699019-6461-1123-66D5-8153CDD92DD0}"/>
               </a:ext>
             </a:extLst>
           </p:cNvPr>
@@ -9695,114 +11244,26 @@
             <a:spLocks noGrp="1"/>
           </p:cNvSpPr>
           <p:nvPr>
-            <p:ph sz="half" idx="2"/>
+            <p:ph type="sldNum" sz="quarter" idx="12"/>
           </p:nvPr>
         </p:nvSpPr>
         <p:spPr/>
         <p:txBody>
-          <a:bodyPr>
-            <a:normAutofit/>
-          </a:bodyPr>
-          <a:lstStyle/>
-          <a:p>
-            <a:r>
-              <a:rPr lang="en-US" dirty="0"/>
-              <a:t>W3</a:t>
-            </a:r>
-            <a:r>
-              <a:rPr lang="pl-PL" dirty="0"/>
-              <a:t>S</a:t>
-            </a:r>
-            <a:r>
-              <a:rPr lang="en-US" dirty="0" err="1"/>
-              <a:t>chools</a:t>
-            </a:r>
-            <a:r>
-              <a:rPr lang="en-US" dirty="0"/>
-              <a:t> Python Tutorial</a:t>
-            </a:r>
-          </a:p>
-          <a:p>
-            <a:pPr marL="457200" lvl="1" indent="0">
-              <a:buNone/>
-            </a:pPr>
-            <a:r>
-              <a:rPr lang="en-US" b="0" dirty="0">
-                <a:hlinkClick r:id="rId4"/>
-              </a:rPr>
-              <a:t>https://www.w3schools.com/python/default.asp</a:t>
-            </a:r>
-            <a:r>
-              <a:rPr lang="en-US" b="0" dirty="0"/>
-              <a:t> </a:t>
-            </a:r>
-          </a:p>
-          <a:p>
-            <a:endParaRPr lang="pl-PL" dirty="0"/>
-          </a:p>
-          <a:p>
-            <a:r>
-              <a:rPr lang="en-US" dirty="0" err="1"/>
-              <a:t>SoloLearn</a:t>
-            </a:r>
-            <a:r>
-              <a:rPr lang="en-US" dirty="0"/>
-              <a:t> Python Course (Android)</a:t>
-            </a:r>
-          </a:p>
-          <a:p>
-            <a:pPr marL="457200" lvl="1" indent="0">
-              <a:buNone/>
-            </a:pPr>
-            <a:r>
-              <a:rPr lang="en-US" b="0" dirty="0">
-                <a:hlinkClick r:id="rId5"/>
-              </a:rPr>
-              <a:t>https://play.google.com/store/apps/details?id=com.sololearn&amp;hl=en</a:t>
-            </a:r>
-            <a:r>
-              <a:rPr lang="en-US" b="0" dirty="0"/>
-              <a:t> </a:t>
-            </a:r>
-          </a:p>
-          <a:p>
-            <a:endParaRPr lang="pl-PL" dirty="0"/>
-          </a:p>
-        </p:txBody>
-      </p:sp>
-      <p:sp>
-        <p:nvSpPr>
-          <p:cNvPr id="3" name="Symbol zastępczy numeru slajdu 2">
-            <a:extLst>
-              <a:ext uri="{FF2B5EF4-FFF2-40B4-BE49-F238E27FC236}">
-                <a16:creationId xmlns:a16="http://schemas.microsoft.com/office/drawing/2014/main" id="{BC919D30-5A65-40E7-89AD-E69551F2069E}"/>
-              </a:ext>
-            </a:extLst>
-          </p:cNvPr>
-          <p:cNvSpPr>
-            <a:spLocks noGrp="1"/>
-          </p:cNvSpPr>
-          <p:nvPr>
-            <p:ph type="sldNum" sz="quarter" idx="12"/>
-          </p:nvPr>
-        </p:nvSpPr>
-        <p:spPr/>
-        <p:txBody>
           <a:bodyPr/>
           <a:lstStyle/>
           <a:p>
             <a:fld id="{254C963F-D690-449C-B336-8B464EE7B8DB}" type="slidenum">
-              <a:rPr lang="en-US" smtClean="0"/>
+              <a:rPr lang="pl-PL" smtClean="0"/>
               <a:t>7</a:t>
             </a:fld>
-            <a:endParaRPr lang="en-US"/>
+            <a:endParaRPr lang="pl-PL" dirty="0"/>
           </a:p>
         </p:txBody>
       </p:sp>
     </p:spTree>
     <p:extLst>
       <p:ext uri="{BB962C8B-B14F-4D97-AF65-F5344CB8AC3E}">
-        <p14:creationId xmlns:p14="http://schemas.microsoft.com/office/powerpoint/2010/main" val="3376502272"/>
+        <p14:creationId xmlns:p14="http://schemas.microsoft.com/office/powerpoint/2010/main" val="3622438534"/>
       </p:ext>
     </p:extLst>
   </p:cSld>
@@ -9831,10 +11292,10 @@
       </p:grpSpPr>
       <p:sp>
         <p:nvSpPr>
-          <p:cNvPr id="2" name="Tytuł 1">
+          <p:cNvPr id="5" name="Symbol zastępczy zawartości 4">
             <a:extLst>
               <a:ext uri="{FF2B5EF4-FFF2-40B4-BE49-F238E27FC236}">
-                <a16:creationId xmlns:a16="http://schemas.microsoft.com/office/drawing/2014/main" id="{005DE35A-36F4-48CE-5B82-D9ABD47366FC}"/>
+                <a16:creationId xmlns:a16="http://schemas.microsoft.com/office/drawing/2014/main" id="{FBD87A7D-672E-944B-24E5-DF24409D1FB9}"/>
               </a:ext>
             </a:extLst>
           </p:cNvPr>
@@ -9842,7 +11303,7 @@
             <a:spLocks noGrp="1"/>
           </p:cNvSpPr>
           <p:nvPr>
-            <p:ph type="title"/>
+            <p:ph idx="1"/>
           </p:nvPr>
         </p:nvSpPr>
         <p:spPr/>
@@ -9850,44 +11311,42 @@
           <a:bodyPr/>
           <a:lstStyle/>
           <a:p>
-            <a:r>
-              <a:rPr lang="pl-PL" dirty="0"/>
-              <a:t>To Do</a:t>
-            </a:r>
-          </a:p>
-        </p:txBody>
-      </p:sp>
-      <p:sp>
-        <p:nvSpPr>
-          <p:cNvPr id="3" name="Symbol zastępczy tekstu 2">
+            <a:pPr algn="ctr"/>
+            <a:br>
+              <a:rPr lang="pl-PL" dirty="0"/>
+            </a:br>
+            <a:br>
+              <a:rPr lang="pl-PL" dirty="0"/>
+            </a:br>
+            <a:br>
+              <a:rPr lang="pl-PL" dirty="0"/>
+            </a:br>
+            <a:br>
+              <a:rPr lang="pl-PL" dirty="0"/>
+            </a:br>
+            <a:br>
+              <a:rPr lang="pl-PL" dirty="0"/>
+            </a:br>
+            <a:br>
+              <a:rPr lang="pl-PL" dirty="0"/>
+            </a:br>
+            <a:br>
+              <a:rPr lang="pl-PL" dirty="0"/>
+            </a:br>
+            <a:r>
+              <a:rPr lang="nn-NO" dirty="0"/>
+              <a:t>https://code.visualstudio.com </a:t>
+            </a:r>
+            <a:endParaRPr lang="pl-PL" dirty="0"/>
+          </a:p>
+        </p:txBody>
+      </p:sp>
+      <p:sp>
+        <p:nvSpPr>
+          <p:cNvPr id="3" name="Symbol zastępczy numeru slajdu 2">
             <a:extLst>
               <a:ext uri="{FF2B5EF4-FFF2-40B4-BE49-F238E27FC236}">
-                <a16:creationId xmlns:a16="http://schemas.microsoft.com/office/drawing/2014/main" id="{5C593541-A8CA-3595-EFED-636ACE762969}"/>
-              </a:ext>
-            </a:extLst>
-          </p:cNvPr>
-          <p:cNvSpPr>
-            <a:spLocks noGrp="1"/>
-          </p:cNvSpPr>
-          <p:nvPr>
-            <p:ph type="body" idx="1"/>
-          </p:nvPr>
-        </p:nvSpPr>
-        <p:spPr/>
-        <p:txBody>
-          <a:bodyPr/>
-          <a:lstStyle/>
-          <a:p>
-            <a:endParaRPr lang="pl-PL"/>
-          </a:p>
-        </p:txBody>
-      </p:sp>
-      <p:sp>
-        <p:nvSpPr>
-          <p:cNvPr id="4" name="Symbol zastępczy numeru slajdu 3">
-            <a:extLst>
-              <a:ext uri="{FF2B5EF4-FFF2-40B4-BE49-F238E27FC236}">
-                <a16:creationId xmlns:a16="http://schemas.microsoft.com/office/drawing/2014/main" id="{47E464A5-B833-B951-CEBB-D761B64ADEDA}"/>
+                <a16:creationId xmlns:a16="http://schemas.microsoft.com/office/drawing/2014/main" id="{6464FD0F-50B8-488E-F3DD-6D41349B68D1}"/>
               </a:ext>
             </a:extLst>
           </p:cNvPr>
@@ -9911,10 +11370,85 @@
           </a:p>
         </p:txBody>
       </p:sp>
+      <p:sp>
+        <p:nvSpPr>
+          <p:cNvPr id="4" name="Tytuł 3">
+            <a:extLst>
+              <a:ext uri="{FF2B5EF4-FFF2-40B4-BE49-F238E27FC236}">
+                <a16:creationId xmlns:a16="http://schemas.microsoft.com/office/drawing/2014/main" id="{5A761D7A-031A-1282-7096-A952BD2D666A}"/>
+              </a:ext>
+            </a:extLst>
+          </p:cNvPr>
+          <p:cNvSpPr>
+            <a:spLocks noGrp="1"/>
+          </p:cNvSpPr>
+          <p:nvPr>
+            <p:ph type="title"/>
+          </p:nvPr>
+        </p:nvSpPr>
+        <p:spPr/>
+        <p:txBody>
+          <a:bodyPr/>
+          <a:lstStyle/>
+          <a:p>
+            <a:r>
+              <a:rPr lang="en-US"/>
+              <a:t>Source-Code Editor</a:t>
+            </a:r>
+          </a:p>
+        </p:txBody>
+      </p:sp>
+      <p:pic>
+        <p:nvPicPr>
+          <p:cNvPr id="7" name="Picture 6" descr="Zobacz obraz źródłowy">
+            <a:extLst>
+              <a:ext uri="{FF2B5EF4-FFF2-40B4-BE49-F238E27FC236}">
+                <a16:creationId xmlns:a16="http://schemas.microsoft.com/office/drawing/2014/main" id="{B93A836D-9D0F-32D7-F8AA-B304D3169C30}"/>
+              </a:ext>
+            </a:extLst>
+          </p:cNvPr>
+          <p:cNvPicPr>
+            <a:picLocks noChangeAspect="1" noChangeArrowheads="1"/>
+          </p:cNvPicPr>
+          <p:nvPr/>
+        </p:nvPicPr>
+        <p:blipFill>
+          <a:blip r:embed="rId2">
+            <a:extLst>
+              <a:ext uri="{28A0092B-C50C-407E-A947-70E740481C1C}">
+                <a14:useLocalDpi xmlns:a14="http://schemas.microsoft.com/office/drawing/2010/main" val="0"/>
+              </a:ext>
+            </a:extLst>
+          </a:blip>
+          <a:srcRect/>
+          <a:stretch>
+            <a:fillRect/>
+          </a:stretch>
+        </p:blipFill>
+        <p:spPr bwMode="auto">
+          <a:xfrm>
+            <a:off x="4833467" y="2174190"/>
+            <a:ext cx="2525066" cy="1893800"/>
+          </a:xfrm>
+          <a:prstGeom prst="rect">
+            <a:avLst/>
+          </a:prstGeom>
+          <a:noFill/>
+          <a:extLst>
+            <a:ext uri="{909E8E84-426E-40DD-AFC4-6F175D3DCCD1}">
+              <a14:hiddenFill xmlns:a14="http://schemas.microsoft.com/office/drawing/2010/main">
+                <a:solidFill>
+                  <a:srgbClr val="FFFFFF"/>
+                </a:solidFill>
+              </a14:hiddenFill>
+            </a:ext>
+          </a:extLst>
+        </p:spPr>
+      </p:pic>
     </p:spTree>
     <p:extLst>
       <p:ext uri="{BB962C8B-B14F-4D97-AF65-F5344CB8AC3E}">
-        <p14:creationId xmlns:p14="http://schemas.microsoft.com/office/powerpoint/2010/main" val="1005848108"/>
+        <p14:creationId xmlns:p14="http://schemas.microsoft.com/office/powerpoint/2010/main" val="4232419462"/>
       </p:ext>
     </p:extLst>
   </p:cSld>
@@ -9946,7 +11480,7 @@
           <p:cNvPr id="6" name="Symbol zastępczy zawartości 5">
             <a:extLst>
               <a:ext uri="{FF2B5EF4-FFF2-40B4-BE49-F238E27FC236}">
-                <a16:creationId xmlns:a16="http://schemas.microsoft.com/office/drawing/2014/main" id="{3BEF4DD1-DF03-4BD7-972C-609EAA9D84FC}"/>
+                <a16:creationId xmlns:a16="http://schemas.microsoft.com/office/drawing/2014/main" id="{A69D0C9F-759D-7446-AC24-9B2EA7C41AB8}"/>
               </a:ext>
             </a:extLst>
           </p:cNvPr>
@@ -9963,44 +11497,41 @@
           <a:lstStyle/>
           <a:p>
             <a:pPr algn="ctr"/>
-            <a:endParaRPr lang="en-US" dirty="0"/>
+            <a:br>
+              <a:rPr lang="pl-PL" dirty="0"/>
+            </a:br>
+            <a:br>
+              <a:rPr lang="pl-PL" dirty="0"/>
+            </a:br>
+            <a:br>
+              <a:rPr lang="pl-PL" dirty="0"/>
+            </a:br>
+            <a:br>
+              <a:rPr lang="pl-PL" dirty="0"/>
+            </a:br>
+            <a:endParaRPr lang="pl-PL" dirty="0"/>
           </a:p>
           <a:p>
             <a:pPr algn="ctr"/>
-            <a:r>
-              <a:rPr lang="en-US" dirty="0"/>
-              <a:t>Use the </a:t>
-            </a:r>
-            <a:r>
-              <a:rPr lang="pl-PL" dirty="0"/>
-              <a:t>Team </a:t>
-            </a:r>
-            <a:r>
-              <a:rPr lang="en-US" dirty="0"/>
-              <a:t>Code</a:t>
-            </a:r>
+            <a:br>
+              <a:rPr lang="pl-PL" dirty="0"/>
+            </a:br>
+            <a:r>
+              <a:rPr lang="pl-PL" dirty="0"/>
+              <a:t>https://git-scm.com </a:t>
+            </a:r>
+          </a:p>
+          <a:p>
             <a:endParaRPr lang="pl-PL" dirty="0"/>
           </a:p>
-          <a:p>
-            <a:pPr algn="ctr"/>
-            <a:r>
-              <a:rPr lang="en-US" sz="7200" dirty="0"/>
-              <a:t>ek54239</a:t>
-            </a:r>
-            <a:endParaRPr lang="en-US" dirty="0"/>
-          </a:p>
-          <a:p>
-            <a:pPr algn="ctr"/>
-            <a:endParaRPr lang="en-US" dirty="0"/>
-          </a:p>
-        </p:txBody>
-      </p:sp>
-      <p:sp>
-        <p:nvSpPr>
-          <p:cNvPr id="4" name="Symbol zastępczy numeru slajdu 3">
+        </p:txBody>
+      </p:sp>
+      <p:sp>
+        <p:nvSpPr>
+          <p:cNvPr id="3" name="Symbol zastępczy numeru slajdu 2">
             <a:extLst>
               <a:ext uri="{FF2B5EF4-FFF2-40B4-BE49-F238E27FC236}">
-                <a16:creationId xmlns:a16="http://schemas.microsoft.com/office/drawing/2014/main" id="{A9E7A3CE-C572-405A-92A2-0E1533B68464}"/>
+                <a16:creationId xmlns:a16="http://schemas.microsoft.com/office/drawing/2014/main" id="{6464FD0F-50B8-488E-F3DD-6D41349B68D1}"/>
               </a:ext>
             </a:extLst>
           </p:cNvPr>
@@ -10017,19 +11548,19 @@
           <a:lstStyle/>
           <a:p>
             <a:fld id="{254C963F-D690-449C-B336-8B464EE7B8DB}" type="slidenum">
-              <a:rPr lang="en-US" smtClean="0"/>
+              <a:rPr lang="pl-PL" smtClean="0"/>
               <a:t>9</a:t>
             </a:fld>
-            <a:endParaRPr lang="en-US" dirty="0"/>
-          </a:p>
-        </p:txBody>
-      </p:sp>
-      <p:sp>
-        <p:nvSpPr>
-          <p:cNvPr id="5" name="Tytuł 4">
+            <a:endParaRPr lang="pl-PL" dirty="0"/>
+          </a:p>
+        </p:txBody>
+      </p:sp>
+      <p:sp>
+        <p:nvSpPr>
+          <p:cNvPr id="4" name="Tytuł 3">
             <a:extLst>
               <a:ext uri="{FF2B5EF4-FFF2-40B4-BE49-F238E27FC236}">
-                <a16:creationId xmlns:a16="http://schemas.microsoft.com/office/drawing/2014/main" id="{E5EAA86D-7FAF-4F5F-B693-8A5642336538}"/>
+                <a16:creationId xmlns:a16="http://schemas.microsoft.com/office/drawing/2014/main" id="{5A761D7A-031A-1282-7096-A952BD2D666A}"/>
               </a:ext>
             </a:extLst>
           </p:cNvPr>
@@ -10046,28 +11577,63 @@
           <a:lstStyle/>
           <a:p>
             <a:r>
-              <a:rPr lang="en-US" dirty="0"/>
-              <a:t>Sign up for the </a:t>
-            </a:r>
-            <a:r>
-              <a:rPr lang="pl-PL" dirty="0"/>
-              <a:t>C</a:t>
-            </a:r>
-            <a:r>
-              <a:rPr lang="en-US" dirty="0" err="1"/>
-              <a:t>ourse</a:t>
-            </a:r>
-            <a:r>
-              <a:rPr lang="en-US" dirty="0"/>
-              <a:t> on Teams</a:t>
-            </a:r>
-          </a:p>
-        </p:txBody>
-      </p:sp>
+              <a:rPr lang="pl-PL" dirty="0"/>
+              <a:t>Version Control System</a:t>
+            </a:r>
+          </a:p>
+        </p:txBody>
+      </p:sp>
+      <p:pic>
+        <p:nvPicPr>
+          <p:cNvPr id="7" name="Picture 4" descr="Zobacz obraz źródłowy">
+            <a:extLst>
+              <a:ext uri="{FF2B5EF4-FFF2-40B4-BE49-F238E27FC236}">
+                <a16:creationId xmlns:a16="http://schemas.microsoft.com/office/drawing/2014/main" id="{3F7826D5-87FF-F7A4-05D3-91604775B2BB}"/>
+              </a:ext>
+            </a:extLst>
+          </p:cNvPr>
+          <p:cNvPicPr>
+            <a:picLocks noChangeAspect="1" noChangeArrowheads="1"/>
+          </p:cNvPicPr>
+          <p:nvPr/>
+        </p:nvPicPr>
+        <p:blipFill>
+          <a:blip r:embed="rId2">
+            <a:extLst>
+              <a:ext uri="{28A0092B-C50C-407E-A947-70E740481C1C}">
+                <a14:useLocalDpi xmlns:a14="http://schemas.microsoft.com/office/drawing/2010/main" val="0"/>
+              </a:ext>
+            </a:extLst>
+          </a:blip>
+          <a:srcRect/>
+          <a:stretch>
+            <a:fillRect/>
+          </a:stretch>
+        </p:blipFill>
+        <p:spPr bwMode="auto">
+          <a:xfrm>
+            <a:off x="3409605" y="2393576"/>
+            <a:ext cx="5372790" cy="1790930"/>
+          </a:xfrm>
+          <a:prstGeom prst="rect">
+            <a:avLst/>
+          </a:prstGeom>
+          <a:noFill/>
+          <a:extLst>
+            <a:ext uri="{909E8E84-426E-40DD-AFC4-6F175D3DCCD1}">
+              <a14:hiddenFill xmlns:a14="http://schemas.microsoft.com/office/drawing/2010/main">
+                <a:solidFill>
+                  <a:srgbClr val="FFFFFF"/>
+                </a:solidFill>
+              </a14:hiddenFill>
+            </a:ext>
+          </a:extLst>
+        </p:spPr>
+      </p:pic>
     </p:spTree>
     <p:extLst>
       <p:ext uri="{BB962C8B-B14F-4D97-AF65-F5344CB8AC3E}">
-        <p14:creationId xmlns:p14="http://schemas.microsoft.com/office/powerpoint/2010/main" val="3207883656"/>
+        <p14:creationId xmlns:p14="http://schemas.microsoft.com/office/powerpoint/2010/main" val="1840778044"/>
       </p:ext>
     </p:extLst>
   </p:cSld>
